--- a/posterAndSlide/poster.pptx
+++ b/posterAndSlide/poster.pptx
@@ -8,7 +8,7 @@
     <p:sldId id="256" r:id="rId3"/>
   </p:sldIdLst>
   <p:sldSz cx="36576000" cy="27432000"/>
-  <p:notesSz cx="32004000" cy="51101625"/>
+  <p:notesSz cx="7772400" cy="10058400"/>
 </p:presentation>
 </file>
 
@@ -1199,7 +1199,7 @@
         <p:spPr>
           <a:xfrm>
             <a:off x="2743200" y="24991920"/>
-            <a:ext cx="7618320" cy="1827000"/>
+            <a:ext cx="7617960" cy="1826640"/>
           </a:xfrm>
           <a:prstGeom prst="rect">
             <a:avLst/>
@@ -1225,7 +1225,7 @@
         <p:spPr>
           <a:xfrm>
             <a:off x="12496680" y="24991920"/>
-            <a:ext cx="11580480" cy="1827000"/>
+            <a:ext cx="11580120" cy="1826640"/>
           </a:xfrm>
           <a:prstGeom prst="rect">
             <a:avLst/>
@@ -1442,7 +1442,7 @@
         <p:spPr>
           <a:xfrm>
             <a:off x="6193440" y="608040"/>
-            <a:ext cx="24229800" cy="1522080"/>
+            <a:ext cx="24229440" cy="1521720"/>
           </a:xfrm>
           <a:prstGeom prst="rect">
             <a:avLst/>
@@ -1489,7 +1489,7 @@
         <p:spPr>
           <a:xfrm>
             <a:off x="1607400" y="1637640"/>
-            <a:ext cx="32916600" cy="1011240"/>
+            <a:ext cx="32916240" cy="1010880"/>
           </a:xfrm>
           <a:prstGeom prst="rect">
             <a:avLst/>
@@ -1539,8 +1539,8 @@
         </p:blipFill>
         <p:spPr>
           <a:xfrm>
-            <a:off x="29527200" y="19568160"/>
-            <a:ext cx="2019600" cy="3334680"/>
+            <a:off x="5852160" y="21671280"/>
+            <a:ext cx="2019240" cy="3334320"/>
           </a:xfrm>
           <a:prstGeom prst="rect">
             <a:avLst/>
@@ -1562,8 +1562,8 @@
         </p:blipFill>
         <p:spPr>
           <a:xfrm>
-            <a:off x="15577560" y="18734400"/>
-            <a:ext cx="1981440" cy="3305880"/>
+            <a:off x="28562400" y="19211040"/>
+            <a:ext cx="1981080" cy="3305520"/>
           </a:xfrm>
           <a:prstGeom prst="rect">
             <a:avLst/>
@@ -1575,14 +1575,14 @@
       </p:pic>
       <p:sp>
         <p:nvSpPr>
-          <p:cNvPr id="42" name="TextShape 3"/>
-          <p:cNvSpPr txBox="1"/>
-          <p:nvPr/>
-        </p:nvSpPr>
-        <p:spPr>
-          <a:xfrm>
-            <a:off x="12712320" y="22402800"/>
-            <a:ext cx="2402640" cy="1896120"/>
+          <p:cNvPr id="42" name="CustomShape 3"/>
+          <p:cNvSpPr/>
+          <p:nvPr/>
+        </p:nvSpPr>
+        <p:spPr>
+          <a:xfrm>
+            <a:off x="25697160" y="22879440"/>
+            <a:ext cx="2402280" cy="1895760"/>
           </a:xfrm>
           <a:prstGeom prst="rect">
             <a:avLst/>
@@ -1592,11 +1592,17 @@
             <a:noFill/>
           </a:ln>
         </p:spPr>
+        <p:style>
+          <a:lnRef idx="0"/>
+          <a:fillRef idx="0"/>
+          <a:effectRef idx="0"/>
+          <a:fontRef idx="minor"/>
+        </p:style>
         <p:txBody>
           <a:bodyPr lIns="90000" rIns="90000" tIns="45000" bIns="45000"/>
           <a:p>
             <a:r>
-              <a:rPr lang="en-US" sz="3200">
+              <a:rPr lang="en-US" sz="3200" strike="noStrike">
                 <a:latin typeface="Times New Roman"/>
               </a:rPr>
               <a:t>p(xi) given</a:t>
@@ -1605,7 +1611,7 @@
           </a:p>
           <a:p>
             <a:r>
-              <a:rPr lang="en-US" sz="3200">
+              <a:rPr lang="en-US" sz="3200" strike="noStrike">
                 <a:latin typeface="Times New Roman"/>
               </a:rPr>
               <a:t>one keypoint,</a:t>
@@ -1614,7 +1620,7 @@
           </a:p>
           <a:p>
             <a:r>
-              <a:rPr lang="en-US" sz="3200">
+              <a:rPr lang="en-US" sz="3200" strike="noStrike">
                 <a:latin typeface="Times New Roman"/>
               </a:rPr>
               <a:t>a</a:t>
@@ -1628,14 +1634,14 @@
       </p:sp>
       <p:sp>
         <p:nvSpPr>
-          <p:cNvPr id="43" name="TextShape 4"/>
-          <p:cNvSpPr txBox="1"/>
-          <p:nvPr/>
-        </p:nvSpPr>
-        <p:spPr>
-          <a:xfrm>
-            <a:off x="15453360" y="22585680"/>
-            <a:ext cx="2378160" cy="1444680"/>
+          <p:cNvPr id="43" name="CustomShape 4"/>
+          <p:cNvSpPr/>
+          <p:nvPr/>
+        </p:nvSpPr>
+        <p:spPr>
+          <a:xfrm>
+            <a:off x="28438200" y="23062320"/>
+            <a:ext cx="2377800" cy="1444320"/>
           </a:xfrm>
           <a:prstGeom prst="rect">
             <a:avLst/>
@@ -1645,11 +1651,17 @@
             <a:noFill/>
           </a:ln>
         </p:spPr>
+        <p:style>
+          <a:lnRef idx="0"/>
+          <a:fillRef idx="0"/>
+          <a:effectRef idx="0"/>
+          <a:fontRef idx="minor"/>
+        </p:style>
         <p:txBody>
           <a:bodyPr lIns="90000" rIns="90000" tIns="45000" bIns="45000"/>
           <a:p>
             <a:r>
-              <a:rPr lang="en-US" sz="3200">
+              <a:rPr lang="en-US" sz="3200" strike="noStrike">
                 <a:latin typeface="Times New Roman"/>
               </a:rPr>
               <a:t>p(xi) given</a:t>
@@ -1658,7 +1670,7 @@
           </a:p>
           <a:p>
             <a:r>
-              <a:rPr lang="en-US" sz="3200">
+              <a:rPr lang="en-US" sz="3200" strike="noStrike">
                 <a:latin typeface="Times New Roman"/>
               </a:rPr>
               <a:t>all keypoints,</a:t>
@@ -1667,7 +1679,7 @@
           </a:p>
           <a:p>
             <a:r>
-              <a:rPr lang="en-US" sz="3200">
+              <a:rPr lang="en-US" sz="3200" strike="noStrike">
                 <a:latin typeface="Times New Roman"/>
               </a:rPr>
               <a:t>a</a:t>
@@ -1678,14 +1690,14 @@
       </p:sp>
       <p:sp>
         <p:nvSpPr>
-          <p:cNvPr id="44" name="TextShape 5"/>
-          <p:cNvSpPr txBox="1"/>
-          <p:nvPr/>
-        </p:nvSpPr>
-        <p:spPr>
-          <a:xfrm>
-            <a:off x="18288000" y="17556480"/>
-            <a:ext cx="1982160" cy="993240"/>
+          <p:cNvPr id="44" name="CustomShape 5"/>
+          <p:cNvSpPr/>
+          <p:nvPr/>
+        </p:nvSpPr>
+        <p:spPr>
+          <a:xfrm>
+            <a:off x="31272840" y="18033120"/>
+            <a:ext cx="1981800" cy="992880"/>
           </a:xfrm>
           <a:prstGeom prst="rect">
             <a:avLst/>
@@ -1695,11 +1707,17 @@
             <a:noFill/>
           </a:ln>
         </p:spPr>
+        <p:style>
+          <a:lnRef idx="0"/>
+          <a:fillRef idx="0"/>
+          <a:effectRef idx="0"/>
+          <a:fontRef idx="minor"/>
+        </p:style>
         <p:txBody>
           <a:bodyPr lIns="90000" rIns="90000" tIns="45000" bIns="45000"/>
           <a:p>
             <a:r>
-              <a:rPr lang="en-US" sz="3200">
+              <a:rPr lang="en-US" sz="3200" strike="noStrike">
                 <a:latin typeface="Times New Roman"/>
               </a:rPr>
               <a:t>p(xi) given</a:t>
@@ -1708,7 +1726,7 @@
           </a:p>
           <a:p>
             <a:r>
-              <a:rPr lang="en-US" sz="3200">
+              <a:rPr lang="en-US" sz="3200" strike="noStrike">
                 <a:latin typeface="Times New Roman"/>
               </a:rPr>
               <a:t>x0, a</a:t>
@@ -1719,14 +1737,14 @@
       </p:sp>
       <p:sp>
         <p:nvSpPr>
-          <p:cNvPr id="45" name="TextShape 6"/>
-          <p:cNvSpPr txBox="1"/>
-          <p:nvPr/>
-        </p:nvSpPr>
-        <p:spPr>
-          <a:xfrm>
-            <a:off x="18288000" y="22421160"/>
-            <a:ext cx="1982160" cy="1444680"/>
+          <p:cNvPr id="45" name="CustomShape 6"/>
+          <p:cNvSpPr/>
+          <p:nvPr/>
+        </p:nvSpPr>
+        <p:spPr>
+          <a:xfrm>
+            <a:off x="31272840" y="22897800"/>
+            <a:ext cx="1981800" cy="1444320"/>
           </a:xfrm>
           <a:prstGeom prst="rect">
             <a:avLst/>
@@ -1736,11 +1754,17 @@
             <a:noFill/>
           </a:ln>
         </p:spPr>
+        <p:style>
+          <a:lnRef idx="0"/>
+          <a:fillRef idx="0"/>
+          <a:effectRef idx="0"/>
+          <a:fontRef idx="minor"/>
+        </p:style>
         <p:txBody>
           <a:bodyPr lIns="90000" rIns="90000" tIns="45000" bIns="45000"/>
           <a:p>
             <a:r>
-              <a:rPr lang="en-US" sz="3200">
+              <a:rPr lang="en-US" sz="3200" strike="noStrike">
                 <a:latin typeface="Times New Roman"/>
               </a:rPr>
               <a:t>p(xi) given</a:t>
@@ -1749,7 +1773,7 @@
           </a:p>
           <a:p>
             <a:r>
-              <a:rPr lang="en-US" sz="3200">
+              <a:rPr lang="en-US" sz="3200" strike="noStrike">
                 <a:latin typeface="Times New Roman"/>
               </a:rPr>
               <a:t>x0, a, and</a:t>
@@ -1758,7 +1782,7 @@
           </a:p>
           <a:p>
             <a:r>
-              <a:rPr lang="en-US" sz="3200">
+              <a:rPr lang="en-US" sz="3200" strike="noStrike">
                 <a:latin typeface="Times New Roman"/>
               </a:rPr>
               <a:t>keypoints</a:t>
@@ -1775,8 +1799,8 @@
         </p:nvSpPr>
         <p:spPr>
           <a:xfrm>
-            <a:off x="12020400" y="12070080"/>
-            <a:ext cx="8827920" cy="12070080"/>
+            <a:off x="25005240" y="12546720"/>
+            <a:ext cx="8827560" cy="12069720"/>
           </a:xfrm>
           <a:prstGeom prst="rect">
             <a:avLst/>
@@ -1808,8 +1832,8 @@
         </p:blipFill>
         <p:spPr>
           <a:xfrm>
-            <a:off x="12339000" y="18470880"/>
-            <a:ext cx="1981080" cy="3286080"/>
+            <a:off x="25323840" y="18947520"/>
+            <a:ext cx="1980720" cy="3285720"/>
           </a:xfrm>
           <a:prstGeom prst="rect">
             <a:avLst/>
@@ -1831,8 +1855,321 @@
         </p:blipFill>
         <p:spPr>
           <a:xfrm>
-            <a:off x="12618720" y="18750960"/>
-            <a:ext cx="1981080" cy="3286080"/>
+            <a:off x="25603560" y="19227600"/>
+            <a:ext cx="1980720" cy="3285720"/>
+          </a:xfrm>
+          <a:prstGeom prst="rect">
+            <a:avLst/>
+          </a:prstGeom>
+          <a:ln>
+            <a:noFill/>
+          </a:ln>
+        </p:spPr>
+      </p:pic>
+      <p:sp>
+        <p:nvSpPr>
+          <p:cNvPr id="49" name="CustomShape 8"/>
+          <p:cNvSpPr/>
+          <p:nvPr/>
+        </p:nvSpPr>
+        <p:spPr>
+          <a:xfrm>
+            <a:off x="31821480" y="12546720"/>
+            <a:ext cx="1645920" cy="822960"/>
+          </a:xfrm>
+          <a:prstGeom prst="rect">
+            <a:avLst/>
+          </a:prstGeom>
+          <a:noFill/>
+          <a:ln>
+            <a:noFill/>
+          </a:ln>
+        </p:spPr>
+        <p:style>
+          <a:lnRef idx="0"/>
+          <a:fillRef idx="0"/>
+          <a:effectRef idx="0"/>
+          <a:fontRef idx="minor"/>
+        </p:style>
+        <p:txBody>
+          <a:bodyPr lIns="90000" rIns="90000" tIns="45000" bIns="45000"/>
+          <a:p>
+            <a:r>
+              <a:rPr lang="en-US" sz="3200" strike="noStrike">
+                <a:latin typeface="Times New Roman"/>
+              </a:rPr>
+              <a:t>Vary xi</a:t>
+            </a:r>
+            <a:endParaRPr/>
+          </a:p>
+        </p:txBody>
+      </p:sp>
+      <p:sp>
+        <p:nvSpPr>
+          <p:cNvPr id="50" name="CustomShape 9"/>
+          <p:cNvSpPr/>
+          <p:nvPr/>
+        </p:nvSpPr>
+        <p:spPr>
+          <a:xfrm>
+            <a:off x="30998520" y="13186800"/>
+            <a:ext cx="2834280" cy="11429640"/>
+          </a:xfrm>
+          <a:prstGeom prst="rect">
+            <a:avLst/>
+          </a:prstGeom>
+          <a:noFill/>
+          <a:ln w="12600">
+            <a:solidFill>
+              <a:srgbClr val="000000"/>
+            </a:solidFill>
+            <a:miter/>
+          </a:ln>
+        </p:spPr>
+        <p:style>
+          <a:lnRef idx="0"/>
+          <a:fillRef idx="0"/>
+          <a:effectRef idx="0"/>
+          <a:fontRef idx="minor"/>
+        </p:style>
+      </p:sp>
+      <p:sp>
+        <p:nvSpPr>
+          <p:cNvPr id="51" name="CustomShape 10"/>
+          <p:cNvSpPr/>
+          <p:nvPr/>
+        </p:nvSpPr>
+        <p:spPr>
+          <a:xfrm>
+            <a:off x="25786440" y="11704320"/>
+            <a:ext cx="7040880" cy="822960"/>
+          </a:xfrm>
+          <a:prstGeom prst="rect">
+            <a:avLst/>
+          </a:prstGeom>
+          <a:noFill/>
+          <a:ln>
+            <a:noFill/>
+          </a:ln>
+        </p:spPr>
+        <p:style>
+          <a:lnRef idx="0"/>
+          <a:fillRef idx="0"/>
+          <a:effectRef idx="0"/>
+          <a:fontRef idx="minor"/>
+        </p:style>
+        <p:txBody>
+          <a:bodyPr lIns="90000" rIns="90000" tIns="45000" bIns="45000"/>
+          <a:p>
+            <a:pPr algn="ctr"/>
+            <a:r>
+              <a:rPr lang="en-US" sz="3200" strike="noStrike">
+                <a:latin typeface="Times New Roman"/>
+              </a:rPr>
+              <a:t>Vary articulation state a</a:t>
+            </a:r>
+            <a:endParaRPr/>
+          </a:p>
+        </p:txBody>
+      </p:sp>
+      <p:pic>
+        <p:nvPicPr>
+          <p:cNvPr id="52" name="" descr=""/>
+          <p:cNvPicPr/>
+          <p:nvPr/>
+        </p:nvPicPr>
+        <p:blipFill>
+          <a:blip r:embed="rId5"/>
+          <a:stretch/>
+        </p:blipFill>
+        <p:spPr>
+          <a:xfrm>
+            <a:off x="5624640" y="4494240"/>
+            <a:ext cx="4133880" cy="1723680"/>
+          </a:xfrm>
+          <a:prstGeom prst="rect">
+            <a:avLst/>
+          </a:prstGeom>
+          <a:ln>
+            <a:noFill/>
+          </a:ln>
+        </p:spPr>
+      </p:pic>
+      <p:pic>
+        <p:nvPicPr>
+          <p:cNvPr id="53" name="" descr=""/>
+          <p:cNvPicPr/>
+          <p:nvPr/>
+        </p:nvPicPr>
+        <p:blipFill>
+          <a:blip r:embed="rId6"/>
+          <a:stretch/>
+        </p:blipFill>
+        <p:spPr>
+          <a:xfrm>
+            <a:off x="5592960" y="6515280"/>
+            <a:ext cx="4191120" cy="1714320"/>
+          </a:xfrm>
+          <a:prstGeom prst="rect">
+            <a:avLst/>
+          </a:prstGeom>
+          <a:ln>
+            <a:noFill/>
+          </a:ln>
+        </p:spPr>
+      </p:pic>
+      <p:pic>
+        <p:nvPicPr>
+          <p:cNvPr id="54" name="" descr=""/>
+          <p:cNvPicPr/>
+          <p:nvPr/>
+        </p:nvPicPr>
+        <p:blipFill>
+          <a:blip r:embed="rId7"/>
+          <a:stretch/>
+        </p:blipFill>
+        <p:spPr>
+          <a:xfrm>
+            <a:off x="5760720" y="9326880"/>
+            <a:ext cx="4114800" cy="1733400"/>
+          </a:xfrm>
+          <a:prstGeom prst="rect">
+            <a:avLst/>
+          </a:prstGeom>
+          <a:ln>
+            <a:noFill/>
+          </a:ln>
+        </p:spPr>
+      </p:pic>
+      <p:pic>
+        <p:nvPicPr>
+          <p:cNvPr id="55" name="" descr=""/>
+          <p:cNvPicPr/>
+          <p:nvPr/>
+        </p:nvPicPr>
+        <p:blipFill>
+          <a:blip r:embed="rId8"/>
+          <a:stretch/>
+        </p:blipFill>
+        <p:spPr>
+          <a:xfrm>
+            <a:off x="5833080" y="12344400"/>
+            <a:ext cx="4133880" cy="1723680"/>
+          </a:xfrm>
+          <a:prstGeom prst="rect">
+            <a:avLst/>
+          </a:prstGeom>
+          <a:ln>
+            <a:noFill/>
+          </a:ln>
+        </p:spPr>
+      </p:pic>
+      <p:pic>
+        <p:nvPicPr>
+          <p:cNvPr id="56" name="" descr=""/>
+          <p:cNvPicPr/>
+          <p:nvPr/>
+        </p:nvPicPr>
+        <p:blipFill>
+          <a:blip r:embed="rId9"/>
+          <a:stretch/>
+        </p:blipFill>
+        <p:spPr>
+          <a:xfrm>
+            <a:off x="1463040" y="5246280"/>
+            <a:ext cx="3257640" cy="3257640"/>
+          </a:xfrm>
+          <a:prstGeom prst="rect">
+            <a:avLst/>
+          </a:prstGeom>
+          <a:ln>
+            <a:noFill/>
+          </a:ln>
+        </p:spPr>
+      </p:pic>
+      <p:pic>
+        <p:nvPicPr>
+          <p:cNvPr id="57" name="" descr=""/>
+          <p:cNvPicPr/>
+          <p:nvPr/>
+        </p:nvPicPr>
+        <p:blipFill>
+          <a:blip r:embed="rId10"/>
+          <a:stretch/>
+        </p:blipFill>
+        <p:spPr>
+          <a:xfrm>
+            <a:off x="1680120" y="11829960"/>
+            <a:ext cx="3257640" cy="3257640"/>
+          </a:xfrm>
+          <a:prstGeom prst="rect">
+            <a:avLst/>
+          </a:prstGeom>
+          <a:ln>
+            <a:noFill/>
+          </a:ln>
+        </p:spPr>
+      </p:pic>
+      <p:pic>
+        <p:nvPicPr>
+          <p:cNvPr id="58" name="" descr=""/>
+          <p:cNvPicPr/>
+          <p:nvPr/>
+        </p:nvPicPr>
+        <p:blipFill>
+          <a:blip r:embed="rId11"/>
+          <a:stretch/>
+        </p:blipFill>
+        <p:spPr>
+          <a:xfrm>
+            <a:off x="10416960" y="6126480"/>
+            <a:ext cx="647280" cy="742680"/>
+          </a:xfrm>
+          <a:prstGeom prst="rect">
+            <a:avLst/>
+          </a:prstGeom>
+          <a:ln>
+            <a:noFill/>
+          </a:ln>
+        </p:spPr>
+      </p:pic>
+      <p:pic>
+        <p:nvPicPr>
+          <p:cNvPr id="59" name="" descr=""/>
+          <p:cNvPicPr/>
+          <p:nvPr/>
+        </p:nvPicPr>
+        <p:blipFill>
+          <a:blip r:embed="rId12"/>
+          <a:stretch/>
+        </p:blipFill>
+        <p:spPr>
+          <a:xfrm>
+            <a:off x="10378800" y="9826200"/>
+            <a:ext cx="685440" cy="780840"/>
+          </a:xfrm>
+          <a:prstGeom prst="rect">
+            <a:avLst/>
+          </a:prstGeom>
+          <a:ln>
+            <a:noFill/>
+          </a:ln>
+        </p:spPr>
+      </p:pic>
+      <p:pic>
+        <p:nvPicPr>
+          <p:cNvPr id="60" name="" descr=""/>
+          <p:cNvPicPr/>
+          <p:nvPr/>
+        </p:nvPicPr>
+        <p:blipFill>
+          <a:blip r:embed="rId13"/>
+          <a:stretch/>
+        </p:blipFill>
+        <p:spPr>
+          <a:xfrm>
+            <a:off x="10559880" y="12984480"/>
+            <a:ext cx="504360" cy="514080"/>
           </a:xfrm>
           <a:prstGeom prst="rect">
             <a:avLst/>

--- a/posterAndSlide/poster.pptx
+++ b/posterAndSlide/poster.pptx
@@ -1199,7 +1199,7 @@
         <p:spPr>
           <a:xfrm>
             <a:off x="2743200" y="24991920"/>
-            <a:ext cx="7617960" cy="1826640"/>
+            <a:ext cx="7617240" cy="1825920"/>
           </a:xfrm>
           <a:prstGeom prst="rect">
             <a:avLst/>
@@ -1225,7 +1225,7 @@
         <p:spPr>
           <a:xfrm>
             <a:off x="12496680" y="24991920"/>
-            <a:ext cx="11580120" cy="1826640"/>
+            <a:ext cx="11579400" cy="1825920"/>
           </a:xfrm>
           <a:prstGeom prst="rect">
             <a:avLst/>
@@ -1433,16 +1433,39 @@
           <a:chExt cx="0" cy="0"/>
         </a:xfrm>
       </p:grpSpPr>
-      <p:sp>
-        <p:nvSpPr>
-          <p:cNvPr id="38" name="CustomShape 1"/>
+      <p:pic>
+        <p:nvPicPr>
+          <p:cNvPr id="38" name="" descr=""/>
+          <p:cNvPicPr/>
+          <p:nvPr/>
+        </p:nvPicPr>
+        <p:blipFill>
+          <a:blip r:embed="rId1"/>
+          <a:stretch/>
+        </p:blipFill>
+        <p:spPr>
+          <a:xfrm>
+            <a:off x="10341360" y="12510000"/>
+            <a:ext cx="1697400" cy="1640520"/>
+          </a:xfrm>
+          <a:prstGeom prst="rect">
+            <a:avLst/>
+          </a:prstGeom>
+          <a:ln>
+            <a:noFill/>
+          </a:ln>
+        </p:spPr>
+      </p:pic>
+      <p:sp>
+        <p:nvSpPr>
+          <p:cNvPr id="39" name="CustomShape 1"/>
           <p:cNvSpPr/>
           <p:nvPr/>
         </p:nvSpPr>
         <p:spPr>
           <a:xfrm>
             <a:off x="6193440" y="608040"/>
-            <a:ext cx="24229440" cy="1521720"/>
+            <a:ext cx="24228720" cy="1521000"/>
           </a:xfrm>
           <a:prstGeom prst="rect">
             <a:avLst/>
@@ -1482,14 +1505,14 @@
       </p:sp>
       <p:sp>
         <p:nvSpPr>
-          <p:cNvPr id="39" name="CustomShape 2"/>
+          <p:cNvPr id="40" name="CustomShape 2"/>
           <p:cNvSpPr/>
           <p:nvPr/>
         </p:nvSpPr>
         <p:spPr>
           <a:xfrm>
             <a:off x="1607400" y="1637640"/>
-            <a:ext cx="32916240" cy="1010880"/>
+            <a:ext cx="32915520" cy="1010160"/>
           </a:xfrm>
           <a:prstGeom prst="rect">
             <a:avLst/>
@@ -1529,29 +1552,6 @@
       </p:sp>
       <p:pic>
         <p:nvPicPr>
-          <p:cNvPr id="40" name="" descr=""/>
-          <p:cNvPicPr/>
-          <p:nvPr/>
-        </p:nvPicPr>
-        <p:blipFill>
-          <a:blip r:embed="rId1"/>
-          <a:stretch/>
-        </p:blipFill>
-        <p:spPr>
-          <a:xfrm>
-            <a:off x="5852160" y="21671280"/>
-            <a:ext cx="2019240" cy="3334320"/>
-          </a:xfrm>
-          <a:prstGeom prst="rect">
-            <a:avLst/>
-          </a:prstGeom>
-          <a:ln>
-            <a:noFill/>
-          </a:ln>
-        </p:spPr>
-      </p:pic>
-      <p:pic>
-        <p:nvPicPr>
           <p:cNvPr id="41" name="" descr=""/>
           <p:cNvPicPr/>
           <p:nvPr/>
@@ -1562,8 +1562,8 @@
         </p:blipFill>
         <p:spPr>
           <a:xfrm>
-            <a:off x="28562400" y="19211040"/>
-            <a:ext cx="1981080" cy="3305520"/>
+            <a:off x="30368160" y="10419480"/>
+            <a:ext cx="1980360" cy="3304800"/>
           </a:xfrm>
           <a:prstGeom prst="rect">
             <a:avLst/>
@@ -1581,8 +1581,8 @@
         </p:nvSpPr>
         <p:spPr>
           <a:xfrm>
-            <a:off x="25697160" y="22879440"/>
-            <a:ext cx="2402280" cy="1895760"/>
+            <a:off x="27502920" y="13763880"/>
+            <a:ext cx="2401560" cy="1895040"/>
           </a:xfrm>
           <a:prstGeom prst="rect">
             <a:avLst/>
@@ -1603,27 +1603,13 @@
           <a:p>
             <a:r>
               <a:rPr lang="en-US" sz="3200" strike="noStrike">
-                <a:latin typeface="Times New Roman"/>
-              </a:rPr>
-              <a:t>p(xi) given</a:t>
-            </a:r>
-            <a:endParaRPr/>
-          </a:p>
-          <a:p>
-            <a:r>
-              <a:rPr lang="en-US" sz="3200" strike="noStrike">
-                <a:latin typeface="Times New Roman"/>
-              </a:rPr>
-              <a:t>one keypoint,</a:t>
-            </a:r>
-            <a:endParaRPr/>
-          </a:p>
-          <a:p>
-            <a:r>
-              <a:rPr lang="en-US" sz="3200" strike="noStrike">
-                <a:latin typeface="Times New Roman"/>
-              </a:rPr>
-              <a:t>a</a:t>
+                <a:solidFill>
+                  <a:srgbClr val="000000"/>
+                </a:solidFill>
+                <a:latin typeface="Times New Roman"/>
+                <a:ea typeface="DejaVu Sans"/>
+              </a:rPr>
+              <a:t>p(xi) given one keypoint</a:t>
             </a:r>
             <a:endParaRPr/>
           </a:p>
@@ -1640,8 +1626,8 @@
         </p:nvSpPr>
         <p:spPr>
           <a:xfrm>
-            <a:off x="28438200" y="23062320"/>
-            <a:ext cx="2377800" cy="1444320"/>
+            <a:off x="30243960" y="13802760"/>
+            <a:ext cx="2377080" cy="1443600"/>
           </a:xfrm>
           <a:prstGeom prst="rect">
             <a:avLst/>
@@ -1662,27 +1648,13 @@
           <a:p>
             <a:r>
               <a:rPr lang="en-US" sz="3200" strike="noStrike">
-                <a:latin typeface="Times New Roman"/>
-              </a:rPr>
-              <a:t>p(xi) given</a:t>
-            </a:r>
-            <a:endParaRPr/>
-          </a:p>
-          <a:p>
-            <a:r>
-              <a:rPr lang="en-US" sz="3200" strike="noStrike">
-                <a:latin typeface="Times New Roman"/>
-              </a:rPr>
-              <a:t>all keypoints,</a:t>
-            </a:r>
-            <a:endParaRPr/>
-          </a:p>
-          <a:p>
-            <a:r>
-              <a:rPr lang="en-US" sz="3200" strike="noStrike">
-                <a:latin typeface="Times New Roman"/>
-              </a:rPr>
-              <a:t>a</a:t>
+                <a:solidFill>
+                  <a:srgbClr val="000000"/>
+                </a:solidFill>
+                <a:latin typeface="Times New Roman"/>
+                <a:ea typeface="DejaVu Sans"/>
+              </a:rPr>
+              <a:t>p(xi) given all keypoints</a:t>
             </a:r>
             <a:endParaRPr/>
           </a:p>
@@ -1696,8 +1668,8 @@
         </p:nvSpPr>
         <p:spPr>
           <a:xfrm>
-            <a:off x="31272840" y="18033120"/>
-            <a:ext cx="1981800" cy="992880"/>
+            <a:off x="32840280" y="8953560"/>
+            <a:ext cx="2725560" cy="712080"/>
           </a:xfrm>
           <a:prstGeom prst="rect">
             <a:avLst/>
@@ -1718,18 +1690,13 @@
           <a:p>
             <a:r>
               <a:rPr lang="en-US" sz="3200" strike="noStrike">
-                <a:latin typeface="Times New Roman"/>
-              </a:rPr>
-              <a:t>p(xi) given</a:t>
-            </a:r>
-            <a:endParaRPr/>
-          </a:p>
-          <a:p>
-            <a:r>
-              <a:rPr lang="en-US" sz="3200" strike="noStrike">
-                <a:latin typeface="Times New Roman"/>
-              </a:rPr>
-              <a:t>x0, a</a:t>
+                <a:solidFill>
+                  <a:srgbClr val="000000"/>
+                </a:solidFill>
+                <a:latin typeface="Times New Roman"/>
+                <a:ea typeface="DejaVu Sans"/>
+              </a:rPr>
+              <a:t>p(xi) given x0</a:t>
             </a:r>
             <a:endParaRPr/>
           </a:p>
@@ -1743,8 +1710,8 @@
         </p:nvSpPr>
         <p:spPr>
           <a:xfrm>
-            <a:off x="31272840" y="22897800"/>
-            <a:ext cx="1981800" cy="1444320"/>
+            <a:off x="32934600" y="13854240"/>
+            <a:ext cx="2559240" cy="1443600"/>
           </a:xfrm>
           <a:prstGeom prst="rect">
             <a:avLst/>
@@ -1765,52 +1732,81 @@
           <a:p>
             <a:r>
               <a:rPr lang="en-US" sz="3200" strike="noStrike">
-                <a:latin typeface="Times New Roman"/>
-              </a:rPr>
-              <a:t>p(xi) given</a:t>
-            </a:r>
-            <a:endParaRPr/>
-          </a:p>
-          <a:p>
-            <a:r>
-              <a:rPr lang="en-US" sz="3200" strike="noStrike">
-                <a:latin typeface="Times New Roman"/>
-              </a:rPr>
-              <a:t>x0, a, and</a:t>
-            </a:r>
-            <a:endParaRPr/>
-          </a:p>
-          <a:p>
-            <a:r>
-              <a:rPr lang="en-US" sz="3200" strike="noStrike">
-                <a:latin typeface="Times New Roman"/>
-              </a:rPr>
-              <a:t>keypoints</a:t>
-            </a:r>
-            <a:endParaRPr/>
-          </a:p>
-        </p:txBody>
-      </p:sp>
-      <p:sp>
-        <p:nvSpPr>
-          <p:cNvPr id="46" name="CustomShape 7"/>
+                <a:solidFill>
+                  <a:srgbClr val="000000"/>
+                </a:solidFill>
+                <a:latin typeface="Times New Roman"/>
+                <a:ea typeface="DejaVu Sans"/>
+              </a:rPr>
+              <a:t>p(xi) given x0 and keypoints</a:t>
+            </a:r>
+            <a:endParaRPr/>
+          </a:p>
+        </p:txBody>
+      </p:sp>
+      <p:pic>
+        <p:nvPicPr>
+          <p:cNvPr id="46" name="" descr=""/>
+          <p:cNvPicPr/>
+          <p:nvPr/>
+        </p:nvPicPr>
+        <p:blipFill>
+          <a:blip r:embed="rId3"/>
+          <a:stretch/>
+        </p:blipFill>
+        <p:spPr>
+          <a:xfrm>
+            <a:off x="27453600" y="10155960"/>
+            <a:ext cx="1980000" cy="3285000"/>
+          </a:xfrm>
+          <a:prstGeom prst="rect">
+            <a:avLst/>
+          </a:prstGeom>
+          <a:ln>
+            <a:noFill/>
+          </a:ln>
+        </p:spPr>
+      </p:pic>
+      <p:pic>
+        <p:nvPicPr>
+          <p:cNvPr id="47" name="" descr=""/>
+          <p:cNvPicPr/>
+          <p:nvPr/>
+        </p:nvPicPr>
+        <p:blipFill>
+          <a:blip r:embed="rId4"/>
+          <a:stretch/>
+        </p:blipFill>
+        <p:spPr>
+          <a:xfrm>
+            <a:off x="27733320" y="10436040"/>
+            <a:ext cx="1980000" cy="3285000"/>
+          </a:xfrm>
+          <a:prstGeom prst="rect">
+            <a:avLst/>
+          </a:prstGeom>
+          <a:ln>
+            <a:noFill/>
+          </a:ln>
+        </p:spPr>
+      </p:pic>
+      <p:sp>
+        <p:nvSpPr>
+          <p:cNvPr id="48" name="CustomShape 7"/>
           <p:cNvSpPr/>
           <p:nvPr/>
         </p:nvSpPr>
         <p:spPr>
           <a:xfrm>
-            <a:off x="25005240" y="12546720"/>
-            <a:ext cx="8827560" cy="12069720"/>
-          </a:xfrm>
-          <a:prstGeom prst="rect">
-            <a:avLst/>
-          </a:prstGeom>
-          <a:noFill/>
-          <a:ln w="12600">
-            <a:solidFill>
-              <a:srgbClr val="000000"/>
-            </a:solidFill>
-            <a:miter/>
+            <a:off x="33322680" y="15536160"/>
+            <a:ext cx="1645200" cy="822240"/>
+          </a:xfrm>
+          <a:prstGeom prst="rect">
+            <a:avLst/>
+          </a:prstGeom>
+          <a:noFill/>
+          <a:ln>
+            <a:noFill/>
           </a:ln>
         </p:spPr>
         <p:style>
@@ -1819,53 +1815,23 @@
           <a:effectRef idx="0"/>
           <a:fontRef idx="minor"/>
         </p:style>
-      </p:sp>
-      <p:pic>
-        <p:nvPicPr>
-          <p:cNvPr id="47" name="" descr=""/>
-          <p:cNvPicPr/>
-          <p:nvPr/>
-        </p:nvPicPr>
-        <p:blipFill>
-          <a:blip r:embed="rId3"/>
-          <a:stretch/>
-        </p:blipFill>
-        <p:spPr>
-          <a:xfrm>
-            <a:off x="25323840" y="18947520"/>
-            <a:ext cx="1980720" cy="3285720"/>
-          </a:xfrm>
-          <a:prstGeom prst="rect">
-            <a:avLst/>
-          </a:prstGeom>
-          <a:ln>
-            <a:noFill/>
-          </a:ln>
-        </p:spPr>
-      </p:pic>
-      <p:pic>
-        <p:nvPicPr>
-          <p:cNvPr id="48" name="" descr=""/>
-          <p:cNvPicPr/>
-          <p:nvPr/>
-        </p:nvPicPr>
-        <p:blipFill>
-          <a:blip r:embed="rId4"/>
-          <a:stretch/>
-        </p:blipFill>
-        <p:spPr>
-          <a:xfrm>
-            <a:off x="25603560" y="19227600"/>
-            <a:ext cx="1980720" cy="3285720"/>
-          </a:xfrm>
-          <a:prstGeom prst="rect">
-            <a:avLst/>
-          </a:prstGeom>
-          <a:ln>
-            <a:noFill/>
-          </a:ln>
-        </p:spPr>
-      </p:pic>
+        <p:txBody>
+          <a:bodyPr lIns="90000" rIns="90000" tIns="45000" bIns="45000"/>
+          <a:p>
+            <a:r>
+              <a:rPr lang="en-US" sz="3200" strike="noStrike">
+                <a:solidFill>
+                  <a:srgbClr val="000000"/>
+                </a:solidFill>
+                <a:latin typeface="Times New Roman"/>
+                <a:ea typeface="DejaVu Sans"/>
+              </a:rPr>
+              <a:t>Vary xi</a:t>
+            </a:r>
+            <a:endParaRPr/>
+          </a:p>
+        </p:txBody>
+      </p:sp>
       <p:sp>
         <p:nvSpPr>
           <p:cNvPr id="49" name="CustomShape 8"/>
@@ -1874,15 +1840,18 @@
         </p:nvSpPr>
         <p:spPr>
           <a:xfrm>
-            <a:off x="31821480" y="12546720"/>
-            <a:ext cx="1645920" cy="822960"/>
-          </a:xfrm>
-          <a:prstGeom prst="rect">
-            <a:avLst/>
-          </a:prstGeom>
-          <a:noFill/>
-          <a:ln>
-            <a:noFill/>
+            <a:off x="32732280" y="5002200"/>
+            <a:ext cx="2833560" cy="10533960"/>
+          </a:xfrm>
+          <a:prstGeom prst="rect">
+            <a:avLst/>
+          </a:prstGeom>
+          <a:noFill/>
+          <a:ln w="12600">
+            <a:solidFill>
+              <a:srgbClr val="000000"/>
+            </a:solidFill>
+            <a:miter/>
           </a:ln>
         </p:spPr>
         <p:style>
@@ -1891,18 +1860,6 @@
           <a:effectRef idx="0"/>
           <a:fontRef idx="minor"/>
         </p:style>
-        <p:txBody>
-          <a:bodyPr lIns="90000" rIns="90000" tIns="45000" bIns="45000"/>
-          <a:p>
-            <a:r>
-              <a:rPr lang="en-US" sz="3200" strike="noStrike">
-                <a:latin typeface="Times New Roman"/>
-              </a:rPr>
-              <a:t>Vary xi</a:t>
-            </a:r>
-            <a:endParaRPr/>
-          </a:p>
-        </p:txBody>
       </p:sp>
       <p:sp>
         <p:nvSpPr>
@@ -1912,18 +1869,15 @@
         </p:nvSpPr>
         <p:spPr>
           <a:xfrm>
-            <a:off x="30998520" y="13186800"/>
-            <a:ext cx="2834280" cy="11429640"/>
-          </a:xfrm>
-          <a:prstGeom prst="rect">
-            <a:avLst/>
-          </a:prstGeom>
-          <a:noFill/>
-          <a:ln w="12600">
-            <a:solidFill>
-              <a:srgbClr val="000000"/>
-            </a:solidFill>
-            <a:miter/>
+            <a:off x="26974800" y="16459920"/>
+            <a:ext cx="8869680" cy="822240"/>
+          </a:xfrm>
+          <a:prstGeom prst="rect">
+            <a:avLst/>
+          </a:prstGeom>
+          <a:noFill/>
+          <a:ln>
+            <a:noFill/>
           </a:ln>
         </p:spPr>
         <p:style>
@@ -1932,17 +1886,310 @@
           <a:effectRef idx="0"/>
           <a:fontRef idx="minor"/>
         </p:style>
-      </p:sp>
-      <p:sp>
-        <p:nvSpPr>
-          <p:cNvPr id="51" name="CustomShape 10"/>
+        <p:txBody>
+          <a:bodyPr lIns="90000" rIns="90000" tIns="45000" bIns="45000"/>
+          <a:p>
+            <a:pPr algn="ctr">
+              <a:lnSpc>
+                <a:spcPct val="100000"/>
+              </a:lnSpc>
+            </a:pPr>
+            <a:r>
+              <a:rPr lang="en-US" sz="3200" strike="noStrike">
+                <a:solidFill>
+                  <a:srgbClr val="000000"/>
+                </a:solidFill>
+                <a:latin typeface="Times New Roman"/>
+                <a:ea typeface="DejaVu Sans"/>
+              </a:rPr>
+              <a:t>Vary x0</a:t>
+            </a:r>
+            <a:endParaRPr/>
+          </a:p>
+        </p:txBody>
+      </p:sp>
+      <p:pic>
+        <p:nvPicPr>
+          <p:cNvPr id="51" name="" descr=""/>
+          <p:cNvPicPr/>
+          <p:nvPr/>
+        </p:nvPicPr>
+        <p:blipFill>
+          <a:blip r:embed="rId5"/>
+          <a:stretch/>
+        </p:blipFill>
+        <p:spPr>
+          <a:xfrm>
+            <a:off x="3850200" y="16004520"/>
+            <a:ext cx="3127320" cy="1303560"/>
+          </a:xfrm>
+          <a:prstGeom prst="rect">
+            <a:avLst/>
+          </a:prstGeom>
+          <a:ln>
+            <a:noFill/>
+          </a:ln>
+        </p:spPr>
+      </p:pic>
+      <p:pic>
+        <p:nvPicPr>
+          <p:cNvPr id="52" name="" descr=""/>
+          <p:cNvPicPr/>
+          <p:nvPr/>
+        </p:nvPicPr>
+        <p:blipFill>
+          <a:blip r:embed="rId6"/>
+          <a:stretch/>
+        </p:blipFill>
+        <p:spPr>
+          <a:xfrm>
+            <a:off x="3839760" y="17454960"/>
+            <a:ext cx="3137760" cy="1283040"/>
+          </a:xfrm>
+          <a:prstGeom prst="rect">
+            <a:avLst/>
+          </a:prstGeom>
+          <a:ln>
+            <a:noFill/>
+          </a:ln>
+        </p:spPr>
+      </p:pic>
+      <p:pic>
+        <p:nvPicPr>
+          <p:cNvPr id="53" name="" descr=""/>
+          <p:cNvPicPr/>
+          <p:nvPr/>
+        </p:nvPicPr>
+        <p:blipFill>
+          <a:blip r:embed="rId7"/>
+          <a:stretch/>
+        </p:blipFill>
+        <p:spPr>
+          <a:xfrm>
+            <a:off x="7220520" y="17429040"/>
+            <a:ext cx="3108240" cy="1308960"/>
+          </a:xfrm>
+          <a:prstGeom prst="rect">
+            <a:avLst/>
+          </a:prstGeom>
+          <a:ln>
+            <a:noFill/>
+          </a:ln>
+        </p:spPr>
+      </p:pic>
+      <p:pic>
+        <p:nvPicPr>
+          <p:cNvPr id="54" name="" descr=""/>
+          <p:cNvPicPr/>
+          <p:nvPr/>
+        </p:nvPicPr>
+        <p:blipFill>
+          <a:blip r:embed="rId8"/>
+          <a:stretch/>
+        </p:blipFill>
+        <p:spPr>
+          <a:xfrm>
+            <a:off x="7195680" y="16017480"/>
+            <a:ext cx="3071160" cy="1280160"/>
+          </a:xfrm>
+          <a:prstGeom prst="rect">
+            <a:avLst/>
+          </a:prstGeom>
+          <a:ln>
+            <a:noFill/>
+          </a:ln>
+        </p:spPr>
+      </p:pic>
+      <p:pic>
+        <p:nvPicPr>
+          <p:cNvPr id="55" name="" descr=""/>
+          <p:cNvPicPr/>
+          <p:nvPr/>
+        </p:nvPicPr>
+        <p:blipFill>
+          <a:blip r:embed="rId9"/>
+          <a:stretch/>
+        </p:blipFill>
+        <p:spPr>
+          <a:xfrm>
+            <a:off x="10332720" y="18964440"/>
+            <a:ext cx="2259000" cy="2259000"/>
+          </a:xfrm>
+          <a:prstGeom prst="rect">
+            <a:avLst/>
+          </a:prstGeom>
+          <a:ln>
+            <a:noFill/>
+          </a:ln>
+        </p:spPr>
+      </p:pic>
+      <p:pic>
+        <p:nvPicPr>
+          <p:cNvPr id="56" name="" descr=""/>
+          <p:cNvPicPr/>
+          <p:nvPr/>
+        </p:nvPicPr>
+        <p:blipFill>
+          <a:blip r:embed="rId10"/>
+          <a:stretch/>
+        </p:blipFill>
+        <p:spPr>
+          <a:xfrm>
+            <a:off x="10511640" y="16394040"/>
+            <a:ext cx="2006280" cy="2285640"/>
+          </a:xfrm>
+          <a:prstGeom prst="rect">
+            <a:avLst/>
+          </a:prstGeom>
+          <a:ln>
+            <a:noFill/>
+          </a:ln>
+        </p:spPr>
+      </p:pic>
+      <p:pic>
+        <p:nvPicPr>
+          <p:cNvPr id="57" name="" descr=""/>
+          <p:cNvPicPr/>
+          <p:nvPr/>
+        </p:nvPicPr>
+        <p:blipFill>
+          <a:blip r:embed="rId11"/>
+          <a:stretch/>
+        </p:blipFill>
+        <p:spPr>
+          <a:xfrm>
+            <a:off x="10567080" y="14216040"/>
+            <a:ext cx="1973160" cy="2011320"/>
+          </a:xfrm>
+          <a:prstGeom prst="rect">
+            <a:avLst/>
+          </a:prstGeom>
+          <a:ln>
+            <a:noFill/>
+          </a:ln>
+        </p:spPr>
+      </p:pic>
+      <p:pic>
+        <p:nvPicPr>
+          <p:cNvPr id="58" name="" descr=""/>
+          <p:cNvPicPr/>
+          <p:nvPr/>
+        </p:nvPicPr>
+        <p:blipFill>
+          <a:blip r:embed="rId12"/>
+          <a:stretch/>
+        </p:blipFill>
+        <p:spPr>
+          <a:xfrm>
+            <a:off x="1367640" y="16161480"/>
+            <a:ext cx="2049840" cy="2352240"/>
+          </a:xfrm>
+          <a:prstGeom prst="rect">
+            <a:avLst/>
+          </a:prstGeom>
+          <a:ln>
+            <a:noFill/>
+          </a:ln>
+        </p:spPr>
+      </p:pic>
+      <p:sp>
+        <p:nvSpPr>
+          <p:cNvPr id="59" name="Line 10"/>
           <p:cNvSpPr/>
           <p:nvPr/>
         </p:nvSpPr>
         <p:spPr>
-          <a:xfrm>
-            <a:off x="25786440" y="11704320"/>
-            <a:ext cx="7040880" cy="822960"/>
+          <a:xfrm flipV="1">
+            <a:off x="2624400" y="16690320"/>
+            <a:ext cx="1371600" cy="908640"/>
+          </a:xfrm>
+          <a:prstGeom prst="line">
+            <a:avLst/>
+          </a:prstGeom>
+          <a:ln w="91440">
+            <a:solidFill>
+              <a:srgbClr val="007826"/>
+            </a:solidFill>
+            <a:round/>
+          </a:ln>
+        </p:spPr>
+      </p:sp>
+      <p:sp>
+        <p:nvSpPr>
+          <p:cNvPr id="60" name="Line 11"/>
+          <p:cNvSpPr/>
+          <p:nvPr/>
+        </p:nvSpPr>
+        <p:spPr>
+          <a:xfrm flipH="1" flipV="1">
+            <a:off x="1990080" y="16893000"/>
+            <a:ext cx="2005920" cy="1168920"/>
+          </a:xfrm>
+          <a:prstGeom prst="line">
+            <a:avLst/>
+          </a:prstGeom>
+          <a:ln w="91440">
+            <a:solidFill>
+              <a:srgbClr val="ff3333"/>
+            </a:solidFill>
+            <a:round/>
+          </a:ln>
+        </p:spPr>
+      </p:sp>
+      <p:sp>
+        <p:nvSpPr>
+          <p:cNvPr id="61" name="Line 12"/>
+          <p:cNvSpPr/>
+          <p:nvPr/>
+        </p:nvSpPr>
+        <p:spPr>
+          <a:xfrm flipV="1">
+            <a:off x="10237320" y="17019000"/>
+            <a:ext cx="1014120" cy="1203480"/>
+          </a:xfrm>
+          <a:prstGeom prst="line">
+            <a:avLst/>
+          </a:prstGeom>
+          <a:ln w="91440">
+            <a:solidFill>
+              <a:srgbClr val="ff3333"/>
+            </a:solidFill>
+            <a:round/>
+          </a:ln>
+        </p:spPr>
+      </p:sp>
+      <p:sp>
+        <p:nvSpPr>
+          <p:cNvPr id="62" name="Line 13"/>
+          <p:cNvSpPr/>
+          <p:nvPr/>
+        </p:nvSpPr>
+        <p:spPr>
+          <a:xfrm flipH="1">
+            <a:off x="10109880" y="15241320"/>
+            <a:ext cx="1479600" cy="1485000"/>
+          </a:xfrm>
+          <a:prstGeom prst="line">
+            <a:avLst/>
+          </a:prstGeom>
+          <a:ln w="91440">
+            <a:solidFill>
+              <a:srgbClr val="0000ff"/>
+            </a:solidFill>
+            <a:round/>
+          </a:ln>
+        </p:spPr>
+      </p:sp>
+      <p:sp>
+        <p:nvSpPr>
+          <p:cNvPr id="63" name="CustomShape 14"/>
+          <p:cNvSpPr/>
+          <p:nvPr/>
+        </p:nvSpPr>
+        <p:spPr>
+          <a:xfrm>
+            <a:off x="1005840" y="12161520"/>
+            <a:ext cx="11795760" cy="934200"/>
           </a:xfrm>
           <a:prstGeom prst="rect">
             <a:avLst/>
@@ -1963,10 +2210,416 @@
           <a:p>
             <a:pPr algn="ctr"/>
             <a:r>
-              <a:rPr lang="en-US" sz="3200" strike="noStrike">
-                <a:latin typeface="Times New Roman"/>
-              </a:rPr>
-              <a:t>Vary articulation state a</a:t>
+              <a:rPr lang="en-US" sz="6000" strike="noStrike">
+                <a:latin typeface="Times New Roman"/>
+              </a:rPr>
+              <a:t>Shape Contexts</a:t>
+            </a:r>
+            <a:endParaRPr/>
+          </a:p>
+        </p:txBody>
+      </p:sp>
+      <p:sp>
+        <p:nvSpPr>
+          <p:cNvPr id="64" name="TextShape 15"/>
+          <p:cNvSpPr txBox="1"/>
+          <p:nvPr/>
+        </p:nvSpPr>
+        <p:spPr>
+          <a:xfrm>
+            <a:off x="981000" y="24187320"/>
+            <a:ext cx="34703640" cy="2987640"/>
+          </a:xfrm>
+          <a:prstGeom prst="rect">
+            <a:avLst/>
+          </a:prstGeom>
+          <a:noFill/>
+          <a:ln>
+            <a:noFill/>
+          </a:ln>
+        </p:spPr>
+        <p:txBody>
+          <a:bodyPr lIns="90000" rIns="90000" tIns="45000" bIns="45000"/>
+          <a:p>
+            <a:r>
+              <a:rPr lang="en-US" sz="3200">
+                <a:latin typeface="Times New Roman"/>
+              </a:rPr>
+              <a:t>A) Andriluka, Roth, and Schiele, </a:t>
+            </a:r>
+            <a:r>
+              <a:rPr lang="en-US" sz="3200">
+                <a:latin typeface="Times New Roman"/>
+              </a:rPr>
+              <a:t>“People-Tracking-by-Detection and People-Detection-by-Tracking”, </a:t>
+            </a:r>
+            <a:r>
+              <a:rPr lang="en-US" sz="3200">
+                <a:latin typeface="Times New Roman"/>
+              </a:rPr>
+              <a:t>https://www.d2.mpi-inf.mpg.de/andriluka_cvpr08</a:t>
+            </a:r>
+            <a:endParaRPr/>
+          </a:p>
+          <a:p>
+            <a:r>
+              <a:rPr lang="en-US" sz="3200">
+                <a:latin typeface="Times New Roman"/>
+              </a:rPr>
+              <a:t>B) Belongie, Malik, and Puzicha, “Shape Context: A new descriptor for shape matching and object recognition”, http://citeseerx.ist.psu.edu/viewdoc/download?doi=10.1.1.27.8567&amp;rep=rep1&amp;type=pdf</a:t>
+            </a:r>
+            <a:endParaRPr/>
+          </a:p>
+          <a:p>
+            <a:r>
+              <a:rPr lang="en-US" sz="3200">
+                <a:latin typeface="Times New Roman"/>
+              </a:rPr>
+              <a:t>C) https://en.wikipedia.org/wiki/Shape_context#/media/File:Shapecontext.jpg</a:t>
+            </a:r>
+            <a:endParaRPr/>
+          </a:p>
+          <a:p>
+            <a:r>
+              <a:rPr lang="en-US" sz="3200">
+                <a:latin typeface="Times New Roman"/>
+              </a:rPr>
+              <a:t>D) Leibe, Seemann, and Schiele, “Pedestrian Detection in Crowded Scenes”, http://luthuli.cs.uiuc.edu/~daf/courses/AppCV/Papers-2/leibe-crowdedscenes-cvpr05.pdf</a:t>
+            </a:r>
+            <a:endParaRPr/>
+          </a:p>
+          <a:p>
+            <a:r>
+              <a:rPr lang="en-US" sz="3200">
+                <a:latin typeface="Times New Roman"/>
+              </a:rPr>
+              <a:t>E) Felzenszwalb and Huttenlocher, “Pictorial Structurs for Object Recognition”, http://citeseerx.ist.psu.edu/viewdoc/download?doi=10.1.1.66.5153&amp;rep=rep1&amp;type=pdf</a:t>
+            </a:r>
+            <a:endParaRPr/>
+          </a:p>
+          <a:p>
+            <a:r>
+              <a:rPr lang="en-US" sz="3200">
+                <a:latin typeface="Times New Roman"/>
+              </a:rPr>
+              <a:t>F) Mikolajczyk and Schmid, “Scale &amp; Affine Invariant Interest Point Detectors”, http://www.robots.ox.ac.uk/~vgg/research/affine/det_eval_files/mikolajczyk_ijcv2004.pdf</a:t>
+            </a:r>
+            <a:endParaRPr/>
+          </a:p>
+        </p:txBody>
+      </p:sp>
+      <p:sp>
+        <p:nvSpPr>
+          <p:cNvPr id="65" name="TextShape 16"/>
+          <p:cNvSpPr txBox="1"/>
+          <p:nvPr/>
+        </p:nvSpPr>
+        <p:spPr>
+          <a:xfrm>
+            <a:off x="11612880" y="13533120"/>
+            <a:ext cx="1085760" cy="541800"/>
+          </a:xfrm>
+          <a:prstGeom prst="rect">
+            <a:avLst/>
+          </a:prstGeom>
+          <a:noFill/>
+          <a:ln>
+            <a:noFill/>
+          </a:ln>
+        </p:spPr>
+        <p:txBody>
+          <a:bodyPr lIns="90000" rIns="90000" tIns="45000" bIns="45000"/>
+          <a:p>
+            <a:r>
+              <a:rPr lang="en-US" sz="3200">
+                <a:latin typeface="Times New Roman"/>
+              </a:rPr>
+              <a:t>[C]</a:t>
+            </a:r>
+            <a:endParaRPr/>
+          </a:p>
+        </p:txBody>
+      </p:sp>
+      <p:sp>
+        <p:nvSpPr>
+          <p:cNvPr id="66" name="TextShape 17"/>
+          <p:cNvSpPr txBox="1"/>
+          <p:nvPr/>
+        </p:nvSpPr>
+        <p:spPr>
+          <a:xfrm>
+            <a:off x="1188720" y="13409280"/>
+            <a:ext cx="9144000" cy="3383280"/>
+          </a:xfrm>
+          <a:prstGeom prst="rect">
+            <a:avLst/>
+          </a:prstGeom>
+          <a:noFill/>
+          <a:ln>
+            <a:noFill/>
+          </a:ln>
+        </p:spPr>
+        <p:txBody>
+          <a:bodyPr lIns="90000" rIns="90000" tIns="45000" bIns="45000"/>
+          <a:p>
+            <a:r>
+              <a:rPr lang="en-US" sz="3200">
+                <a:latin typeface="Times New Roman"/>
+              </a:rPr>
+              <a:t>Shape Contexts [B] are a form of feature descriptor that relies on the relative positions of keypoints rather than on nearby brightness values.  This I done by taking a histogram of the log-radial coordinates of all other points relative the current point.</a:t>
+            </a:r>
+            <a:endParaRPr/>
+          </a:p>
+          <a:p>
+            <a:endParaRPr/>
+          </a:p>
+        </p:txBody>
+      </p:sp>
+      <p:sp>
+        <p:nvSpPr>
+          <p:cNvPr id="67" name="CustomShape 18"/>
+          <p:cNvSpPr/>
+          <p:nvPr/>
+        </p:nvSpPr>
+        <p:spPr>
+          <a:xfrm>
+            <a:off x="731520" y="23317920"/>
+            <a:ext cx="34953120" cy="934200"/>
+          </a:xfrm>
+          <a:prstGeom prst="rect">
+            <a:avLst/>
+          </a:prstGeom>
+          <a:noFill/>
+          <a:ln>
+            <a:noFill/>
+          </a:ln>
+        </p:spPr>
+        <p:style>
+          <a:lnRef idx="0"/>
+          <a:fillRef idx="0"/>
+          <a:effectRef idx="0"/>
+          <a:fontRef idx="minor"/>
+        </p:style>
+        <p:txBody>
+          <a:bodyPr lIns="90000" rIns="90000" tIns="45000" bIns="45000"/>
+          <a:p>
+            <a:pPr algn="ctr"/>
+            <a:r>
+              <a:rPr lang="en-US" sz="6000" strike="noStrike">
+                <a:latin typeface="Times New Roman"/>
+              </a:rPr>
+              <a:t>References</a:t>
+            </a:r>
+            <a:endParaRPr/>
+          </a:p>
+        </p:txBody>
+      </p:sp>
+      <p:sp>
+        <p:nvSpPr>
+          <p:cNvPr id="68" name="TextShape 19"/>
+          <p:cNvSpPr txBox="1"/>
+          <p:nvPr/>
+        </p:nvSpPr>
+        <p:spPr>
+          <a:xfrm>
+            <a:off x="1249200" y="18858600"/>
+            <a:ext cx="9266400" cy="2799000"/>
+          </a:xfrm>
+          <a:prstGeom prst="rect">
+            <a:avLst/>
+          </a:prstGeom>
+          <a:noFill/>
+          <a:ln>
+            <a:noFill/>
+          </a:ln>
+        </p:spPr>
+        <p:txBody>
+          <a:bodyPr lIns="90000" rIns="90000" tIns="45000" bIns="45000"/>
+          <a:p>
+            <a:r>
+              <a:rPr lang="en-US" sz="3200">
+                <a:latin typeface="Times New Roman"/>
+              </a:rPr>
+              <a:t>Shape Contexts are generally robust to noise, outliers, and deformations [B].  We repeated some tests from [B], with success, and added our own sanity checks as well.  Shown above are some points and their corresponding descriptors; shown right is a similarity matrix between points in the “disc” image.</a:t>
+            </a:r>
+            <a:endParaRPr/>
+          </a:p>
+        </p:txBody>
+      </p:sp>
+      <p:sp>
+        <p:nvSpPr>
+          <p:cNvPr id="69" name="CustomShape 20"/>
+          <p:cNvSpPr/>
+          <p:nvPr/>
+        </p:nvSpPr>
+        <p:spPr>
+          <a:xfrm>
+            <a:off x="1005840" y="12161520"/>
+            <a:ext cx="11795760" cy="9519120"/>
+          </a:xfrm>
+          <a:prstGeom prst="rect">
+            <a:avLst/>
+          </a:prstGeom>
+          <a:noFill/>
+          <a:ln w="12600">
+            <a:solidFill>
+              <a:srgbClr val="000000"/>
+            </a:solidFill>
+            <a:miter/>
+          </a:ln>
+        </p:spPr>
+        <p:style>
+          <a:lnRef idx="0"/>
+          <a:fillRef idx="0"/>
+          <a:effectRef idx="0"/>
+          <a:fontRef idx="minor"/>
+        </p:style>
+      </p:sp>
+      <p:sp>
+        <p:nvSpPr>
+          <p:cNvPr id="70" name="CustomShape 21"/>
+          <p:cNvSpPr/>
+          <p:nvPr/>
+        </p:nvSpPr>
+        <p:spPr>
+          <a:xfrm>
+            <a:off x="27249120" y="4683240"/>
+            <a:ext cx="8686800" cy="11704320"/>
+          </a:xfrm>
+          <a:prstGeom prst="rect">
+            <a:avLst/>
+          </a:prstGeom>
+          <a:noFill/>
+          <a:ln w="12600">
+            <a:solidFill>
+              <a:srgbClr val="000000"/>
+            </a:solidFill>
+            <a:miter/>
+          </a:ln>
+        </p:spPr>
+        <p:style>
+          <a:lnRef idx="0"/>
+          <a:fillRef idx="0"/>
+          <a:effectRef idx="0"/>
+          <a:fontRef idx="minor"/>
+        </p:style>
+      </p:sp>
+      <p:sp>
+        <p:nvSpPr>
+          <p:cNvPr id="71" name="CustomShape 22"/>
+          <p:cNvSpPr/>
+          <p:nvPr/>
+        </p:nvSpPr>
+        <p:spPr>
+          <a:xfrm>
+            <a:off x="731520" y="23334480"/>
+            <a:ext cx="34953120" cy="3840480"/>
+          </a:xfrm>
+          <a:prstGeom prst="rect">
+            <a:avLst/>
+          </a:prstGeom>
+          <a:noFill/>
+          <a:ln w="12600">
+            <a:solidFill>
+              <a:srgbClr val="000000"/>
+            </a:solidFill>
+            <a:miter/>
+          </a:ln>
+        </p:spPr>
+        <p:style>
+          <a:lnRef idx="0"/>
+          <a:fillRef idx="0"/>
+          <a:effectRef idx="0"/>
+          <a:fontRef idx="minor"/>
+        </p:style>
+      </p:sp>
+      <p:sp>
+        <p:nvSpPr>
+          <p:cNvPr id="72" name="TextShape 23"/>
+          <p:cNvSpPr txBox="1"/>
+          <p:nvPr/>
+        </p:nvSpPr>
+        <p:spPr>
+          <a:xfrm>
+            <a:off x="1005840" y="4545000"/>
+            <a:ext cx="11704320" cy="5056200"/>
+          </a:xfrm>
+          <a:prstGeom prst="rect">
+            <a:avLst/>
+          </a:prstGeom>
+          <a:noFill/>
+          <a:ln>
+            <a:noFill/>
+          </a:ln>
+        </p:spPr>
+        <p:txBody>
+          <a:bodyPr lIns="90000" rIns="90000" tIns="45000" bIns="45000"/>
+          <a:p>
+            <a:r>
+              <a:rPr lang="en-US" sz="3200">
+                <a:latin typeface="Times New Roman"/>
+              </a:rPr>
+              <a:t>	</a:t>
+            </a:r>
+            <a:r>
+              <a:rPr lang="en-US" sz="3200">
+                <a:latin typeface="Times New Roman"/>
+              </a:rPr>
+              <a:t>We first attempted to implement “People-Tracking-by-Detection and People-Detection-by-Tracking” [A], but quickly found  that to be too ambitions for our time constraints.  Instead, we opted to implement the first half of their paper, which deals entirely with detection.</a:t>
+            </a:r>
+            <a:endParaRPr/>
+          </a:p>
+          <a:p>
+            <a:r>
+              <a:rPr lang="en-US" sz="3200">
+                <a:latin typeface="Times New Roman"/>
+              </a:rPr>
+              <a:t>	</a:t>
+            </a:r>
+            <a:r>
+              <a:rPr lang="en-US" sz="3200">
+                <a:latin typeface="Times New Roman"/>
+              </a:rPr>
+              <a:t>While we were able to implement the paper in its basic state, we ran into many problems early on in the pipeline, especially with keypoint detection and feature descriptors, which ultimately resulted in poor results.  In addition to discussing the theory of the paper and our implementation of it, we also discuss the reasons for our failures, as well as plans to improve our results.</a:t>
+            </a:r>
+            <a:endParaRPr/>
+          </a:p>
+        </p:txBody>
+      </p:sp>
+      <p:sp>
+        <p:nvSpPr>
+          <p:cNvPr id="73" name="CustomShape 24"/>
+          <p:cNvSpPr/>
+          <p:nvPr/>
+        </p:nvSpPr>
+        <p:spPr>
+          <a:xfrm>
+            <a:off x="4572000" y="3423240"/>
+            <a:ext cx="3566160" cy="934200"/>
+          </a:xfrm>
+          <a:prstGeom prst="rect">
+            <a:avLst/>
+          </a:prstGeom>
+          <a:noFill/>
+          <a:ln>
+            <a:noFill/>
+          </a:ln>
+        </p:spPr>
+        <p:style>
+          <a:lnRef idx="0"/>
+          <a:fillRef idx="0"/>
+          <a:effectRef idx="0"/>
+          <a:fontRef idx="minor"/>
+        </p:style>
+        <p:txBody>
+          <a:bodyPr lIns="90000" rIns="90000" tIns="45000" bIns="45000"/>
+          <a:p>
+            <a:pPr algn="ctr"/>
+            <a:r>
+              <a:rPr lang="en-US" sz="6000" strike="noStrike">
+                <a:latin typeface="Times New Roman"/>
+              </a:rPr>
+              <a:t>Overview</a:t>
             </a:r>
             <a:endParaRPr/>
           </a:p>
@@ -1974,191 +2627,7 @@
       </p:sp>
       <p:pic>
         <p:nvPicPr>
-          <p:cNvPr id="52" name="" descr=""/>
-          <p:cNvPicPr/>
-          <p:nvPr/>
-        </p:nvPicPr>
-        <p:blipFill>
-          <a:blip r:embed="rId5"/>
-          <a:stretch/>
-        </p:blipFill>
-        <p:spPr>
-          <a:xfrm>
-            <a:off x="5624640" y="4494240"/>
-            <a:ext cx="4133880" cy="1723680"/>
-          </a:xfrm>
-          <a:prstGeom prst="rect">
-            <a:avLst/>
-          </a:prstGeom>
-          <a:ln>
-            <a:noFill/>
-          </a:ln>
-        </p:spPr>
-      </p:pic>
-      <p:pic>
-        <p:nvPicPr>
-          <p:cNvPr id="53" name="" descr=""/>
-          <p:cNvPicPr/>
-          <p:nvPr/>
-        </p:nvPicPr>
-        <p:blipFill>
-          <a:blip r:embed="rId6"/>
-          <a:stretch/>
-        </p:blipFill>
-        <p:spPr>
-          <a:xfrm>
-            <a:off x="5592960" y="6515280"/>
-            <a:ext cx="4191120" cy="1714320"/>
-          </a:xfrm>
-          <a:prstGeom prst="rect">
-            <a:avLst/>
-          </a:prstGeom>
-          <a:ln>
-            <a:noFill/>
-          </a:ln>
-        </p:spPr>
-      </p:pic>
-      <p:pic>
-        <p:nvPicPr>
-          <p:cNvPr id="54" name="" descr=""/>
-          <p:cNvPicPr/>
-          <p:nvPr/>
-        </p:nvPicPr>
-        <p:blipFill>
-          <a:blip r:embed="rId7"/>
-          <a:stretch/>
-        </p:blipFill>
-        <p:spPr>
-          <a:xfrm>
-            <a:off x="5760720" y="9326880"/>
-            <a:ext cx="4114800" cy="1733400"/>
-          </a:xfrm>
-          <a:prstGeom prst="rect">
-            <a:avLst/>
-          </a:prstGeom>
-          <a:ln>
-            <a:noFill/>
-          </a:ln>
-        </p:spPr>
-      </p:pic>
-      <p:pic>
-        <p:nvPicPr>
-          <p:cNvPr id="55" name="" descr=""/>
-          <p:cNvPicPr/>
-          <p:nvPr/>
-        </p:nvPicPr>
-        <p:blipFill>
-          <a:blip r:embed="rId8"/>
-          <a:stretch/>
-        </p:blipFill>
-        <p:spPr>
-          <a:xfrm>
-            <a:off x="5833080" y="12344400"/>
-            <a:ext cx="4133880" cy="1723680"/>
-          </a:xfrm>
-          <a:prstGeom prst="rect">
-            <a:avLst/>
-          </a:prstGeom>
-          <a:ln>
-            <a:noFill/>
-          </a:ln>
-        </p:spPr>
-      </p:pic>
-      <p:pic>
-        <p:nvPicPr>
-          <p:cNvPr id="56" name="" descr=""/>
-          <p:cNvPicPr/>
-          <p:nvPr/>
-        </p:nvPicPr>
-        <p:blipFill>
-          <a:blip r:embed="rId9"/>
-          <a:stretch/>
-        </p:blipFill>
-        <p:spPr>
-          <a:xfrm>
-            <a:off x="1463040" y="5246280"/>
-            <a:ext cx="3257640" cy="3257640"/>
-          </a:xfrm>
-          <a:prstGeom prst="rect">
-            <a:avLst/>
-          </a:prstGeom>
-          <a:ln>
-            <a:noFill/>
-          </a:ln>
-        </p:spPr>
-      </p:pic>
-      <p:pic>
-        <p:nvPicPr>
-          <p:cNvPr id="57" name="" descr=""/>
-          <p:cNvPicPr/>
-          <p:nvPr/>
-        </p:nvPicPr>
-        <p:blipFill>
-          <a:blip r:embed="rId10"/>
-          <a:stretch/>
-        </p:blipFill>
-        <p:spPr>
-          <a:xfrm>
-            <a:off x="1680120" y="11829960"/>
-            <a:ext cx="3257640" cy="3257640"/>
-          </a:xfrm>
-          <a:prstGeom prst="rect">
-            <a:avLst/>
-          </a:prstGeom>
-          <a:ln>
-            <a:noFill/>
-          </a:ln>
-        </p:spPr>
-      </p:pic>
-      <p:pic>
-        <p:nvPicPr>
-          <p:cNvPr id="58" name="" descr=""/>
-          <p:cNvPicPr/>
-          <p:nvPr/>
-        </p:nvPicPr>
-        <p:blipFill>
-          <a:blip r:embed="rId11"/>
-          <a:stretch/>
-        </p:blipFill>
-        <p:spPr>
-          <a:xfrm>
-            <a:off x="10416960" y="6126480"/>
-            <a:ext cx="647280" cy="742680"/>
-          </a:xfrm>
-          <a:prstGeom prst="rect">
-            <a:avLst/>
-          </a:prstGeom>
-          <a:ln>
-            <a:noFill/>
-          </a:ln>
-        </p:spPr>
-      </p:pic>
-      <p:pic>
-        <p:nvPicPr>
-          <p:cNvPr id="59" name="" descr=""/>
-          <p:cNvPicPr/>
-          <p:nvPr/>
-        </p:nvPicPr>
-        <p:blipFill>
-          <a:blip r:embed="rId12"/>
-          <a:stretch/>
-        </p:blipFill>
-        <p:spPr>
-          <a:xfrm>
-            <a:off x="10378800" y="9826200"/>
-            <a:ext cx="685440" cy="780840"/>
-          </a:xfrm>
-          <a:prstGeom prst="rect">
-            <a:avLst/>
-          </a:prstGeom>
-          <a:ln>
-            <a:noFill/>
-          </a:ln>
-        </p:spPr>
-      </p:pic>
-      <p:pic>
-        <p:nvPicPr>
-          <p:cNvPr id="60" name="" descr=""/>
+          <p:cNvPr id="74" name="" descr=""/>
           <p:cNvPicPr/>
           <p:nvPr/>
         </p:nvPicPr>
@@ -2168,8 +2637,8 @@
         </p:blipFill>
         <p:spPr>
           <a:xfrm>
-            <a:off x="10559880" y="12984480"/>
-            <a:ext cx="504360" cy="514080"/>
+            <a:off x="13441680" y="4382280"/>
+            <a:ext cx="5244840" cy="3044160"/>
           </a:xfrm>
           <a:prstGeom prst="rect">
             <a:avLst/>
@@ -2179,6 +2648,843 @@
           </a:ln>
         </p:spPr>
       </p:pic>
+      <p:sp>
+        <p:nvSpPr>
+          <p:cNvPr id="75" name="TextShape 25"/>
+          <p:cNvSpPr txBox="1"/>
+          <p:nvPr/>
+        </p:nvSpPr>
+        <p:spPr>
+          <a:xfrm>
+            <a:off x="18044280" y="6694920"/>
+            <a:ext cx="902880" cy="803880"/>
+          </a:xfrm>
+          <a:prstGeom prst="rect">
+            <a:avLst/>
+          </a:prstGeom>
+          <a:noFill/>
+          <a:ln>
+            <a:noFill/>
+          </a:ln>
+        </p:spPr>
+        <p:txBody>
+          <a:bodyPr lIns="90000" rIns="90000" tIns="45000" bIns="45000"/>
+          <a:p>
+            <a:r>
+              <a:rPr lang="en-US" sz="3200">
+                <a:latin typeface="Times New Roman"/>
+              </a:rPr>
+              <a:t>[A]</a:t>
+            </a:r>
+            <a:endParaRPr/>
+          </a:p>
+        </p:txBody>
+      </p:sp>
+      <p:pic>
+        <p:nvPicPr>
+          <p:cNvPr id="76" name="" descr=""/>
+          <p:cNvPicPr/>
+          <p:nvPr/>
+        </p:nvPicPr>
+        <p:blipFill>
+          <a:blip r:embed="rId14"/>
+          <a:stretch/>
+        </p:blipFill>
+        <p:spPr>
+          <a:xfrm>
+            <a:off x="13350240" y="9339480"/>
+            <a:ext cx="1961280" cy="3200400"/>
+          </a:xfrm>
+          <a:prstGeom prst="rect">
+            <a:avLst/>
+          </a:prstGeom>
+          <a:ln>
+            <a:noFill/>
+          </a:ln>
+        </p:spPr>
+      </p:pic>
+      <p:pic>
+        <p:nvPicPr>
+          <p:cNvPr id="77" name="" descr=""/>
+          <p:cNvPicPr/>
+          <p:nvPr/>
+        </p:nvPicPr>
+        <p:blipFill>
+          <a:blip r:embed="rId15"/>
+          <a:stretch/>
+        </p:blipFill>
+        <p:spPr>
+          <a:xfrm>
+            <a:off x="17739360" y="14752080"/>
+            <a:ext cx="2360160" cy="3627360"/>
+          </a:xfrm>
+          <a:prstGeom prst="rect">
+            <a:avLst/>
+          </a:prstGeom>
+          <a:ln>
+            <a:noFill/>
+          </a:ln>
+        </p:spPr>
+      </p:pic>
+      <p:pic>
+        <p:nvPicPr>
+          <p:cNvPr id="78" name="" descr=""/>
+          <p:cNvPicPr/>
+          <p:nvPr/>
+        </p:nvPicPr>
+        <p:blipFill>
+          <a:blip r:embed="rId16"/>
+          <a:stretch/>
+        </p:blipFill>
+        <p:spPr>
+          <a:xfrm>
+            <a:off x="20545920" y="14710680"/>
+            <a:ext cx="2222640" cy="3599640"/>
+          </a:xfrm>
+          <a:prstGeom prst="rect">
+            <a:avLst/>
+          </a:prstGeom>
+          <a:ln>
+            <a:noFill/>
+          </a:ln>
+        </p:spPr>
+      </p:pic>
+      <p:pic>
+        <p:nvPicPr>
+          <p:cNvPr id="79" name="" descr=""/>
+          <p:cNvPicPr/>
+          <p:nvPr/>
+        </p:nvPicPr>
+        <p:blipFill>
+          <a:blip r:embed="rId17"/>
+          <a:stretch/>
+        </p:blipFill>
+        <p:spPr>
+          <a:xfrm>
+            <a:off x="32787720" y="5226120"/>
+            <a:ext cx="2504880" cy="3840480"/>
+          </a:xfrm>
+          <a:prstGeom prst="rect">
+            <a:avLst/>
+          </a:prstGeom>
+          <a:ln>
+            <a:noFill/>
+          </a:ln>
+        </p:spPr>
+      </p:pic>
+      <p:sp>
+        <p:nvSpPr>
+          <p:cNvPr id="80" name="Line 26"/>
+          <p:cNvSpPr/>
+          <p:nvPr/>
+        </p:nvSpPr>
+        <p:spPr>
+          <a:xfrm>
+            <a:off x="29605320" y="12056760"/>
+            <a:ext cx="978840" cy="0"/>
+          </a:xfrm>
+          <a:prstGeom prst="line">
+            <a:avLst/>
+          </a:prstGeom>
+          <a:ln w="91440">
+            <a:solidFill>
+              <a:srgbClr val="000000"/>
+            </a:solidFill>
+            <a:round/>
+            <a:tailEnd len="med" type="triangle" w="med"/>
+          </a:ln>
+        </p:spPr>
+      </p:sp>
+      <p:sp>
+        <p:nvSpPr>
+          <p:cNvPr id="81" name="Line 27"/>
+          <p:cNvSpPr/>
+          <p:nvPr/>
+        </p:nvSpPr>
+        <p:spPr>
+          <a:xfrm>
+            <a:off x="32235840" y="12037320"/>
+            <a:ext cx="978840" cy="0"/>
+          </a:xfrm>
+          <a:prstGeom prst="line">
+            <a:avLst/>
+          </a:prstGeom>
+          <a:ln w="91440">
+            <a:solidFill>
+              <a:srgbClr val="000000"/>
+            </a:solidFill>
+            <a:round/>
+            <a:tailEnd len="med" type="triangle" w="med"/>
+          </a:ln>
+        </p:spPr>
+      </p:sp>
+      <p:sp>
+        <p:nvSpPr>
+          <p:cNvPr id="82" name="Line 28"/>
+          <p:cNvSpPr/>
+          <p:nvPr/>
+        </p:nvSpPr>
+        <p:spPr>
+          <a:xfrm flipH="1">
+            <a:off x="34237080" y="9449640"/>
+            <a:ext cx="27000" cy="1188720"/>
+          </a:xfrm>
+          <a:prstGeom prst="line">
+            <a:avLst/>
+          </a:prstGeom>
+          <a:ln w="91440">
+            <a:solidFill>
+              <a:srgbClr val="000000"/>
+            </a:solidFill>
+            <a:round/>
+            <a:tailEnd len="med" type="triangle" w="med"/>
+          </a:ln>
+        </p:spPr>
+      </p:sp>
+      <p:sp>
+        <p:nvSpPr>
+          <p:cNvPr id="83" name="CustomShape 29"/>
+          <p:cNvSpPr/>
+          <p:nvPr/>
+        </p:nvSpPr>
+        <p:spPr>
+          <a:xfrm>
+            <a:off x="822960" y="3474720"/>
+            <a:ext cx="11887200" cy="6126480"/>
+          </a:xfrm>
+          <a:prstGeom prst="rect">
+            <a:avLst/>
+          </a:prstGeom>
+          <a:noFill/>
+          <a:ln w="12600">
+            <a:solidFill>
+              <a:srgbClr val="000000"/>
+            </a:solidFill>
+            <a:miter/>
+          </a:ln>
+        </p:spPr>
+        <p:style>
+          <a:lnRef idx="0"/>
+          <a:fillRef idx="0"/>
+          <a:effectRef idx="0"/>
+          <a:fontRef idx="minor"/>
+        </p:style>
+      </p:sp>
+      <p:sp>
+        <p:nvSpPr>
+          <p:cNvPr id="84" name="CustomShape 30"/>
+          <p:cNvSpPr/>
+          <p:nvPr/>
+        </p:nvSpPr>
+        <p:spPr>
+          <a:xfrm>
+            <a:off x="16225920" y="8222400"/>
+            <a:ext cx="3566160" cy="934200"/>
+          </a:xfrm>
+          <a:prstGeom prst="rect">
+            <a:avLst/>
+          </a:prstGeom>
+          <a:noFill/>
+          <a:ln>
+            <a:noFill/>
+          </a:ln>
+        </p:spPr>
+        <p:style>
+          <a:lnRef idx="0"/>
+          <a:fillRef idx="0"/>
+          <a:effectRef idx="0"/>
+          <a:fontRef idx="minor"/>
+        </p:style>
+        <p:txBody>
+          <a:bodyPr lIns="90000" rIns="90000" tIns="45000" bIns="45000"/>
+          <a:p>
+            <a:pPr algn="ctr"/>
+            <a:r>
+              <a:rPr lang="en-US" sz="6000" strike="noStrike">
+                <a:latin typeface="Times New Roman"/>
+              </a:rPr>
+              <a:t>Training</a:t>
+            </a:r>
+            <a:endParaRPr/>
+          </a:p>
+        </p:txBody>
+      </p:sp>
+      <p:sp>
+        <p:nvSpPr>
+          <p:cNvPr id="85" name="CustomShape 31"/>
+          <p:cNvSpPr/>
+          <p:nvPr/>
+        </p:nvSpPr>
+        <p:spPr>
+          <a:xfrm>
+            <a:off x="26974800" y="3569040"/>
+            <a:ext cx="8869680" cy="934200"/>
+          </a:xfrm>
+          <a:prstGeom prst="rect">
+            <a:avLst/>
+          </a:prstGeom>
+          <a:noFill/>
+          <a:ln>
+            <a:noFill/>
+          </a:ln>
+        </p:spPr>
+        <p:style>
+          <a:lnRef idx="0"/>
+          <a:fillRef idx="0"/>
+          <a:effectRef idx="0"/>
+          <a:fontRef idx="minor"/>
+        </p:style>
+        <p:txBody>
+          <a:bodyPr lIns="90000" rIns="90000" tIns="45000" bIns="45000"/>
+          <a:p>
+            <a:pPr algn="ctr"/>
+            <a:r>
+              <a:rPr lang="en-US" sz="6000" strike="noStrike">
+                <a:latin typeface="Times New Roman"/>
+              </a:rPr>
+              <a:t>Detection</a:t>
+            </a:r>
+            <a:endParaRPr/>
+          </a:p>
+        </p:txBody>
+      </p:sp>
+      <p:sp>
+        <p:nvSpPr>
+          <p:cNvPr id="86" name="CustomShape 32"/>
+          <p:cNvSpPr/>
+          <p:nvPr/>
+        </p:nvSpPr>
+        <p:spPr>
+          <a:xfrm>
+            <a:off x="16215480" y="3566160"/>
+            <a:ext cx="6217920" cy="934200"/>
+          </a:xfrm>
+          <a:prstGeom prst="rect">
+            <a:avLst/>
+          </a:prstGeom>
+          <a:noFill/>
+          <a:ln>
+            <a:noFill/>
+          </a:ln>
+        </p:spPr>
+        <p:style>
+          <a:lnRef idx="0"/>
+          <a:fillRef idx="0"/>
+          <a:effectRef idx="0"/>
+          <a:fontRef idx="minor"/>
+        </p:style>
+        <p:txBody>
+          <a:bodyPr lIns="90000" rIns="90000" tIns="45000" bIns="45000"/>
+          <a:p>
+            <a:pPr algn="ctr"/>
+            <a:r>
+              <a:rPr lang="en-US" sz="6000" strike="noStrike">
+                <a:latin typeface="Times New Roman"/>
+              </a:rPr>
+              <a:t>Part-Based Model</a:t>
+            </a:r>
+            <a:endParaRPr/>
+          </a:p>
+        </p:txBody>
+      </p:sp>
+      <p:sp>
+        <p:nvSpPr>
+          <p:cNvPr id="87" name="TextShape 33"/>
+          <p:cNvSpPr txBox="1"/>
+          <p:nvPr/>
+        </p:nvSpPr>
+        <p:spPr>
+          <a:xfrm>
+            <a:off x="1005840" y="4545000"/>
+            <a:ext cx="11704320" cy="5056200"/>
+          </a:xfrm>
+          <a:prstGeom prst="rect">
+            <a:avLst/>
+          </a:prstGeom>
+          <a:noFill/>
+          <a:ln>
+            <a:noFill/>
+          </a:ln>
+        </p:spPr>
+        <p:txBody>
+          <a:bodyPr lIns="90000" rIns="90000" tIns="45000" bIns="45000"/>
+          <a:p>
+            <a:r>
+              <a:rPr lang="en-US" sz="3200">
+                <a:latin typeface="Times New Roman"/>
+              </a:rPr>
+              <a:t>	</a:t>
+            </a:r>
+            <a:r>
+              <a:rPr lang="en-US" sz="3200">
+                <a:latin typeface="Times New Roman"/>
+              </a:rPr>
+              <a:t>We first attempted to implement “People-Tracking-by-Detection and People-Detection-by-Tracking” [A], but quickly found  that to be too ambitions for our time constraints.  Instead, we opted to implement the first half of their paper, which deals entirely with detection.</a:t>
+            </a:r>
+            <a:endParaRPr/>
+          </a:p>
+          <a:p>
+            <a:r>
+              <a:rPr lang="en-US" sz="3200">
+                <a:latin typeface="Times New Roman"/>
+              </a:rPr>
+              <a:t>	</a:t>
+            </a:r>
+            <a:r>
+              <a:rPr lang="en-US" sz="3200">
+                <a:latin typeface="Times New Roman"/>
+              </a:rPr>
+              <a:t>While we were able to implement the paper in its basic state, we ran into many problems early on in the pipeline, especially with keypoint detection and feature descriptors, which ultimately resulted in poor results.  In addition to discussing the theory of the paper and our implementation of it, we also discuss the reasons for our failures, as well as plans to improve our results.</a:t>
+            </a:r>
+            <a:endParaRPr/>
+          </a:p>
+        </p:txBody>
+      </p:sp>
+      <p:sp>
+        <p:nvSpPr>
+          <p:cNvPr id="88" name="TextShape 34"/>
+          <p:cNvSpPr txBox="1"/>
+          <p:nvPr/>
+        </p:nvSpPr>
+        <p:spPr>
+          <a:xfrm>
+            <a:off x="7040880" y="21854160"/>
+            <a:ext cx="11704320" cy="2799000"/>
+          </a:xfrm>
+          <a:prstGeom prst="rect">
+            <a:avLst/>
+          </a:prstGeom>
+          <a:noFill/>
+          <a:ln>
+            <a:noFill/>
+          </a:ln>
+        </p:spPr>
+        <p:txBody>
+          <a:bodyPr lIns="90000" rIns="90000" tIns="45000" bIns="45000"/>
+          <a:p>
+            <a:r>
+              <a:rPr lang="en-US" sz="3200">
+                <a:latin typeface="Times New Roman"/>
+              </a:rPr>
+              <a:t>REFERENCES NOT YET USED:</a:t>
+            </a:r>
+            <a:endParaRPr/>
+          </a:p>
+          <a:p>
+            <a:r>
+              <a:rPr lang="en-US" sz="3200">
+                <a:latin typeface="Times New Roman"/>
+              </a:rPr>
+              <a:t>Mention that reference D says to do away with Shape Contexts</a:t>
+            </a:r>
+            <a:endParaRPr/>
+          </a:p>
+          <a:p>
+            <a:r>
+              <a:rPr lang="en-US" sz="3200">
+                <a:latin typeface="Times New Roman"/>
+              </a:rPr>
+              <a:t>Mention that reference E describes how to perform the probability maximization efficiently with dynamic programming techniques</a:t>
+            </a:r>
+            <a:endParaRPr/>
+          </a:p>
+          <a:p>
+            <a:r>
+              <a:rPr lang="en-US" sz="3200">
+                <a:latin typeface="Times New Roman"/>
+              </a:rPr>
+              <a:t>Mention that reference F describes Harris-Laplace interest point detectors”</a:t>
+            </a:r>
+            <a:endParaRPr/>
+          </a:p>
+        </p:txBody>
+      </p:sp>
+      <p:sp>
+        <p:nvSpPr>
+          <p:cNvPr id="89" name="CustomShape 35"/>
+          <p:cNvSpPr/>
+          <p:nvPr/>
+        </p:nvSpPr>
+        <p:spPr>
+          <a:xfrm>
+            <a:off x="16184880" y="20005560"/>
+            <a:ext cx="5120640" cy="934200"/>
+          </a:xfrm>
+          <a:prstGeom prst="rect">
+            <a:avLst/>
+          </a:prstGeom>
+          <a:noFill/>
+          <a:ln>
+            <a:noFill/>
+          </a:ln>
+        </p:spPr>
+        <p:style>
+          <a:lnRef idx="0"/>
+          <a:fillRef idx="0"/>
+          <a:effectRef idx="0"/>
+          <a:fontRef idx="minor"/>
+        </p:style>
+        <p:txBody>
+          <a:bodyPr lIns="90000" rIns="90000" tIns="45000" bIns="45000"/>
+          <a:p>
+            <a:pPr algn="ctr"/>
+            <a:r>
+              <a:rPr lang="en-US" sz="6000" strike="noStrike">
+                <a:latin typeface="Times New Roman"/>
+              </a:rPr>
+              <a:t>Future Work</a:t>
+            </a:r>
+            <a:endParaRPr/>
+          </a:p>
+        </p:txBody>
+      </p:sp>
+      <p:sp>
+        <p:nvSpPr>
+          <p:cNvPr id="90" name="TextShape 36"/>
+          <p:cNvSpPr txBox="1"/>
+          <p:nvPr/>
+        </p:nvSpPr>
+        <p:spPr>
+          <a:xfrm>
+            <a:off x="22311360" y="19591200"/>
+            <a:ext cx="7772400" cy="993240"/>
+          </a:xfrm>
+          <a:prstGeom prst="rect">
+            <a:avLst/>
+          </a:prstGeom>
+          <a:noFill/>
+          <a:ln>
+            <a:noFill/>
+          </a:ln>
+        </p:spPr>
+        <p:txBody>
+          <a:bodyPr lIns="90000" rIns="90000" tIns="45000" bIns="45000"/>
+          <a:p>
+            <a:r>
+              <a:rPr lang="en-US" sz="3200">
+                <a:latin typeface="Times New Roman"/>
+              </a:rPr>
+              <a:t>p(L | a, E) </a:t>
+            </a:r>
+            <a:r>
+              <a:rPr lang="en-US" sz="3200">
+                <a:latin typeface="Times New Roman"/>
+                <a:ea typeface="Times New Roman"/>
+              </a:rPr>
+              <a:t>≈ ∏ p(x | x , a) [ β + </a:t>
+            </a:r>
+            <a:r>
+              <a:rPr lang="en-US" sz="3200">
+                <a:latin typeface="Times New Roman"/>
+                <a:ea typeface="Times New Roman"/>
+              </a:rPr>
+              <a:t>∑  p(x | a, e ) ]</a:t>
+            </a:r>
+            <a:endParaRPr/>
+          </a:p>
+        </p:txBody>
+      </p:sp>
+      <p:sp>
+        <p:nvSpPr>
+          <p:cNvPr id="91" name="TextShape 37"/>
+          <p:cNvSpPr txBox="1"/>
+          <p:nvPr/>
+        </p:nvSpPr>
+        <p:spPr>
+          <a:xfrm>
+            <a:off x="24708240" y="19859400"/>
+            <a:ext cx="5009760" cy="657000"/>
+          </a:xfrm>
+          <a:prstGeom prst="rect">
+            <a:avLst/>
+          </a:prstGeom>
+          <a:noFill/>
+          <a:ln>
+            <a:noFill/>
+          </a:ln>
+        </p:spPr>
+        <p:txBody>
+          <a:bodyPr lIns="90000" rIns="90000" tIns="45000" bIns="45000"/>
+          <a:p>
+            <a:r>
+              <a:rPr lang="en-US" sz="2000">
+                <a:latin typeface="Arial"/>
+              </a:rPr>
+              <a:t>i        i      0                          k        i            k</a:t>
+            </a:r>
+            <a:endParaRPr/>
+          </a:p>
+        </p:txBody>
+      </p:sp>
+      <p:sp>
+        <p:nvSpPr>
+          <p:cNvPr id="92" name="TextShape 38"/>
+          <p:cNvSpPr txBox="1"/>
+          <p:nvPr/>
+        </p:nvSpPr>
+        <p:spPr>
+          <a:xfrm>
+            <a:off x="22402800" y="20678040"/>
+            <a:ext cx="7772400" cy="993240"/>
+          </a:xfrm>
+          <a:prstGeom prst="rect">
+            <a:avLst/>
+          </a:prstGeom>
+          <a:noFill/>
+          <a:ln>
+            <a:noFill/>
+          </a:ln>
+        </p:spPr>
+        <p:txBody>
+          <a:bodyPr lIns="90000" rIns="90000" tIns="45000" bIns="45000"/>
+          <a:p>
+            <a:r>
+              <a:rPr lang="en-US" sz="3200">
+                <a:latin typeface="Times New Roman"/>
+              </a:rPr>
+              <a:t>p(x  | a, e ) =</a:t>
+            </a:r>
+            <a:r>
+              <a:rPr lang="en-US" sz="3200">
+                <a:latin typeface="Times New Roman"/>
+                <a:ea typeface="Times New Roman"/>
+              </a:rPr>
+              <a:t> ∑  p(x | a, c , e     ) p(c  | e    )</a:t>
+            </a:r>
+            <a:endParaRPr/>
+          </a:p>
+        </p:txBody>
+      </p:sp>
+      <p:sp>
+        <p:nvSpPr>
+          <p:cNvPr id="93" name="TextShape 39"/>
+          <p:cNvSpPr txBox="1"/>
+          <p:nvPr/>
+        </p:nvSpPr>
+        <p:spPr>
+          <a:xfrm>
+            <a:off x="22970880" y="20951280"/>
+            <a:ext cx="6472800" cy="373680"/>
+          </a:xfrm>
+          <a:prstGeom prst="rect">
+            <a:avLst/>
+          </a:prstGeom>
+          <a:noFill/>
+          <a:ln>
+            <a:noFill/>
+          </a:ln>
+        </p:spPr>
+        <p:txBody>
+          <a:bodyPr lIns="90000" rIns="90000" tIns="45000" bIns="45000"/>
+          <a:p>
+            <a:r>
+              <a:rPr lang="en-US" sz="2000">
+                <a:latin typeface="Arial"/>
+              </a:rPr>
+              <a:t>i            k                       i            j      k                j       k</a:t>
+            </a:r>
+            <a:endParaRPr/>
+          </a:p>
+        </p:txBody>
+      </p:sp>
+      <p:sp>
+        <p:nvSpPr>
+          <p:cNvPr id="94" name="TextShape 40"/>
+          <p:cNvSpPr txBox="1"/>
+          <p:nvPr/>
+        </p:nvSpPr>
+        <p:spPr>
+          <a:xfrm>
+            <a:off x="26974800" y="20678040"/>
+            <a:ext cx="2651760" cy="373680"/>
+          </a:xfrm>
+          <a:prstGeom prst="rect">
+            <a:avLst/>
+          </a:prstGeom>
+          <a:noFill/>
+          <a:ln>
+            <a:noFill/>
+          </a:ln>
+        </p:spPr>
+        <p:txBody>
+          <a:bodyPr lIns="90000" rIns="90000" tIns="45000" bIns="45000"/>
+          <a:p>
+            <a:r>
+              <a:rPr lang="en-US" sz="2000">
+                <a:latin typeface="Arial"/>
+              </a:rPr>
+              <a:t>pos                    app</a:t>
+            </a:r>
+            <a:endParaRPr/>
+          </a:p>
+        </p:txBody>
+      </p:sp>
+      <p:sp>
+        <p:nvSpPr>
+          <p:cNvPr id="95" name="TextShape 41"/>
+          <p:cNvSpPr txBox="1"/>
+          <p:nvPr/>
+        </p:nvSpPr>
+        <p:spPr>
+          <a:xfrm>
+            <a:off x="15563520" y="8980560"/>
+            <a:ext cx="11247120" cy="1896120"/>
+          </a:xfrm>
+          <a:prstGeom prst="rect">
+            <a:avLst/>
+          </a:prstGeom>
+          <a:noFill/>
+          <a:ln>
+            <a:noFill/>
+          </a:ln>
+        </p:spPr>
+        <p:txBody>
+          <a:bodyPr lIns="90000" rIns="90000" tIns="45000" bIns="45000"/>
+          <a:p>
+            <a:r>
+              <a:rPr lang="en-US" sz="3200">
+                <a:latin typeface="Times New Roman"/>
+              </a:rPr>
+              <a:t>We were fortunate to have a well-labeld training set (from [A]) giving the L={xi} set for each person in a seriese of images, where xi is the position of the ith part of the person.</a:t>
+            </a:r>
+            <a:endParaRPr/>
+          </a:p>
+          <a:p>
+            <a:r>
+              <a:rPr lang="en-US" sz="3200">
+                <a:latin typeface="Times New Roman"/>
+              </a:rPr>
+              <a:t>In training, we fit several gaussian distributions:</a:t>
+            </a:r>
+            <a:endParaRPr/>
+          </a:p>
+        </p:txBody>
+      </p:sp>
+      <p:sp>
+        <p:nvSpPr>
+          <p:cNvPr id="96" name="TextShape 42"/>
+          <p:cNvSpPr txBox="1"/>
+          <p:nvPr/>
+        </p:nvSpPr>
+        <p:spPr>
+          <a:xfrm>
+            <a:off x="15455520" y="11808360"/>
+            <a:ext cx="10881360" cy="993240"/>
+          </a:xfrm>
+          <a:prstGeom prst="rect">
+            <a:avLst/>
+          </a:prstGeom>
+          <a:noFill/>
+          <a:ln>
+            <a:noFill/>
+          </a:ln>
+        </p:spPr>
+        <p:txBody>
+          <a:bodyPr lIns="90000" rIns="90000" tIns="45000" bIns="45000"/>
+          <a:p>
+            <a:r>
+              <a:rPr lang="en-US" sz="3200">
+                <a:latin typeface="Times New Roman"/>
+              </a:rPr>
+              <a:t>We also use clustering on shape contexts, and state that p(cj | ek_app) is proportional to the L2 norm of (cj - ek_app).</a:t>
+            </a:r>
+            <a:endParaRPr/>
+          </a:p>
+        </p:txBody>
+      </p:sp>
+      <p:sp>
+        <p:nvSpPr>
+          <p:cNvPr id="97" name="TextShape 43"/>
+          <p:cNvSpPr txBox="1"/>
+          <p:nvPr/>
+        </p:nvSpPr>
+        <p:spPr>
+          <a:xfrm>
+            <a:off x="19512360" y="5303520"/>
+            <a:ext cx="4170600" cy="541800"/>
+          </a:xfrm>
+          <a:prstGeom prst="rect">
+            <a:avLst/>
+          </a:prstGeom>
+          <a:noFill/>
+          <a:ln>
+            <a:noFill/>
+          </a:ln>
+        </p:spPr>
+        <p:txBody>
+          <a:bodyPr lIns="90000" rIns="90000" tIns="45000" bIns="45000"/>
+          <a:p>
+            <a:r>
+              <a:rPr lang="en-US" sz="3200">
+                <a:latin typeface="Times New Roman"/>
+              </a:rPr>
+              <a:t>EXPLANATION HERE</a:t>
+            </a:r>
+            <a:endParaRPr/>
+          </a:p>
+        </p:txBody>
+      </p:sp>
+      <p:sp>
+        <p:nvSpPr>
+          <p:cNvPr id="98" name="TextShape 44"/>
+          <p:cNvSpPr txBox="1"/>
+          <p:nvPr/>
+        </p:nvSpPr>
+        <p:spPr>
+          <a:xfrm>
+            <a:off x="27797760" y="5394960"/>
+            <a:ext cx="4170600" cy="541800"/>
+          </a:xfrm>
+          <a:prstGeom prst="rect">
+            <a:avLst/>
+          </a:prstGeom>
+          <a:noFill/>
+          <a:ln>
+            <a:noFill/>
+          </a:ln>
+        </p:spPr>
+        <p:txBody>
+          <a:bodyPr lIns="90000" rIns="90000" tIns="45000" bIns="45000"/>
+          <a:p>
+            <a:r>
+              <a:rPr lang="en-US" sz="3200">
+                <a:latin typeface="Times New Roman"/>
+              </a:rPr>
+              <a:t>EXPLANATION HERE</a:t>
+            </a:r>
+            <a:endParaRPr/>
+          </a:p>
+        </p:txBody>
+      </p:sp>
+      <p:sp>
+        <p:nvSpPr>
+          <p:cNvPr id="99" name="CustomShape 45"/>
+          <p:cNvSpPr/>
+          <p:nvPr/>
+        </p:nvSpPr>
+        <p:spPr>
+          <a:xfrm>
+            <a:off x="26810640" y="3566160"/>
+            <a:ext cx="9491040" cy="13533120"/>
+          </a:xfrm>
+          <a:prstGeom prst="rect">
+            <a:avLst/>
+          </a:prstGeom>
+          <a:noFill/>
+          <a:ln w="12600">
+            <a:solidFill>
+              <a:srgbClr val="000000"/>
+            </a:solidFill>
+            <a:miter/>
+          </a:ln>
+        </p:spPr>
+        <p:style>
+          <a:lnRef idx="0"/>
+          <a:fillRef idx="0"/>
+          <a:effectRef idx="0"/>
+          <a:fontRef idx="minor"/>
+        </p:style>
+      </p:sp>
     </p:spTree>
   </p:cSld>
   <p:timing>

--- a/posterAndSlide/poster.pptx
+++ b/posterAndSlide/poster.pptx
@@ -396,8 +396,8 @@
         </p:blipFill>
         <p:spPr>
           <a:xfrm>
-            <a:off x="8317080" y="6418440"/>
-            <a:ext cx="19940760" cy="15910200"/>
+            <a:off x="8317800" y="6418440"/>
+            <a:ext cx="19939680" cy="15910200"/>
           </a:xfrm>
           <a:prstGeom prst="rect">
             <a:avLst/>
@@ -419,8 +419,8 @@
         </p:blipFill>
         <p:spPr>
           <a:xfrm>
-            <a:off x="8317080" y="6418440"/>
-            <a:ext cx="19940760" cy="15910200"/>
+            <a:off x="8317800" y="6418440"/>
+            <a:ext cx="19939680" cy="15910200"/>
           </a:xfrm>
           <a:prstGeom prst="rect">
             <a:avLst/>
@@ -1199,7 +1199,7 @@
         <p:spPr>
           <a:xfrm>
             <a:off x="2743200" y="24991920"/>
-            <a:ext cx="7617240" cy="1825920"/>
+            <a:ext cx="7616880" cy="1825560"/>
           </a:xfrm>
           <a:prstGeom prst="rect">
             <a:avLst/>
@@ -1225,7 +1225,7 @@
         <p:spPr>
           <a:xfrm>
             <a:off x="12496680" y="24991920"/>
-            <a:ext cx="11579400" cy="1825920"/>
+            <a:ext cx="11579040" cy="1825560"/>
           </a:xfrm>
           <a:prstGeom prst="rect">
             <a:avLst/>
@@ -1266,7 +1266,7 @@
           <a:p>
             <a:pPr algn="ctr"/>
             <a:r>
-              <a:rPr lang="en-US" sz="4400">
+              <a:rPr lang="en-US" sz="4400" spc="-1">
                 <a:latin typeface="Arial"/>
               </a:rPr>
               <a:t>Click to edit the title text format</a:t>
@@ -1297,13 +1297,16 @@
         <p:txBody>
           <a:bodyPr lIns="0" rIns="0" tIns="0" bIns="0"/>
           <a:p>
-            <a:pPr>
+            <a:pPr marL="432000" indent="-324000">
+              <a:buClr>
+                <a:srgbClr val="ffffff"/>
+              </a:buClr>
               <a:buSzPct val="45000"/>
-              <a:buFont typeface="StarSymbol"/>
+              <a:buFont typeface="Wingdings" charset="2"/>
               <a:buChar char=""/>
             </a:pPr>
             <a:r>
-              <a:rPr lang="en-US" sz="3200">
+              <a:rPr lang="en-US" sz="3200" spc="-1">
                 <a:latin typeface="Arial"/>
               </a:rPr>
               <a:t>Click to edit the outline text format</a:t>
@@ -1311,13 +1314,16 @@
             <a:endParaRPr/>
           </a:p>
           <a:p>
-            <a:pPr lvl="1">
+            <a:pPr lvl="1" marL="864000" indent="-324000">
+              <a:buClr>
+                <a:srgbClr val="ffffff"/>
+              </a:buClr>
               <a:buSzPct val="75000"/>
-              <a:buFont typeface="StarSymbol"/>
+              <a:buFont typeface="Symbol" charset="2"/>
               <a:buChar char=""/>
             </a:pPr>
             <a:r>
-              <a:rPr lang="en-US" sz="2800">
+              <a:rPr lang="en-US" sz="2800" spc="-1">
                 <a:latin typeface="Arial"/>
               </a:rPr>
               <a:t>Second Outline Level</a:t>
@@ -1325,13 +1331,16 @@
             <a:endParaRPr/>
           </a:p>
           <a:p>
-            <a:pPr lvl="2">
+            <a:pPr lvl="2" marL="1296000" indent="-288000">
+              <a:buClr>
+                <a:srgbClr val="ffffff"/>
+              </a:buClr>
               <a:buSzPct val="45000"/>
-              <a:buFont typeface="StarSymbol"/>
+              <a:buFont typeface="Wingdings" charset="2"/>
               <a:buChar char=""/>
             </a:pPr>
             <a:r>
-              <a:rPr lang="en-US" sz="2400">
+              <a:rPr lang="en-US" sz="2400" spc="-1">
                 <a:latin typeface="Arial"/>
               </a:rPr>
               <a:t>Third Outline Level</a:t>
@@ -1339,13 +1348,16 @@
             <a:endParaRPr/>
           </a:p>
           <a:p>
-            <a:pPr lvl="3">
+            <a:pPr lvl="3" marL="1728000" indent="-216000">
+              <a:buClr>
+                <a:srgbClr val="ffffff"/>
+              </a:buClr>
               <a:buSzPct val="75000"/>
-              <a:buFont typeface="StarSymbol"/>
+              <a:buFont typeface="Symbol" charset="2"/>
               <a:buChar char=""/>
             </a:pPr>
             <a:r>
-              <a:rPr lang="en-US" sz="2000">
+              <a:rPr lang="en-US" sz="2000" spc="-1">
                 <a:latin typeface="Arial"/>
               </a:rPr>
               <a:t>Fourth Outline Level</a:t>
@@ -1353,13 +1365,16 @@
             <a:endParaRPr/>
           </a:p>
           <a:p>
-            <a:pPr lvl="4">
+            <a:pPr lvl="4" marL="2160000" indent="-216000">
+              <a:buClr>
+                <a:srgbClr val="ffffff"/>
+              </a:buClr>
               <a:buSzPct val="45000"/>
-              <a:buFont typeface="StarSymbol"/>
+              <a:buFont typeface="Wingdings" charset="2"/>
               <a:buChar char=""/>
             </a:pPr>
             <a:r>
-              <a:rPr lang="en-US" sz="2000">
+              <a:rPr lang="en-US" sz="2000" spc="-1">
                 <a:latin typeface="Arial"/>
               </a:rPr>
               <a:t>Fifth Outline Level</a:t>
@@ -1367,13 +1382,16 @@
             <a:endParaRPr/>
           </a:p>
           <a:p>
-            <a:pPr lvl="5">
+            <a:pPr lvl="5" marL="2592000" indent="-216000">
+              <a:buClr>
+                <a:srgbClr val="ffffff"/>
+              </a:buClr>
               <a:buSzPct val="45000"/>
-              <a:buFont typeface="StarSymbol"/>
+              <a:buFont typeface="Wingdings" charset="2"/>
               <a:buChar char=""/>
             </a:pPr>
             <a:r>
-              <a:rPr lang="en-US" sz="2000">
+              <a:rPr lang="en-US" sz="2000" spc="-1">
                 <a:latin typeface="Arial"/>
               </a:rPr>
               <a:t>Sixth Outline Level</a:t>
@@ -1381,13 +1399,16 @@
             <a:endParaRPr/>
           </a:p>
           <a:p>
-            <a:pPr lvl="6">
+            <a:pPr lvl="6" marL="3024000" indent="-216000">
+              <a:buClr>
+                <a:srgbClr val="ffffff"/>
+              </a:buClr>
               <a:buSzPct val="45000"/>
-              <a:buFont typeface="StarSymbol"/>
+              <a:buFont typeface="Wingdings" charset="2"/>
               <a:buChar char=""/>
             </a:pPr>
             <a:r>
-              <a:rPr lang="en-US" sz="2000">
+              <a:rPr lang="en-US" sz="2000" spc="-1">
                 <a:latin typeface="Arial"/>
               </a:rPr>
               <a:t>Seventh Outline Level</a:t>
@@ -1446,7 +1467,7 @@
         <p:spPr>
           <a:xfrm>
             <a:off x="10341360" y="12510000"/>
-            <a:ext cx="1697400" cy="1640520"/>
+            <a:ext cx="1697040" cy="1640160"/>
           </a:xfrm>
           <a:prstGeom prst="rect">
             <a:avLst/>
@@ -1465,7 +1486,7 @@
         <p:spPr>
           <a:xfrm>
             <a:off x="6193440" y="608040"/>
-            <a:ext cx="24228720" cy="1521000"/>
+            <a:ext cx="24228360" cy="1520640"/>
           </a:xfrm>
           <a:prstGeom prst="rect">
             <a:avLst/>
@@ -1490,10 +1511,15 @@
               </a:lnSpc>
             </a:pPr>
             <a:r>
-              <a:rPr b="1" lang="en-US" sz="7200" strike="noStrike">
+              <a:rPr b="1" lang="en-US" sz="7200" spc="-1" strike="noStrike">
                 <a:solidFill>
                   <a:srgbClr val="c00000"/>
                 </a:solidFill>
+                <a:uFill>
+                  <a:solidFill>
+                    <a:srgbClr val="ffffff"/>
+                  </a:solidFill>
+                </a:uFill>
                 <a:latin typeface="Times New Roman"/>
                 <a:ea typeface="MS PGothic"/>
               </a:rPr>
@@ -1512,7 +1538,7 @@
         <p:spPr>
           <a:xfrm>
             <a:off x="1607400" y="1637640"/>
-            <a:ext cx="32915520" cy="1010160"/>
+            <a:ext cx="32915160" cy="1009800"/>
           </a:xfrm>
           <a:prstGeom prst="rect">
             <a:avLst/>
@@ -1537,10 +1563,15 @@
               </a:lnSpc>
             </a:pPr>
             <a:r>
-              <a:rPr b="1" lang="en-US" sz="4000" strike="noStrike">
+              <a:rPr b="1" lang="en-US" sz="4000" spc="-1" strike="noStrike">
                 <a:solidFill>
                   <a:srgbClr val="000000"/>
                 </a:solidFill>
+                <a:uFill>
+                  <a:solidFill>
+                    <a:srgbClr val="ffffff"/>
+                  </a:solidFill>
+                </a:uFill>
                 <a:latin typeface="Times New Roman"/>
                 <a:ea typeface="ＭＳ Ｐゴシック"/>
               </a:rPr>
@@ -1563,7 +1594,7 @@
         <p:spPr>
           <a:xfrm>
             <a:off x="30368160" y="10419480"/>
-            <a:ext cx="1980360" cy="3304800"/>
+            <a:ext cx="1980000" cy="3304440"/>
           </a:xfrm>
           <a:prstGeom prst="rect">
             <a:avLst/>
@@ -1582,7 +1613,7 @@
         <p:spPr>
           <a:xfrm>
             <a:off x="27502920" y="13763880"/>
-            <a:ext cx="2401560" cy="1895040"/>
+            <a:ext cx="2401200" cy="1894680"/>
           </a:xfrm>
           <a:prstGeom prst="rect">
             <a:avLst/>
@@ -1602,14 +1633,79 @@
           <a:bodyPr lIns="90000" rIns="90000" tIns="45000" bIns="45000"/>
           <a:p>
             <a:r>
-              <a:rPr lang="en-US" sz="3200" strike="noStrike">
+              <a:rPr i="1" lang="en-US" sz="3200" spc="-1" strike="noStrike">
                 <a:solidFill>
                   <a:srgbClr val="000000"/>
                 </a:solidFill>
+                <a:uFill>
+                  <a:solidFill>
+                    <a:srgbClr val="ffffff"/>
+                  </a:solidFill>
+                </a:uFill>
                 <a:latin typeface="Times New Roman"/>
                 <a:ea typeface="DejaVu Sans"/>
               </a:rPr>
-              <a:t>p(xi) given one keypoint</a:t>
+              <a:t>p</a:t>
+            </a:r>
+            <a:r>
+              <a:rPr lang="en-US" sz="3200" spc="-1" strike="noStrike">
+                <a:solidFill>
+                  <a:srgbClr val="000000"/>
+                </a:solidFill>
+                <a:uFill>
+                  <a:solidFill>
+                    <a:srgbClr val="ffffff"/>
+                  </a:solidFill>
+                </a:uFill>
+                <a:latin typeface="Times New Roman"/>
+                <a:ea typeface="DejaVu Sans"/>
+              </a:rPr>
+              <a:t>(</a:t>
+            </a:r>
+            <a:r>
+              <a:rPr i="1" lang="en-US" sz="3200" spc="-1" strike="noStrike">
+                <a:solidFill>
+                  <a:srgbClr val="000000"/>
+                </a:solidFill>
+                <a:uFill>
+                  <a:solidFill>
+                    <a:srgbClr val="ffffff"/>
+                  </a:solidFill>
+                </a:uFill>
+                <a:latin typeface="Times New Roman"/>
+                <a:ea typeface="DejaVu Sans"/>
+              </a:rPr>
+              <a:t>x</a:t>
+            </a:r>
+            <a:r>
+              <a:rPr i="1" lang="en-US" sz="3200" spc="-1" strike="noStrike" baseline="33000">
+                <a:solidFill>
+                  <a:srgbClr val="000000"/>
+                </a:solidFill>
+                <a:uFill>
+                  <a:solidFill>
+                    <a:srgbClr val="ffffff"/>
+                  </a:solidFill>
+                </a:uFill>
+                <a:latin typeface="Times New Roman"/>
+                <a:ea typeface="DejaVu Sans"/>
+              </a:rPr>
+              <a:t>i</a:t>
+            </a:r>
+            <a:r>
+              <a:rPr lang="en-US" sz="3200" spc="-1" strike="noStrike">
+                <a:solidFill>
+                  <a:srgbClr val="000000"/>
+                </a:solidFill>
+                <a:uFill>
+                  <a:solidFill>
+                    <a:srgbClr val="ffffff"/>
+                  </a:solidFill>
+                </a:uFill>
+                <a:latin typeface="Times New Roman"/>
+                <a:ea typeface="DejaVu Sans"/>
+              </a:rPr>
+              <a:t>) given one keypoint</a:t>
             </a:r>
             <a:endParaRPr/>
           </a:p>
@@ -1627,7 +1723,7 @@
         <p:spPr>
           <a:xfrm>
             <a:off x="30243960" y="13802760"/>
-            <a:ext cx="2377080" cy="1443600"/>
+            <a:ext cx="2376720" cy="1443240"/>
           </a:xfrm>
           <a:prstGeom prst="rect">
             <a:avLst/>
@@ -1647,10 +1743,15 @@
           <a:bodyPr lIns="90000" rIns="90000" tIns="45000" bIns="45000"/>
           <a:p>
             <a:r>
-              <a:rPr lang="en-US" sz="3200" strike="noStrike">
+              <a:rPr lang="en-US" sz="3200" spc="-1" strike="noStrike">
                 <a:solidFill>
                   <a:srgbClr val="000000"/>
                 </a:solidFill>
+                <a:uFill>
+                  <a:solidFill>
+                    <a:srgbClr val="ffffff"/>
+                  </a:solidFill>
+                </a:uFill>
                 <a:latin typeface="Times New Roman"/>
                 <a:ea typeface="DejaVu Sans"/>
               </a:rPr>
@@ -1669,7 +1770,7 @@
         <p:spPr>
           <a:xfrm>
             <a:off x="32840280" y="8953560"/>
-            <a:ext cx="2725560" cy="712080"/>
+            <a:ext cx="2725200" cy="711720"/>
           </a:xfrm>
           <a:prstGeom prst="rect">
             <a:avLst/>
@@ -1689,14 +1790,109 @@
           <a:bodyPr lIns="90000" rIns="90000" tIns="45000" bIns="45000"/>
           <a:p>
             <a:r>
-              <a:rPr lang="en-US" sz="3200" strike="noStrike">
+              <a:rPr i="1" lang="en-US" sz="3200" spc="-1" strike="noStrike">
                 <a:solidFill>
                   <a:srgbClr val="000000"/>
                 </a:solidFill>
+                <a:uFill>
+                  <a:solidFill>
+                    <a:srgbClr val="ffffff"/>
+                  </a:solidFill>
+                </a:uFill>
                 <a:latin typeface="Times New Roman"/>
                 <a:ea typeface="DejaVu Sans"/>
               </a:rPr>
-              <a:t>p(xi) given x0</a:t>
+              <a:t>p</a:t>
+            </a:r>
+            <a:r>
+              <a:rPr lang="en-US" sz="3200" spc="-1" strike="noStrike">
+                <a:solidFill>
+                  <a:srgbClr val="000000"/>
+                </a:solidFill>
+                <a:uFill>
+                  <a:solidFill>
+                    <a:srgbClr val="ffffff"/>
+                  </a:solidFill>
+                </a:uFill>
+                <a:latin typeface="Times New Roman"/>
+                <a:ea typeface="DejaVu Sans"/>
+              </a:rPr>
+              <a:t>(</a:t>
+            </a:r>
+            <a:r>
+              <a:rPr i="1" lang="en-US" sz="3200" spc="-1" strike="noStrike">
+                <a:solidFill>
+                  <a:srgbClr val="000000"/>
+                </a:solidFill>
+                <a:uFill>
+                  <a:solidFill>
+                    <a:srgbClr val="ffffff"/>
+                  </a:solidFill>
+                </a:uFill>
+                <a:latin typeface="Times New Roman"/>
+                <a:ea typeface="DejaVu Sans"/>
+              </a:rPr>
+              <a:t>x</a:t>
+            </a:r>
+            <a:r>
+              <a:rPr i="1" lang="en-US" sz="3200" spc="-1" strike="noStrike" baseline="33000">
+                <a:solidFill>
+                  <a:srgbClr val="000000"/>
+                </a:solidFill>
+                <a:uFill>
+                  <a:solidFill>
+                    <a:srgbClr val="ffffff"/>
+                  </a:solidFill>
+                </a:uFill>
+                <a:latin typeface="Times New Roman"/>
+                <a:ea typeface="DejaVu Sans"/>
+              </a:rPr>
+              <a:t>i</a:t>
+            </a:r>
+            <a:r>
+              <a:rPr lang="en-US" sz="3200" spc="-1" strike="noStrike">
+                <a:solidFill>
+                  <a:srgbClr val="000000"/>
+                </a:solidFill>
+                <a:uFill>
+                  <a:solidFill>
+                    <a:srgbClr val="ffffff"/>
+                  </a:solidFill>
+                </a:uFill>
+                <a:latin typeface="Times New Roman"/>
+                <a:ea typeface="DejaVu Sans"/>
+              </a:rPr>
+              <a:t>) given </a:t>
+            </a:r>
+            <a:r>
+              <a:rPr i="1" lang="en-US" sz="3200" spc="-1" strike="noStrike">
+                <a:solidFill>
+                  <a:srgbClr val="000000"/>
+                </a:solidFill>
+                <a:uFill>
+                  <a:solidFill>
+                    <a:srgbClr val="ffffff"/>
+                  </a:solidFill>
+                </a:uFill>
+                <a:latin typeface="Times New Roman"/>
+                <a:ea typeface="DejaVu Sans"/>
+              </a:rPr>
+              <a:t>x</a:t>
+            </a:r>
+            <a:r>
+              <a:rPr i="1" lang="en-US" sz="3200" spc="-1" strike="noStrike" baseline="33000">
+                <a:solidFill>
+                  <a:srgbClr val="000000"/>
+                </a:solidFill>
+                <a:uFill>
+                  <a:solidFill>
+                    <a:srgbClr val="ffffff"/>
+                  </a:solidFill>
+                </a:uFill>
+                <a:latin typeface="Times New Roman"/>
+                <a:ea typeface="DejaVu Sans"/>
+              </a:rPr>
+              <a:t>0</a:t>
             </a:r>
             <a:endParaRPr/>
           </a:p>
@@ -1711,7 +1907,7 @@
         <p:spPr>
           <a:xfrm>
             <a:off x="32934600" y="13854240"/>
-            <a:ext cx="2559240" cy="1443600"/>
+            <a:ext cx="2558880" cy="1443240"/>
           </a:xfrm>
           <a:prstGeom prst="rect">
             <a:avLst/>
@@ -1731,14 +1927,124 @@
           <a:bodyPr lIns="90000" rIns="90000" tIns="45000" bIns="45000"/>
           <a:p>
             <a:r>
-              <a:rPr lang="en-US" sz="3200" strike="noStrike">
+              <a:rPr i="1" lang="en-US" sz="3200" spc="-1" strike="noStrike">
                 <a:solidFill>
                   <a:srgbClr val="000000"/>
                 </a:solidFill>
+                <a:uFill>
+                  <a:solidFill>
+                    <a:srgbClr val="ffffff"/>
+                  </a:solidFill>
+                </a:uFill>
                 <a:latin typeface="Times New Roman"/>
                 <a:ea typeface="DejaVu Sans"/>
               </a:rPr>
-              <a:t>p(xi) given x0 and keypoints</a:t>
+              <a:t>p</a:t>
+            </a:r>
+            <a:r>
+              <a:rPr lang="en-US" sz="3200" spc="-1" strike="noStrike">
+                <a:solidFill>
+                  <a:srgbClr val="000000"/>
+                </a:solidFill>
+                <a:uFill>
+                  <a:solidFill>
+                    <a:srgbClr val="ffffff"/>
+                  </a:solidFill>
+                </a:uFill>
+                <a:latin typeface="Times New Roman"/>
+                <a:ea typeface="DejaVu Sans"/>
+              </a:rPr>
+              <a:t>(</a:t>
+            </a:r>
+            <a:r>
+              <a:rPr i="1" lang="en-US" sz="3200" spc="-1" strike="noStrike">
+                <a:solidFill>
+                  <a:srgbClr val="000000"/>
+                </a:solidFill>
+                <a:uFill>
+                  <a:solidFill>
+                    <a:srgbClr val="ffffff"/>
+                  </a:solidFill>
+                </a:uFill>
+                <a:latin typeface="Times New Roman"/>
+                <a:ea typeface="DejaVu Sans"/>
+              </a:rPr>
+              <a:t>x</a:t>
+            </a:r>
+            <a:r>
+              <a:rPr i="1" lang="en-US" sz="3200" spc="-1" strike="noStrike" baseline="33000">
+                <a:solidFill>
+                  <a:srgbClr val="000000"/>
+                </a:solidFill>
+                <a:uFill>
+                  <a:solidFill>
+                    <a:srgbClr val="ffffff"/>
+                  </a:solidFill>
+                </a:uFill>
+                <a:latin typeface="Times New Roman"/>
+                <a:ea typeface="DejaVu Sans"/>
+              </a:rPr>
+              <a:t>i</a:t>
+            </a:r>
+            <a:r>
+              <a:rPr lang="en-US" sz="3200" spc="-1" strike="noStrike">
+                <a:solidFill>
+                  <a:srgbClr val="000000"/>
+                </a:solidFill>
+                <a:uFill>
+                  <a:solidFill>
+                    <a:srgbClr val="ffffff"/>
+                  </a:solidFill>
+                </a:uFill>
+                <a:latin typeface="Times New Roman"/>
+                <a:ea typeface="DejaVu Sans"/>
+              </a:rPr>
+              <a:t>) given </a:t>
+            </a:r>
+            <a:r>
+              <a:rPr i="1" lang="en-US" sz="3200" spc="-1" strike="noStrike">
+                <a:solidFill>
+                  <a:srgbClr val="000000"/>
+                </a:solidFill>
+                <a:uFill>
+                  <a:solidFill>
+                    <a:srgbClr val="ffffff"/>
+                  </a:solidFill>
+                </a:uFill>
+                <a:latin typeface="Times New Roman"/>
+                <a:ea typeface="DejaVu Sans"/>
+              </a:rPr>
+              <a:t>x</a:t>
+            </a:r>
+            <a:r>
+              <a:rPr i="1" lang="en-US" sz="3200" spc="-1" strike="noStrike" baseline="33000">
+                <a:solidFill>
+                  <a:srgbClr val="000000"/>
+                </a:solidFill>
+                <a:uFill>
+                  <a:solidFill>
+                    <a:srgbClr val="ffffff"/>
+                  </a:solidFill>
+                </a:uFill>
+                <a:latin typeface="Times New Roman"/>
+                <a:ea typeface="DejaVu Sans"/>
+              </a:rPr>
+              <a:t>0</a:t>
+            </a:r>
+            <a:r>
+              <a:rPr lang="en-US" sz="3200" spc="-1" strike="noStrike">
+                <a:solidFill>
+                  <a:srgbClr val="000000"/>
+                </a:solidFill>
+                <a:uFill>
+                  <a:solidFill>
+                    <a:srgbClr val="ffffff"/>
+                  </a:solidFill>
+                </a:uFill>
+                <a:latin typeface="Times New Roman"/>
+                <a:ea typeface="DejaVu Sans"/>
+              </a:rPr>
+              <a:t> and keypoints</a:t>
             </a:r>
             <a:endParaRPr/>
           </a:p>
@@ -1757,7 +2063,7 @@
         <p:spPr>
           <a:xfrm>
             <a:off x="27453600" y="10155960"/>
-            <a:ext cx="1980000" cy="3285000"/>
+            <a:ext cx="1979640" cy="3284640"/>
           </a:xfrm>
           <a:prstGeom prst="rect">
             <a:avLst/>
@@ -1780,7 +2086,7 @@
         <p:spPr>
           <a:xfrm>
             <a:off x="27733320" y="10436040"/>
-            <a:ext cx="1980000" cy="3285000"/>
+            <a:ext cx="1979640" cy="3284640"/>
           </a:xfrm>
           <a:prstGeom prst="rect">
             <a:avLst/>
@@ -1799,7 +2105,7 @@
         <p:spPr>
           <a:xfrm>
             <a:off x="33322680" y="15536160"/>
-            <a:ext cx="1645200" cy="822240"/>
+            <a:ext cx="1644840" cy="821880"/>
           </a:xfrm>
           <a:prstGeom prst="rect">
             <a:avLst/>
@@ -1819,14 +2125,49 @@
           <a:bodyPr lIns="90000" rIns="90000" tIns="45000" bIns="45000"/>
           <a:p>
             <a:r>
-              <a:rPr lang="en-US" sz="3200" strike="noStrike">
+              <a:rPr lang="en-US" sz="3200" spc="-1" strike="noStrike">
                 <a:solidFill>
                   <a:srgbClr val="000000"/>
                 </a:solidFill>
+                <a:uFill>
+                  <a:solidFill>
+                    <a:srgbClr val="ffffff"/>
+                  </a:solidFill>
+                </a:uFill>
                 <a:latin typeface="Times New Roman"/>
                 <a:ea typeface="DejaVu Sans"/>
               </a:rPr>
-              <a:t>Vary xi</a:t>
+              <a:t>Vary </a:t>
+            </a:r>
+            <a:r>
+              <a:rPr i="1" lang="en-US" sz="3200" spc="-1" strike="noStrike">
+                <a:solidFill>
+                  <a:srgbClr val="000000"/>
+                </a:solidFill>
+                <a:uFill>
+                  <a:solidFill>
+                    <a:srgbClr val="ffffff"/>
+                  </a:solidFill>
+                </a:uFill>
+                <a:latin typeface="Times New Roman"/>
+                <a:ea typeface="DejaVu Sans"/>
+              </a:rPr>
+              <a:t>x</a:t>
+            </a:r>
+            <a:r>
+              <a:rPr i="1" lang="en-US" sz="3200" spc="-1" strike="noStrike" baseline="33000">
+                <a:solidFill>
+                  <a:srgbClr val="000000"/>
+                </a:solidFill>
+                <a:uFill>
+                  <a:solidFill>
+                    <a:srgbClr val="ffffff"/>
+                  </a:solidFill>
+                </a:uFill>
+                <a:latin typeface="Times New Roman"/>
+                <a:ea typeface="DejaVu Sans"/>
+              </a:rPr>
+              <a:t>i</a:t>
             </a:r>
             <a:endParaRPr/>
           </a:p>
@@ -1841,7 +2182,7 @@
         <p:spPr>
           <a:xfrm>
             <a:off x="32732280" y="5002200"/>
-            <a:ext cx="2833560" cy="10533960"/>
+            <a:ext cx="2833200" cy="10533600"/>
           </a:xfrm>
           <a:prstGeom prst="rect">
             <a:avLst/>
@@ -1870,7 +2211,7 @@
         <p:spPr>
           <a:xfrm>
             <a:off x="26974800" y="16459920"/>
-            <a:ext cx="8869680" cy="822240"/>
+            <a:ext cx="8869320" cy="821880"/>
           </a:xfrm>
           <a:prstGeom prst="rect">
             <a:avLst/>
@@ -1895,14 +2236,49 @@
               </a:lnSpc>
             </a:pPr>
             <a:r>
-              <a:rPr lang="en-US" sz="3200" strike="noStrike">
+              <a:rPr lang="en-US" sz="3200" spc="-1" strike="noStrike">
                 <a:solidFill>
                   <a:srgbClr val="000000"/>
                 </a:solidFill>
+                <a:uFill>
+                  <a:solidFill>
+                    <a:srgbClr val="ffffff"/>
+                  </a:solidFill>
+                </a:uFill>
                 <a:latin typeface="Times New Roman"/>
                 <a:ea typeface="DejaVu Sans"/>
               </a:rPr>
-              <a:t>Vary x0</a:t>
+              <a:t>Vary </a:t>
+            </a:r>
+            <a:r>
+              <a:rPr i="1" lang="en-US" sz="3200" spc="-1" strike="noStrike">
+                <a:solidFill>
+                  <a:srgbClr val="000000"/>
+                </a:solidFill>
+                <a:uFill>
+                  <a:solidFill>
+                    <a:srgbClr val="ffffff"/>
+                  </a:solidFill>
+                </a:uFill>
+                <a:latin typeface="Times New Roman"/>
+                <a:ea typeface="DejaVu Sans"/>
+              </a:rPr>
+              <a:t>x</a:t>
+            </a:r>
+            <a:r>
+              <a:rPr i="1" lang="en-US" sz="3200" spc="-1" strike="noStrike" baseline="33000">
+                <a:solidFill>
+                  <a:srgbClr val="000000"/>
+                </a:solidFill>
+                <a:uFill>
+                  <a:solidFill>
+                    <a:srgbClr val="ffffff"/>
+                  </a:solidFill>
+                </a:uFill>
+                <a:latin typeface="Times New Roman"/>
+                <a:ea typeface="DejaVu Sans"/>
+              </a:rPr>
+              <a:t>0</a:t>
             </a:r>
             <a:endParaRPr/>
           </a:p>
@@ -1921,7 +2297,7 @@
         <p:spPr>
           <a:xfrm>
             <a:off x="3850200" y="16004520"/>
-            <a:ext cx="3127320" cy="1303560"/>
+            <a:ext cx="3126960" cy="1303200"/>
           </a:xfrm>
           <a:prstGeom prst="rect">
             <a:avLst/>
@@ -1944,7 +2320,7 @@
         <p:spPr>
           <a:xfrm>
             <a:off x="3839760" y="17454960"/>
-            <a:ext cx="3137760" cy="1283040"/>
+            <a:ext cx="3137400" cy="1282680"/>
           </a:xfrm>
           <a:prstGeom prst="rect">
             <a:avLst/>
@@ -1967,7 +2343,7 @@
         <p:spPr>
           <a:xfrm>
             <a:off x="7220520" y="17429040"/>
-            <a:ext cx="3108240" cy="1308960"/>
+            <a:ext cx="3107880" cy="1308600"/>
           </a:xfrm>
           <a:prstGeom prst="rect">
             <a:avLst/>
@@ -1990,7 +2366,7 @@
         <p:spPr>
           <a:xfrm>
             <a:off x="7195680" y="16017480"/>
-            <a:ext cx="3071160" cy="1280160"/>
+            <a:ext cx="3070800" cy="1279800"/>
           </a:xfrm>
           <a:prstGeom prst="rect">
             <a:avLst/>
@@ -2013,7 +2389,7 @@
         <p:spPr>
           <a:xfrm>
             <a:off x="10332720" y="18964440"/>
-            <a:ext cx="2259000" cy="2259000"/>
+            <a:ext cx="2258640" cy="2258640"/>
           </a:xfrm>
           <a:prstGeom prst="rect">
             <a:avLst/>
@@ -2036,7 +2412,7 @@
         <p:spPr>
           <a:xfrm>
             <a:off x="10511640" y="16394040"/>
-            <a:ext cx="2006280" cy="2285640"/>
+            <a:ext cx="2005920" cy="2285280"/>
           </a:xfrm>
           <a:prstGeom prst="rect">
             <a:avLst/>
@@ -2059,7 +2435,7 @@
         <p:spPr>
           <a:xfrm>
             <a:off x="10567080" y="14216040"/>
-            <a:ext cx="1973160" cy="2011320"/>
+            <a:ext cx="1972800" cy="2010960"/>
           </a:xfrm>
           <a:prstGeom prst="rect">
             <a:avLst/>
@@ -2082,7 +2458,7 @@
         <p:spPr>
           <a:xfrm>
             <a:off x="1367640" y="16161480"/>
-            <a:ext cx="2049840" cy="2352240"/>
+            <a:ext cx="2049480" cy="2351880"/>
           </a:xfrm>
           <a:prstGeom prst="rect">
             <a:avLst/>
@@ -2111,92 +2487,6 @@
               <a:srgbClr val="007826"/>
             </a:solidFill>
             <a:round/>
-          </a:ln>
-        </p:spPr>
-      </p:sp>
-      <p:sp>
-        <p:nvSpPr>
-          <p:cNvPr id="60" name="Line 11"/>
-          <p:cNvSpPr/>
-          <p:nvPr/>
-        </p:nvSpPr>
-        <p:spPr>
-          <a:xfrm flipH="1" flipV="1">
-            <a:off x="1990080" y="16893000"/>
-            <a:ext cx="2005920" cy="1168920"/>
-          </a:xfrm>
-          <a:prstGeom prst="line">
-            <a:avLst/>
-          </a:prstGeom>
-          <a:ln w="91440">
-            <a:solidFill>
-              <a:srgbClr val="ff3333"/>
-            </a:solidFill>
-            <a:round/>
-          </a:ln>
-        </p:spPr>
-      </p:sp>
-      <p:sp>
-        <p:nvSpPr>
-          <p:cNvPr id="61" name="Line 12"/>
-          <p:cNvSpPr/>
-          <p:nvPr/>
-        </p:nvSpPr>
-        <p:spPr>
-          <a:xfrm flipV="1">
-            <a:off x="10237320" y="17019000"/>
-            <a:ext cx="1014120" cy="1203480"/>
-          </a:xfrm>
-          <a:prstGeom prst="line">
-            <a:avLst/>
-          </a:prstGeom>
-          <a:ln w="91440">
-            <a:solidFill>
-              <a:srgbClr val="ff3333"/>
-            </a:solidFill>
-            <a:round/>
-          </a:ln>
-        </p:spPr>
-      </p:sp>
-      <p:sp>
-        <p:nvSpPr>
-          <p:cNvPr id="62" name="Line 13"/>
-          <p:cNvSpPr/>
-          <p:nvPr/>
-        </p:nvSpPr>
-        <p:spPr>
-          <a:xfrm flipH="1">
-            <a:off x="10109880" y="15241320"/>
-            <a:ext cx="1479600" cy="1485000"/>
-          </a:xfrm>
-          <a:prstGeom prst="line">
-            <a:avLst/>
-          </a:prstGeom>
-          <a:ln w="91440">
-            <a:solidFill>
-              <a:srgbClr val="0000ff"/>
-            </a:solidFill>
-            <a:round/>
-          </a:ln>
-        </p:spPr>
-      </p:sp>
-      <p:sp>
-        <p:nvSpPr>
-          <p:cNvPr id="63" name="CustomShape 14"/>
-          <p:cNvSpPr/>
-          <p:nvPr/>
-        </p:nvSpPr>
-        <p:spPr>
-          <a:xfrm>
-            <a:off x="1005840" y="12161520"/>
-            <a:ext cx="11795760" cy="934200"/>
-          </a:xfrm>
-          <a:prstGeom prst="rect">
-            <a:avLst/>
-          </a:prstGeom>
-          <a:noFill/>
-          <a:ln>
-            <a:noFill/>
           </a:ln>
         </p:spPr>
         <p:style>
@@ -2205,193 +2495,26 @@
           <a:effectRef idx="0"/>
           <a:fontRef idx="minor"/>
         </p:style>
-        <p:txBody>
-          <a:bodyPr lIns="90000" rIns="90000" tIns="45000" bIns="45000"/>
-          <a:p>
-            <a:pPr algn="ctr"/>
-            <a:r>
-              <a:rPr lang="en-US" sz="6000" strike="noStrike">
-                <a:latin typeface="Times New Roman"/>
-              </a:rPr>
-              <a:t>Shape Contexts</a:t>
-            </a:r>
-            <a:endParaRPr/>
-          </a:p>
-        </p:txBody>
-      </p:sp>
-      <p:sp>
-        <p:nvSpPr>
-          <p:cNvPr id="64" name="TextShape 15"/>
-          <p:cNvSpPr txBox="1"/>
-          <p:nvPr/>
-        </p:nvSpPr>
-        <p:spPr>
-          <a:xfrm>
-            <a:off x="981000" y="24187320"/>
-            <a:ext cx="34703640" cy="2987640"/>
-          </a:xfrm>
-          <a:prstGeom prst="rect">
-            <a:avLst/>
-          </a:prstGeom>
-          <a:noFill/>
-          <a:ln>
-            <a:noFill/>
-          </a:ln>
-        </p:spPr>
-        <p:txBody>
-          <a:bodyPr lIns="90000" rIns="90000" tIns="45000" bIns="45000"/>
-          <a:p>
-            <a:r>
-              <a:rPr lang="en-US" sz="3200">
-                <a:latin typeface="Times New Roman"/>
-              </a:rPr>
-              <a:t>A) Andriluka, Roth, and Schiele, </a:t>
-            </a:r>
-            <a:r>
-              <a:rPr lang="en-US" sz="3200">
-                <a:latin typeface="Times New Roman"/>
-              </a:rPr>
-              <a:t>“People-Tracking-by-Detection and People-Detection-by-Tracking”, </a:t>
-            </a:r>
-            <a:r>
-              <a:rPr lang="en-US" sz="3200">
-                <a:latin typeface="Times New Roman"/>
-              </a:rPr>
-              <a:t>https://www.d2.mpi-inf.mpg.de/andriluka_cvpr08</a:t>
-            </a:r>
-            <a:endParaRPr/>
-          </a:p>
-          <a:p>
-            <a:r>
-              <a:rPr lang="en-US" sz="3200">
-                <a:latin typeface="Times New Roman"/>
-              </a:rPr>
-              <a:t>B) Belongie, Malik, and Puzicha, “Shape Context: A new descriptor for shape matching and object recognition”, http://citeseerx.ist.psu.edu/viewdoc/download?doi=10.1.1.27.8567&amp;rep=rep1&amp;type=pdf</a:t>
-            </a:r>
-            <a:endParaRPr/>
-          </a:p>
-          <a:p>
-            <a:r>
-              <a:rPr lang="en-US" sz="3200">
-                <a:latin typeface="Times New Roman"/>
-              </a:rPr>
-              <a:t>C) https://en.wikipedia.org/wiki/Shape_context#/media/File:Shapecontext.jpg</a:t>
-            </a:r>
-            <a:endParaRPr/>
-          </a:p>
-          <a:p>
-            <a:r>
-              <a:rPr lang="en-US" sz="3200">
-                <a:latin typeface="Times New Roman"/>
-              </a:rPr>
-              <a:t>D) Leibe, Seemann, and Schiele, “Pedestrian Detection in Crowded Scenes”, http://luthuli.cs.uiuc.edu/~daf/courses/AppCV/Papers-2/leibe-crowdedscenes-cvpr05.pdf</a:t>
-            </a:r>
-            <a:endParaRPr/>
-          </a:p>
-          <a:p>
-            <a:r>
-              <a:rPr lang="en-US" sz="3200">
-                <a:latin typeface="Times New Roman"/>
-              </a:rPr>
-              <a:t>E) Felzenszwalb and Huttenlocher, “Pictorial Structurs for Object Recognition”, http://citeseerx.ist.psu.edu/viewdoc/download?doi=10.1.1.66.5153&amp;rep=rep1&amp;type=pdf</a:t>
-            </a:r>
-            <a:endParaRPr/>
-          </a:p>
-          <a:p>
-            <a:r>
-              <a:rPr lang="en-US" sz="3200">
-                <a:latin typeface="Times New Roman"/>
-              </a:rPr>
-              <a:t>F) Mikolajczyk and Schmid, “Scale &amp; Affine Invariant Interest Point Detectors”, http://www.robots.ox.ac.uk/~vgg/research/affine/det_eval_files/mikolajczyk_ijcv2004.pdf</a:t>
-            </a:r>
-            <a:endParaRPr/>
-          </a:p>
-        </p:txBody>
-      </p:sp>
-      <p:sp>
-        <p:nvSpPr>
-          <p:cNvPr id="65" name="TextShape 16"/>
-          <p:cNvSpPr txBox="1"/>
-          <p:nvPr/>
-        </p:nvSpPr>
-        <p:spPr>
-          <a:xfrm>
-            <a:off x="11612880" y="13533120"/>
-            <a:ext cx="1085760" cy="541800"/>
-          </a:xfrm>
-          <a:prstGeom prst="rect">
-            <a:avLst/>
-          </a:prstGeom>
-          <a:noFill/>
-          <a:ln>
-            <a:noFill/>
-          </a:ln>
-        </p:spPr>
-        <p:txBody>
-          <a:bodyPr lIns="90000" rIns="90000" tIns="45000" bIns="45000"/>
-          <a:p>
-            <a:r>
-              <a:rPr lang="en-US" sz="3200">
-                <a:latin typeface="Times New Roman"/>
-              </a:rPr>
-              <a:t>[C]</a:t>
-            </a:r>
-            <a:endParaRPr/>
-          </a:p>
-        </p:txBody>
-      </p:sp>
-      <p:sp>
-        <p:nvSpPr>
-          <p:cNvPr id="66" name="TextShape 17"/>
-          <p:cNvSpPr txBox="1"/>
-          <p:nvPr/>
-        </p:nvSpPr>
-        <p:spPr>
-          <a:xfrm>
-            <a:off x="1188720" y="13409280"/>
-            <a:ext cx="9144000" cy="3383280"/>
-          </a:xfrm>
-          <a:prstGeom prst="rect">
-            <a:avLst/>
-          </a:prstGeom>
-          <a:noFill/>
-          <a:ln>
-            <a:noFill/>
-          </a:ln>
-        </p:spPr>
-        <p:txBody>
-          <a:bodyPr lIns="90000" rIns="90000" tIns="45000" bIns="45000"/>
-          <a:p>
-            <a:r>
-              <a:rPr lang="en-US" sz="3200">
-                <a:latin typeface="Times New Roman"/>
-              </a:rPr>
-              <a:t>Shape Contexts [B] are a form of feature descriptor that relies on the relative positions of keypoints rather than on nearby brightness values.  This I done by taking a histogram of the log-radial coordinates of all other points relative the current point.</a:t>
-            </a:r>
-            <a:endParaRPr/>
-          </a:p>
-          <a:p>
-            <a:endParaRPr/>
-          </a:p>
-        </p:txBody>
-      </p:sp>
-      <p:sp>
-        <p:nvSpPr>
-          <p:cNvPr id="67" name="CustomShape 18"/>
+      </p:sp>
+      <p:sp>
+        <p:nvSpPr>
+          <p:cNvPr id="60" name="Line 11"/>
           <p:cNvSpPr/>
           <p:nvPr/>
         </p:nvSpPr>
         <p:spPr>
-          <a:xfrm>
-            <a:off x="731520" y="23317920"/>
-            <a:ext cx="34953120" cy="934200"/>
-          </a:xfrm>
-          <a:prstGeom prst="rect">
-            <a:avLst/>
-          </a:prstGeom>
-          <a:noFill/>
-          <a:ln>
-            <a:noFill/>
+          <a:xfrm flipH="1" flipV="1">
+            <a:off x="1990080" y="16893000"/>
+            <a:ext cx="2005920" cy="1168920"/>
+          </a:xfrm>
+          <a:prstGeom prst="line">
+            <a:avLst/>
+          </a:prstGeom>
+          <a:ln w="91440">
+            <a:solidFill>
+              <a:srgbClr val="ff3333"/>
+            </a:solidFill>
+            <a:round/>
           </a:ln>
         </p:spPr>
         <p:style>
@@ -2400,13 +2523,362 @@
           <a:effectRef idx="0"/>
           <a:fontRef idx="minor"/>
         </p:style>
+      </p:sp>
+      <p:sp>
+        <p:nvSpPr>
+          <p:cNvPr id="61" name="Line 12"/>
+          <p:cNvSpPr/>
+          <p:nvPr/>
+        </p:nvSpPr>
+        <p:spPr>
+          <a:xfrm flipV="1">
+            <a:off x="10237320" y="17019000"/>
+            <a:ext cx="1014120" cy="1203480"/>
+          </a:xfrm>
+          <a:prstGeom prst="line">
+            <a:avLst/>
+          </a:prstGeom>
+          <a:ln w="91440">
+            <a:solidFill>
+              <a:srgbClr val="ff3333"/>
+            </a:solidFill>
+            <a:round/>
+          </a:ln>
+        </p:spPr>
+        <p:style>
+          <a:lnRef idx="0"/>
+          <a:fillRef idx="0"/>
+          <a:effectRef idx="0"/>
+          <a:fontRef idx="minor"/>
+        </p:style>
+      </p:sp>
+      <p:sp>
+        <p:nvSpPr>
+          <p:cNvPr id="62" name="Line 13"/>
+          <p:cNvSpPr/>
+          <p:nvPr/>
+        </p:nvSpPr>
+        <p:spPr>
+          <a:xfrm flipH="1">
+            <a:off x="10109880" y="15241320"/>
+            <a:ext cx="1479600" cy="1485000"/>
+          </a:xfrm>
+          <a:prstGeom prst="line">
+            <a:avLst/>
+          </a:prstGeom>
+          <a:ln w="91440">
+            <a:solidFill>
+              <a:srgbClr val="0000ff"/>
+            </a:solidFill>
+            <a:round/>
+          </a:ln>
+        </p:spPr>
+        <p:style>
+          <a:lnRef idx="0"/>
+          <a:fillRef idx="0"/>
+          <a:effectRef idx="0"/>
+          <a:fontRef idx="minor"/>
+        </p:style>
+      </p:sp>
+      <p:sp>
+        <p:nvSpPr>
+          <p:cNvPr id="63" name="CustomShape 14"/>
+          <p:cNvSpPr/>
+          <p:nvPr/>
+        </p:nvSpPr>
+        <p:spPr>
+          <a:xfrm>
+            <a:off x="1005840" y="12161520"/>
+            <a:ext cx="11795400" cy="933840"/>
+          </a:xfrm>
+          <a:prstGeom prst="rect">
+            <a:avLst/>
+          </a:prstGeom>
+          <a:noFill/>
+          <a:ln>
+            <a:noFill/>
+          </a:ln>
+        </p:spPr>
+        <p:style>
+          <a:lnRef idx="0"/>
+          <a:fillRef idx="0"/>
+          <a:effectRef idx="0"/>
+          <a:fontRef idx="minor"/>
+        </p:style>
         <p:txBody>
           <a:bodyPr lIns="90000" rIns="90000" tIns="45000" bIns="45000"/>
           <a:p>
-            <a:pPr algn="ctr"/>
-            <a:r>
-              <a:rPr lang="en-US" sz="6000" strike="noStrike">
-                <a:latin typeface="Times New Roman"/>
+            <a:pPr algn="ctr">
+              <a:lnSpc>
+                <a:spcPct val="100000"/>
+              </a:lnSpc>
+            </a:pPr>
+            <a:r>
+              <a:rPr lang="en-US" sz="6000" spc="-1" strike="noStrike">
+                <a:solidFill>
+                  <a:srgbClr val="000000"/>
+                </a:solidFill>
+                <a:uFill>
+                  <a:solidFill>
+                    <a:srgbClr val="ffffff"/>
+                  </a:solidFill>
+                </a:uFill>
+                <a:latin typeface="Times New Roman"/>
+                <a:ea typeface="DejaVu Sans"/>
+              </a:rPr>
+              <a:t>Shape Contexts</a:t>
+            </a:r>
+            <a:endParaRPr/>
+          </a:p>
+        </p:txBody>
+      </p:sp>
+      <p:sp>
+        <p:nvSpPr>
+          <p:cNvPr id="64" name="CustomShape 15"/>
+          <p:cNvSpPr/>
+          <p:nvPr/>
+        </p:nvSpPr>
+        <p:spPr>
+          <a:xfrm>
+            <a:off x="981000" y="24187320"/>
+            <a:ext cx="34703280" cy="2987280"/>
+          </a:xfrm>
+          <a:prstGeom prst="rect">
+            <a:avLst/>
+          </a:prstGeom>
+          <a:noFill/>
+          <a:ln>
+            <a:noFill/>
+          </a:ln>
+        </p:spPr>
+        <p:style>
+          <a:lnRef idx="0"/>
+          <a:fillRef idx="0"/>
+          <a:effectRef idx="0"/>
+          <a:fontRef idx="minor"/>
+        </p:style>
+        <p:txBody>
+          <a:bodyPr lIns="90000" rIns="90000" tIns="45000" bIns="45000"/>
+          <a:p>
+            <a:r>
+              <a:rPr lang="en-US" sz="3200" spc="-1" strike="noStrike">
+                <a:uFill>
+                  <a:solidFill>
+                    <a:srgbClr val="ffffff"/>
+                  </a:solidFill>
+                </a:uFill>
+                <a:latin typeface="Times New Roman"/>
+              </a:rPr>
+              <a:t>A) Andriluka, Roth, and Schiele, “People-Tracking-by-Detection and People-Detection-by-Tracking”, https://www.d2.mpi-inf.mpg.de/andriluka_cvpr08</a:t>
+            </a:r>
+            <a:endParaRPr/>
+          </a:p>
+          <a:p>
+            <a:r>
+              <a:rPr lang="en-US" sz="3200" spc="-1" strike="noStrike">
+                <a:uFill>
+                  <a:solidFill>
+                    <a:srgbClr val="ffffff"/>
+                  </a:solidFill>
+                </a:uFill>
+                <a:latin typeface="Times New Roman"/>
+              </a:rPr>
+              <a:t>B) Belongie, Malik, and Puzicha, “Shape Context: A new descriptor for shape matching and object recognition”, http://citeseerx.ist.psu.edu/viewdoc/download?doi=10.1.1.27.8567&amp;rep=rep1&amp;type=pdf</a:t>
+            </a:r>
+            <a:endParaRPr/>
+          </a:p>
+          <a:p>
+            <a:r>
+              <a:rPr lang="en-US" sz="3200" spc="-1" strike="noStrike">
+                <a:uFill>
+                  <a:solidFill>
+                    <a:srgbClr val="ffffff"/>
+                  </a:solidFill>
+                </a:uFill>
+                <a:latin typeface="Times New Roman"/>
+              </a:rPr>
+              <a:t>C) https://en.wikipedia.org/wiki/Shape_context#/media/File:Shapecontext.jpg</a:t>
+            </a:r>
+            <a:endParaRPr/>
+          </a:p>
+          <a:p>
+            <a:r>
+              <a:rPr lang="en-US" sz="3200" spc="-1" strike="noStrike">
+                <a:uFill>
+                  <a:solidFill>
+                    <a:srgbClr val="ffffff"/>
+                  </a:solidFill>
+                </a:uFill>
+                <a:latin typeface="Times New Roman"/>
+              </a:rPr>
+              <a:t>D) Leibe, Seemann, and Schiele, “Pedestrian Detection in Crowded Scenes”, http://luthuli.cs.uiuc.edu/~daf/courses/AppCV/Papers-2/leibe-crowdedscenes-cvpr05.pdf</a:t>
+            </a:r>
+            <a:endParaRPr/>
+          </a:p>
+          <a:p>
+            <a:r>
+              <a:rPr lang="en-US" sz="3200" spc="-1" strike="noStrike">
+                <a:uFill>
+                  <a:solidFill>
+                    <a:srgbClr val="ffffff"/>
+                  </a:solidFill>
+                </a:uFill>
+                <a:latin typeface="Times New Roman"/>
+              </a:rPr>
+              <a:t>E) Felzenszwalb and Huttenlocher, “Pictorial Structurs for Object Recognition”, http://citeseerx.ist.psu.edu/viewdoc/download?doi=10.1.1.66.5153&amp;rep=rep1&amp;type=pdf</a:t>
+            </a:r>
+            <a:endParaRPr/>
+          </a:p>
+          <a:p>
+            <a:r>
+              <a:rPr lang="en-US" sz="3200" spc="-1" strike="noStrike">
+                <a:uFill>
+                  <a:solidFill>
+                    <a:srgbClr val="ffffff"/>
+                  </a:solidFill>
+                </a:uFill>
+                <a:latin typeface="Times New Roman"/>
+              </a:rPr>
+              <a:t>F) Mikolajczyk and Schmid, “Scale &amp; Affine Invariant Interest Point Detectors”, http://www.robots.ox.ac.uk/~vgg/research/affine/det_eval_files/mikolajczyk_ijcv2004.pdf</a:t>
+            </a:r>
+            <a:endParaRPr/>
+          </a:p>
+        </p:txBody>
+      </p:sp>
+      <p:sp>
+        <p:nvSpPr>
+          <p:cNvPr id="65" name="CustomShape 16"/>
+          <p:cNvSpPr/>
+          <p:nvPr/>
+        </p:nvSpPr>
+        <p:spPr>
+          <a:xfrm>
+            <a:off x="11612880" y="13533120"/>
+            <a:ext cx="1085400" cy="541440"/>
+          </a:xfrm>
+          <a:prstGeom prst="rect">
+            <a:avLst/>
+          </a:prstGeom>
+          <a:noFill/>
+          <a:ln>
+            <a:noFill/>
+          </a:ln>
+        </p:spPr>
+        <p:style>
+          <a:lnRef idx="0"/>
+          <a:fillRef idx="0"/>
+          <a:effectRef idx="0"/>
+          <a:fontRef idx="minor"/>
+        </p:style>
+        <p:txBody>
+          <a:bodyPr lIns="90000" rIns="90000" tIns="45000" bIns="45000"/>
+          <a:p>
+            <a:r>
+              <a:rPr lang="en-US" sz="3200" spc="-1" strike="noStrike">
+                <a:uFill>
+                  <a:solidFill>
+                    <a:srgbClr val="ffffff"/>
+                  </a:solidFill>
+                </a:uFill>
+                <a:latin typeface="Times New Roman"/>
+              </a:rPr>
+              <a:t>[C]</a:t>
+            </a:r>
+            <a:endParaRPr/>
+          </a:p>
+        </p:txBody>
+      </p:sp>
+      <p:sp>
+        <p:nvSpPr>
+          <p:cNvPr id="66" name="CustomShape 17"/>
+          <p:cNvSpPr/>
+          <p:nvPr/>
+        </p:nvSpPr>
+        <p:spPr>
+          <a:xfrm>
+            <a:off x="1188720" y="13409280"/>
+            <a:ext cx="9143640" cy="3382920"/>
+          </a:xfrm>
+          <a:prstGeom prst="rect">
+            <a:avLst/>
+          </a:prstGeom>
+          <a:noFill/>
+          <a:ln>
+            <a:noFill/>
+          </a:ln>
+        </p:spPr>
+        <p:style>
+          <a:lnRef idx="0"/>
+          <a:fillRef idx="0"/>
+          <a:effectRef idx="0"/>
+          <a:fontRef idx="minor"/>
+        </p:style>
+        <p:txBody>
+          <a:bodyPr lIns="90000" rIns="90000" tIns="45000" bIns="45000"/>
+          <a:p>
+            <a:r>
+              <a:rPr lang="en-US" sz="3200" spc="-1" strike="noStrike">
+                <a:uFill>
+                  <a:solidFill>
+                    <a:srgbClr val="ffffff"/>
+                  </a:solidFill>
+                </a:uFill>
+                <a:latin typeface="Times New Roman"/>
+              </a:rPr>
+              <a:t>Shape Contexts [B] are a form of feature descriptor that relies on the relative positions of keypoints rather than on nearby brightness values.  This I done by taking a histogram of the log-radial coordinates of all other points relative the current point.</a:t>
+            </a:r>
+            <a:endParaRPr/>
+          </a:p>
+          <a:p>
+            <a:endParaRPr/>
+          </a:p>
+        </p:txBody>
+      </p:sp>
+      <p:sp>
+        <p:nvSpPr>
+          <p:cNvPr id="67" name="CustomShape 18"/>
+          <p:cNvSpPr/>
+          <p:nvPr/>
+        </p:nvSpPr>
+        <p:spPr>
+          <a:xfrm>
+            <a:off x="731520" y="23317920"/>
+            <a:ext cx="34952760" cy="933840"/>
+          </a:xfrm>
+          <a:prstGeom prst="rect">
+            <a:avLst/>
+          </a:prstGeom>
+          <a:noFill/>
+          <a:ln>
+            <a:noFill/>
+          </a:ln>
+        </p:spPr>
+        <p:style>
+          <a:lnRef idx="0"/>
+          <a:fillRef idx="0"/>
+          <a:effectRef idx="0"/>
+          <a:fontRef idx="minor"/>
+        </p:style>
+        <p:txBody>
+          <a:bodyPr lIns="90000" rIns="90000" tIns="45000" bIns="45000"/>
+          <a:p>
+            <a:pPr algn="ctr">
+              <a:lnSpc>
+                <a:spcPct val="100000"/>
+              </a:lnSpc>
+            </a:pPr>
+            <a:r>
+              <a:rPr lang="en-US" sz="6000" spc="-1" strike="noStrike">
+                <a:solidFill>
+                  <a:srgbClr val="000000"/>
+                </a:solidFill>
+                <a:uFill>
+                  <a:solidFill>
+                    <a:srgbClr val="ffffff"/>
+                  </a:solidFill>
+                </a:uFill>
+                <a:latin typeface="Times New Roman"/>
+                <a:ea typeface="DejaVu Sans"/>
               </a:rPr>
               <a:t>References</a:t>
             </a:r>
@@ -2416,14 +2888,14 @@
       </p:sp>
       <p:sp>
         <p:nvSpPr>
-          <p:cNvPr id="68" name="TextShape 19"/>
-          <p:cNvSpPr txBox="1"/>
+          <p:cNvPr id="68" name="CustomShape 19"/>
+          <p:cNvSpPr/>
           <p:nvPr/>
         </p:nvSpPr>
         <p:spPr>
           <a:xfrm>
             <a:off x="1249200" y="18858600"/>
-            <a:ext cx="9266400" cy="2799000"/>
+            <a:ext cx="9266040" cy="2798640"/>
           </a:xfrm>
           <a:prstGeom prst="rect">
             <a:avLst/>
@@ -2433,11 +2905,22 @@
             <a:noFill/>
           </a:ln>
         </p:spPr>
+        <p:style>
+          <a:lnRef idx="0"/>
+          <a:fillRef idx="0"/>
+          <a:effectRef idx="0"/>
+          <a:fontRef idx="minor"/>
+        </p:style>
         <p:txBody>
           <a:bodyPr lIns="90000" rIns="90000" tIns="45000" bIns="45000"/>
           <a:p>
             <a:r>
-              <a:rPr lang="en-US" sz="3200">
+              <a:rPr lang="en-US" sz="3200" spc="-1" strike="noStrike">
+                <a:uFill>
+                  <a:solidFill>
+                    <a:srgbClr val="ffffff"/>
+                  </a:solidFill>
+                </a:uFill>
                 <a:latin typeface="Times New Roman"/>
               </a:rPr>
               <a:t>Shape Contexts are generally robust to noise, outliers, and deformations [B].  We repeated some tests from [B], with success, and added our own sanity checks as well.  Shown above are some points and their corresponding descriptors; shown right is a similarity matrix between points in the “disc” image.</a:t>
@@ -2455,7 +2938,7 @@
         <p:spPr>
           <a:xfrm>
             <a:off x="1005840" y="12161520"/>
-            <a:ext cx="11795760" cy="9519120"/>
+            <a:ext cx="11795400" cy="9784080"/>
           </a:xfrm>
           <a:prstGeom prst="rect">
             <a:avLst/>
@@ -2484,7 +2967,7 @@
         <p:spPr>
           <a:xfrm>
             <a:off x="27249120" y="4683240"/>
-            <a:ext cx="8686800" cy="11704320"/>
+            <a:ext cx="8686440" cy="11703960"/>
           </a:xfrm>
           <a:prstGeom prst="rect">
             <a:avLst/>
@@ -2513,7 +2996,7 @@
         <p:spPr>
           <a:xfrm>
             <a:off x="731520" y="23334480"/>
-            <a:ext cx="34953120" cy="3840480"/>
+            <a:ext cx="34952760" cy="3840120"/>
           </a:xfrm>
           <a:prstGeom prst="rect">
             <a:avLst/>
@@ -2535,67 +3018,14 @@
       </p:sp>
       <p:sp>
         <p:nvSpPr>
-          <p:cNvPr id="72" name="TextShape 23"/>
-          <p:cNvSpPr txBox="1"/>
+          <p:cNvPr id="72" name="CustomShape 23"/>
+          <p:cNvSpPr/>
           <p:nvPr/>
         </p:nvSpPr>
         <p:spPr>
           <a:xfrm>
             <a:off x="1005840" y="4545000"/>
-            <a:ext cx="11704320" cy="5056200"/>
-          </a:xfrm>
-          <a:prstGeom prst="rect">
-            <a:avLst/>
-          </a:prstGeom>
-          <a:noFill/>
-          <a:ln>
-            <a:noFill/>
-          </a:ln>
-        </p:spPr>
-        <p:txBody>
-          <a:bodyPr lIns="90000" rIns="90000" tIns="45000" bIns="45000"/>
-          <a:p>
-            <a:r>
-              <a:rPr lang="en-US" sz="3200">
-                <a:latin typeface="Times New Roman"/>
-              </a:rPr>
-              <a:t>	</a:t>
-            </a:r>
-            <a:r>
-              <a:rPr lang="en-US" sz="3200">
-                <a:latin typeface="Times New Roman"/>
-              </a:rPr>
-              <a:t>We first attempted to implement “People-Tracking-by-Detection and People-Detection-by-Tracking” [A], but quickly found  that to be too ambitions for our time constraints.  Instead, we opted to implement the first half of their paper, which deals entirely with detection.</a:t>
-            </a:r>
-            <a:endParaRPr/>
-          </a:p>
-          <a:p>
-            <a:r>
-              <a:rPr lang="en-US" sz="3200">
-                <a:latin typeface="Times New Roman"/>
-              </a:rPr>
-              <a:t>	</a:t>
-            </a:r>
-            <a:r>
-              <a:rPr lang="en-US" sz="3200">
-                <a:latin typeface="Times New Roman"/>
-              </a:rPr>
-              <a:t>While we were able to implement the paper in its basic state, we ran into many problems early on in the pipeline, especially with keypoint detection and feature descriptors, which ultimately resulted in poor results.  In addition to discussing the theory of the paper and our implementation of it, we also discuss the reasons for our failures, as well as plans to improve our results.</a:t>
-            </a:r>
-            <a:endParaRPr/>
-          </a:p>
-        </p:txBody>
-      </p:sp>
-      <p:sp>
-        <p:nvSpPr>
-          <p:cNvPr id="73" name="CustomShape 24"/>
-          <p:cNvSpPr/>
-          <p:nvPr/>
-        </p:nvSpPr>
-        <p:spPr>
-          <a:xfrm>
-            <a:off x="4572000" y="3423240"/>
-            <a:ext cx="3566160" cy="934200"/>
+            <a:ext cx="11703960" cy="5055840"/>
           </a:xfrm>
           <a:prstGeom prst="rect">
             <a:avLst/>
@@ -2614,10 +3044,102 @@
         <p:txBody>
           <a:bodyPr lIns="90000" rIns="90000" tIns="45000" bIns="45000"/>
           <a:p>
-            <a:pPr algn="ctr"/>
-            <a:r>
-              <a:rPr lang="en-US" sz="6000" strike="noStrike">
-                <a:latin typeface="Times New Roman"/>
+            <a:r>
+              <a:rPr lang="en-US" sz="3200" spc="-1" strike="noStrike">
+                <a:uFill>
+                  <a:solidFill>
+                    <a:srgbClr val="ffffff"/>
+                  </a:solidFill>
+                </a:uFill>
+                <a:latin typeface="Times New Roman"/>
+              </a:rPr>
+              <a:t>	</a:t>
+            </a:r>
+            <a:r>
+              <a:rPr lang="en-US" sz="3200" spc="-1" strike="noStrike">
+                <a:uFill>
+                  <a:solidFill>
+                    <a:srgbClr val="ffffff"/>
+                  </a:solidFill>
+                </a:uFill>
+                <a:latin typeface="Times New Roman"/>
+              </a:rPr>
+              <a:t>We first attempted to implement “People-Tracking-by-Detection and People-Detection-by-Tracking” [A], but quickly found  that to be too ambitions for our time constraints.  Instead, we opted to implement the first half of their paper, which deals entirely with detection.</a:t>
+            </a:r>
+            <a:endParaRPr/>
+          </a:p>
+          <a:p>
+            <a:r>
+              <a:rPr lang="en-US" sz="3200" spc="-1" strike="noStrike">
+                <a:uFill>
+                  <a:solidFill>
+                    <a:srgbClr val="ffffff"/>
+                  </a:solidFill>
+                </a:uFill>
+                <a:latin typeface="Times New Roman"/>
+              </a:rPr>
+              <a:t>	</a:t>
+            </a:r>
+            <a:r>
+              <a:rPr lang="en-US" sz="3200" spc="-1" strike="noStrike">
+                <a:uFill>
+                  <a:solidFill>
+                    <a:srgbClr val="ffffff"/>
+                  </a:solidFill>
+                </a:uFill>
+                <a:latin typeface="Times New Roman"/>
+              </a:rPr>
+              <a:t>While we were able to implement the paper in its basic state, we ran into many problems early on in the pipeline, especially with keypoint detection and feature descriptors, which ultimately resulted in poor results.  In addition to discussing the theory of the paper and our implementation of it, we also discuss the reasons for our failures, as well as plans to improve our results.</a:t>
+            </a:r>
+            <a:endParaRPr/>
+          </a:p>
+        </p:txBody>
+      </p:sp>
+      <p:sp>
+        <p:nvSpPr>
+          <p:cNvPr id="73" name="CustomShape 24"/>
+          <p:cNvSpPr/>
+          <p:nvPr/>
+        </p:nvSpPr>
+        <p:spPr>
+          <a:xfrm>
+            <a:off x="4572000" y="3423240"/>
+            <a:ext cx="3565800" cy="933840"/>
+          </a:xfrm>
+          <a:prstGeom prst="rect">
+            <a:avLst/>
+          </a:prstGeom>
+          <a:noFill/>
+          <a:ln>
+            <a:noFill/>
+          </a:ln>
+        </p:spPr>
+        <p:style>
+          <a:lnRef idx="0"/>
+          <a:fillRef idx="0"/>
+          <a:effectRef idx="0"/>
+          <a:fontRef idx="minor"/>
+        </p:style>
+        <p:txBody>
+          <a:bodyPr lIns="90000" rIns="90000" tIns="45000" bIns="45000"/>
+          <a:p>
+            <a:pPr algn="ctr">
+              <a:lnSpc>
+                <a:spcPct val="100000"/>
+              </a:lnSpc>
+            </a:pPr>
+            <a:r>
+              <a:rPr lang="en-US" sz="6000" spc="-1" strike="noStrike">
+                <a:solidFill>
+                  <a:srgbClr val="000000"/>
+                </a:solidFill>
+                <a:uFill>
+                  <a:solidFill>
+                    <a:srgbClr val="ffffff"/>
+                  </a:solidFill>
+                </a:uFill>
+                <a:latin typeface="Times New Roman"/>
+                <a:ea typeface="DejaVu Sans"/>
               </a:rPr>
               <a:t>Overview</a:t>
             </a:r>
@@ -2638,7 +3160,7 @@
         <p:spPr>
           <a:xfrm>
             <a:off x="13441680" y="4382280"/>
-            <a:ext cx="5244840" cy="3044160"/>
+            <a:ext cx="5244480" cy="3043800"/>
           </a:xfrm>
           <a:prstGeom prst="rect">
             <a:avLst/>
@@ -2650,14 +3172,14 @@
       </p:pic>
       <p:sp>
         <p:nvSpPr>
-          <p:cNvPr id="75" name="TextShape 25"/>
-          <p:cNvSpPr txBox="1"/>
+          <p:cNvPr id="75" name="CustomShape 25"/>
+          <p:cNvSpPr/>
           <p:nvPr/>
         </p:nvSpPr>
         <p:spPr>
           <a:xfrm>
             <a:off x="18044280" y="6694920"/>
-            <a:ext cx="902880" cy="803880"/>
+            <a:ext cx="902520" cy="803520"/>
           </a:xfrm>
           <a:prstGeom prst="rect">
             <a:avLst/>
@@ -2667,11 +3189,22 @@
             <a:noFill/>
           </a:ln>
         </p:spPr>
+        <p:style>
+          <a:lnRef idx="0"/>
+          <a:fillRef idx="0"/>
+          <a:effectRef idx="0"/>
+          <a:fontRef idx="minor"/>
+        </p:style>
         <p:txBody>
           <a:bodyPr lIns="90000" rIns="90000" tIns="45000" bIns="45000"/>
           <a:p>
             <a:r>
-              <a:rPr lang="en-US" sz="3200">
+              <a:rPr lang="en-US" sz="3200" spc="-1" strike="noStrike">
+                <a:uFill>
+                  <a:solidFill>
+                    <a:srgbClr val="ffffff"/>
+                  </a:solidFill>
+                </a:uFill>
                 <a:latin typeface="Times New Roman"/>
               </a:rPr>
               <a:t>[A]</a:t>
@@ -2692,8 +3225,8 @@
         </p:blipFill>
         <p:spPr>
           <a:xfrm>
-            <a:off x="13350240" y="9339480"/>
-            <a:ext cx="1961280" cy="3200400"/>
+            <a:off x="13350240" y="9986760"/>
+            <a:ext cx="1960920" cy="3200040"/>
           </a:xfrm>
           <a:prstGeom prst="rect">
             <a:avLst/>
@@ -2715,8 +3248,8 @@
         </p:blipFill>
         <p:spPr>
           <a:xfrm>
-            <a:off x="17739360" y="14752080"/>
-            <a:ext cx="2360160" cy="3627360"/>
+            <a:off x="17556480" y="12034080"/>
+            <a:ext cx="2359800" cy="3627000"/>
           </a:xfrm>
           <a:prstGeom prst="rect">
             <a:avLst/>
@@ -2738,8 +3271,8 @@
         </p:blipFill>
         <p:spPr>
           <a:xfrm>
-            <a:off x="20545920" y="14710680"/>
-            <a:ext cx="2222640" cy="3599640"/>
+            <a:off x="21031200" y="12034080"/>
+            <a:ext cx="2222280" cy="3599280"/>
           </a:xfrm>
           <a:prstGeom prst="rect">
             <a:avLst/>
@@ -2762,7 +3295,7 @@
         <p:spPr>
           <a:xfrm>
             <a:off x="32787720" y="5226120"/>
-            <a:ext cx="2504880" cy="3840480"/>
+            <a:ext cx="2504520" cy="3840120"/>
           </a:xfrm>
           <a:prstGeom prst="rect">
             <a:avLst/>
@@ -2794,6 +3327,12 @@
             <a:tailEnd len="med" type="triangle" w="med"/>
           </a:ln>
         </p:spPr>
+        <p:style>
+          <a:lnRef idx="0"/>
+          <a:fillRef idx="0"/>
+          <a:effectRef idx="0"/>
+          <a:fontRef idx="minor"/>
+        </p:style>
       </p:sp>
       <p:sp>
         <p:nvSpPr>
@@ -2817,6 +3356,12 @@
             <a:tailEnd len="med" type="triangle" w="med"/>
           </a:ln>
         </p:spPr>
+        <p:style>
+          <a:lnRef idx="0"/>
+          <a:fillRef idx="0"/>
+          <a:effectRef idx="0"/>
+          <a:fontRef idx="minor"/>
+        </p:style>
       </p:sp>
       <p:sp>
         <p:nvSpPr>
@@ -2840,6 +3385,12 @@
             <a:tailEnd len="med" type="triangle" w="med"/>
           </a:ln>
         </p:spPr>
+        <p:style>
+          <a:lnRef idx="0"/>
+          <a:fillRef idx="0"/>
+          <a:effectRef idx="0"/>
+          <a:fontRef idx="minor"/>
+        </p:style>
       </p:sp>
       <p:sp>
         <p:nvSpPr>
@@ -2850,7 +3401,7 @@
         <p:spPr>
           <a:xfrm>
             <a:off x="822960" y="3474720"/>
-            <a:ext cx="11887200" cy="6126480"/>
+            <a:ext cx="11886840" cy="6583680"/>
           </a:xfrm>
           <a:prstGeom prst="rect">
             <a:avLst/>
@@ -2878,8 +3429,8 @@
         </p:nvSpPr>
         <p:spPr>
           <a:xfrm>
-            <a:off x="16225920" y="8222400"/>
-            <a:ext cx="3566160" cy="934200"/>
+            <a:off x="16225920" y="8869680"/>
+            <a:ext cx="3565800" cy="933840"/>
           </a:xfrm>
           <a:prstGeom prst="rect">
             <a:avLst/>
@@ -2898,10 +3449,23 @@
         <p:txBody>
           <a:bodyPr lIns="90000" rIns="90000" tIns="45000" bIns="45000"/>
           <a:p>
-            <a:pPr algn="ctr"/>
-            <a:r>
-              <a:rPr lang="en-US" sz="6000" strike="noStrike">
-                <a:latin typeface="Times New Roman"/>
+            <a:pPr algn="ctr">
+              <a:lnSpc>
+                <a:spcPct val="100000"/>
+              </a:lnSpc>
+            </a:pPr>
+            <a:r>
+              <a:rPr lang="en-US" sz="6000" spc="-1" strike="noStrike">
+                <a:solidFill>
+                  <a:srgbClr val="000000"/>
+                </a:solidFill>
+                <a:uFill>
+                  <a:solidFill>
+                    <a:srgbClr val="ffffff"/>
+                  </a:solidFill>
+                </a:uFill>
+                <a:latin typeface="Times New Roman"/>
+                <a:ea typeface="DejaVu Sans"/>
               </a:rPr>
               <a:t>Training</a:t>
             </a:r>
@@ -2918,7 +3482,7 @@
         <p:spPr>
           <a:xfrm>
             <a:off x="26974800" y="3569040"/>
-            <a:ext cx="8869680" cy="934200"/>
+            <a:ext cx="8869320" cy="933840"/>
           </a:xfrm>
           <a:prstGeom prst="rect">
             <a:avLst/>
@@ -2937,10 +3501,23 @@
         <p:txBody>
           <a:bodyPr lIns="90000" rIns="90000" tIns="45000" bIns="45000"/>
           <a:p>
-            <a:pPr algn="ctr"/>
-            <a:r>
-              <a:rPr lang="en-US" sz="6000" strike="noStrike">
-                <a:latin typeface="Times New Roman"/>
+            <a:pPr algn="ctr">
+              <a:lnSpc>
+                <a:spcPct val="100000"/>
+              </a:lnSpc>
+            </a:pPr>
+            <a:r>
+              <a:rPr lang="en-US" sz="6000" spc="-1" strike="noStrike">
+                <a:solidFill>
+                  <a:srgbClr val="000000"/>
+                </a:solidFill>
+                <a:uFill>
+                  <a:solidFill>
+                    <a:srgbClr val="ffffff"/>
+                  </a:solidFill>
+                </a:uFill>
+                <a:latin typeface="Times New Roman"/>
+                <a:ea typeface="DejaVu Sans"/>
               </a:rPr>
               <a:t>Detection</a:t>
             </a:r>
@@ -2957,7 +3534,7 @@
         <p:spPr>
           <a:xfrm>
             <a:off x="16215480" y="3566160"/>
-            <a:ext cx="6217920" cy="934200"/>
+            <a:ext cx="6217560" cy="933840"/>
           </a:xfrm>
           <a:prstGeom prst="rect">
             <a:avLst/>
@@ -2976,10 +3553,23 @@
         <p:txBody>
           <a:bodyPr lIns="90000" rIns="90000" tIns="45000" bIns="45000"/>
           <a:p>
-            <a:pPr algn="ctr"/>
-            <a:r>
-              <a:rPr lang="en-US" sz="6000" strike="noStrike">
-                <a:latin typeface="Times New Roman"/>
+            <a:pPr algn="ctr">
+              <a:lnSpc>
+                <a:spcPct val="100000"/>
+              </a:lnSpc>
+            </a:pPr>
+            <a:r>
+              <a:rPr lang="en-US" sz="6000" spc="-1" strike="noStrike">
+                <a:solidFill>
+                  <a:srgbClr val="000000"/>
+                </a:solidFill>
+                <a:uFill>
+                  <a:solidFill>
+                    <a:srgbClr val="ffffff"/>
+                  </a:solidFill>
+                </a:uFill>
+                <a:latin typeface="Times New Roman"/>
+                <a:ea typeface="DejaVu Sans"/>
               </a:rPr>
               <a:t>Part-Based Model</a:t>
             </a:r>
@@ -2989,126 +3579,14 @@
       </p:sp>
       <p:sp>
         <p:nvSpPr>
-          <p:cNvPr id="87" name="TextShape 33"/>
-          <p:cNvSpPr txBox="1"/>
+          <p:cNvPr id="87" name="CustomShape 33"/>
+          <p:cNvSpPr/>
           <p:nvPr/>
         </p:nvSpPr>
         <p:spPr>
           <a:xfrm>
             <a:off x="1005840" y="4545000"/>
-            <a:ext cx="11704320" cy="5056200"/>
-          </a:xfrm>
-          <a:prstGeom prst="rect">
-            <a:avLst/>
-          </a:prstGeom>
-          <a:noFill/>
-          <a:ln>
-            <a:noFill/>
-          </a:ln>
-        </p:spPr>
-        <p:txBody>
-          <a:bodyPr lIns="90000" rIns="90000" tIns="45000" bIns="45000"/>
-          <a:p>
-            <a:r>
-              <a:rPr lang="en-US" sz="3200">
-                <a:latin typeface="Times New Roman"/>
-              </a:rPr>
-              <a:t>	</a:t>
-            </a:r>
-            <a:r>
-              <a:rPr lang="en-US" sz="3200">
-                <a:latin typeface="Times New Roman"/>
-              </a:rPr>
-              <a:t>We first attempted to implement “People-Tracking-by-Detection and People-Detection-by-Tracking” [A], but quickly found  that to be too ambitions for our time constraints.  Instead, we opted to implement the first half of their paper, which deals entirely with detection.</a:t>
-            </a:r>
-            <a:endParaRPr/>
-          </a:p>
-          <a:p>
-            <a:r>
-              <a:rPr lang="en-US" sz="3200">
-                <a:latin typeface="Times New Roman"/>
-              </a:rPr>
-              <a:t>	</a:t>
-            </a:r>
-            <a:r>
-              <a:rPr lang="en-US" sz="3200">
-                <a:latin typeface="Times New Roman"/>
-              </a:rPr>
-              <a:t>While we were able to implement the paper in its basic state, we ran into many problems early on in the pipeline, especially with keypoint detection and feature descriptors, which ultimately resulted in poor results.  In addition to discussing the theory of the paper and our implementation of it, we also discuss the reasons for our failures, as well as plans to improve our results.</a:t>
-            </a:r>
-            <a:endParaRPr/>
-          </a:p>
-        </p:txBody>
-      </p:sp>
-      <p:sp>
-        <p:nvSpPr>
-          <p:cNvPr id="88" name="TextShape 34"/>
-          <p:cNvSpPr txBox="1"/>
-          <p:nvPr/>
-        </p:nvSpPr>
-        <p:spPr>
-          <a:xfrm>
-            <a:off x="7040880" y="21854160"/>
-            <a:ext cx="11704320" cy="2799000"/>
-          </a:xfrm>
-          <a:prstGeom prst="rect">
-            <a:avLst/>
-          </a:prstGeom>
-          <a:noFill/>
-          <a:ln>
-            <a:noFill/>
-          </a:ln>
-        </p:spPr>
-        <p:txBody>
-          <a:bodyPr lIns="90000" rIns="90000" tIns="45000" bIns="45000"/>
-          <a:p>
-            <a:r>
-              <a:rPr lang="en-US" sz="3200">
-                <a:latin typeface="Times New Roman"/>
-              </a:rPr>
-              <a:t>REFERENCES NOT YET USED:</a:t>
-            </a:r>
-            <a:endParaRPr/>
-          </a:p>
-          <a:p>
-            <a:r>
-              <a:rPr lang="en-US" sz="3200">
-                <a:latin typeface="Times New Roman"/>
-              </a:rPr>
-              <a:t>Mention that reference D says to do away with Shape Contexts</a:t>
-            </a:r>
-            <a:endParaRPr/>
-          </a:p>
-          <a:p>
-            <a:r>
-              <a:rPr lang="en-US" sz="3200">
-                <a:latin typeface="Times New Roman"/>
-              </a:rPr>
-              <a:t>Mention that reference E describes how to perform the probability maximization efficiently with dynamic programming techniques</a:t>
-            </a:r>
-            <a:endParaRPr/>
-          </a:p>
-          <a:p>
-            <a:r>
-              <a:rPr lang="en-US" sz="3200">
-                <a:latin typeface="Times New Roman"/>
-              </a:rPr>
-              <a:t>Mention that reference F describes Harris-Laplace interest point detectors”</a:t>
-            </a:r>
-            <a:endParaRPr/>
-          </a:p>
-        </p:txBody>
-      </p:sp>
-      <p:sp>
-        <p:nvSpPr>
-          <p:cNvPr id="89" name="CustomShape 35"/>
-          <p:cNvSpPr/>
-          <p:nvPr/>
-        </p:nvSpPr>
-        <p:spPr>
-          <a:xfrm>
-            <a:off x="16184880" y="20005560"/>
-            <a:ext cx="5120640" cy="934200"/>
+            <a:ext cx="11703960" cy="4599000"/>
           </a:xfrm>
           <a:prstGeom prst="rect">
             <a:avLst/>
@@ -3127,10 +3605,187 @@
         <p:txBody>
           <a:bodyPr lIns="90000" rIns="90000" tIns="45000" bIns="45000"/>
           <a:p>
-            <a:pPr algn="ctr"/>
-            <a:r>
-              <a:rPr lang="en-US" sz="6000" strike="noStrike">
-                <a:latin typeface="Times New Roman"/>
+            <a:r>
+              <a:rPr lang="en-US" sz="3200" spc="-1" strike="noStrike">
+                <a:uFill>
+                  <a:solidFill>
+                    <a:srgbClr val="ffffff"/>
+                  </a:solidFill>
+                </a:uFill>
+                <a:latin typeface="Times New Roman"/>
+              </a:rPr>
+              <a:t>	</a:t>
+            </a:r>
+            <a:r>
+              <a:rPr lang="en-US" sz="3200" spc="-1" strike="noStrike">
+                <a:uFill>
+                  <a:solidFill>
+                    <a:srgbClr val="ffffff"/>
+                  </a:solidFill>
+                </a:uFill>
+                <a:latin typeface="Times New Roman"/>
+              </a:rPr>
+              <a:t>We first attempted to implement “People-Tracking-by-Detection and People-Detection-by-Tracking” [A], but quickly found  that to be too ambitious for our time constraints.  Instead, we opted to implement the first half of their paper, which deals entirely with detection.</a:t>
+            </a:r>
+            <a:endParaRPr/>
+          </a:p>
+          <a:p>
+            <a:r>
+              <a:rPr lang="en-US" sz="3200" spc="-1" strike="noStrike">
+                <a:uFill>
+                  <a:solidFill>
+                    <a:srgbClr val="ffffff"/>
+                  </a:solidFill>
+                </a:uFill>
+                <a:latin typeface="Times New Roman"/>
+              </a:rPr>
+              <a:t>	</a:t>
+            </a:r>
+            <a:r>
+              <a:rPr lang="en-US" sz="3200" spc="-1" strike="noStrike">
+                <a:uFill>
+                  <a:solidFill>
+                    <a:srgbClr val="ffffff"/>
+                  </a:solidFill>
+                </a:uFill>
+                <a:latin typeface="Times New Roman"/>
+              </a:rPr>
+              <a:t>While we were able to implement the paper in its basic state, we ran into many problems early on in the pipeline, especially with keypoint detection and feature descriptors, which ultimately resulted in poor results.  In addition to discussing the theory of the paper and our implementation of it, we also discuss the reasons for our failures, as well as plans to improve our results.</a:t>
+            </a:r>
+            <a:endParaRPr/>
+          </a:p>
+        </p:txBody>
+      </p:sp>
+      <p:sp>
+        <p:nvSpPr>
+          <p:cNvPr id="88" name="CustomShape 34"/>
+          <p:cNvSpPr/>
+          <p:nvPr/>
+        </p:nvSpPr>
+        <p:spPr>
+          <a:xfrm>
+            <a:off x="12436200" y="22530240"/>
+            <a:ext cx="11703960" cy="2798640"/>
+          </a:xfrm>
+          <a:prstGeom prst="rect">
+            <a:avLst/>
+          </a:prstGeom>
+          <a:noFill/>
+          <a:ln>
+            <a:noFill/>
+          </a:ln>
+        </p:spPr>
+        <p:style>
+          <a:lnRef idx="0"/>
+          <a:fillRef idx="0"/>
+          <a:effectRef idx="0"/>
+          <a:fontRef idx="minor"/>
+        </p:style>
+        <p:txBody>
+          <a:bodyPr lIns="90000" rIns="90000" tIns="45000" bIns="45000"/>
+          <a:p>
+            <a:r>
+              <a:rPr lang="en-US" sz="3200" spc="-1" strike="noStrike">
+                <a:uFill>
+                  <a:solidFill>
+                    <a:srgbClr val="ffffff"/>
+                  </a:solidFill>
+                </a:uFill>
+                <a:latin typeface="Times New Roman"/>
+              </a:rPr>
+              <a:t>REFERENCES NOT YET USED:</a:t>
+            </a:r>
+            <a:endParaRPr/>
+          </a:p>
+          <a:p>
+            <a:r>
+              <a:rPr lang="en-US" sz="3200" spc="-1" strike="noStrike">
+                <a:uFill>
+                  <a:solidFill>
+                    <a:srgbClr val="ffffff"/>
+                  </a:solidFill>
+                </a:uFill>
+                <a:latin typeface="Times New Roman"/>
+              </a:rPr>
+              <a:t>Mention that reference D says to do away with Shape Contexts</a:t>
+            </a:r>
+            <a:endParaRPr/>
+          </a:p>
+          <a:p>
+            <a:r>
+              <a:rPr lang="en-US" sz="3200" spc="-1" strike="noStrike">
+                <a:uFill>
+                  <a:solidFill>
+                    <a:srgbClr val="ffffff"/>
+                  </a:solidFill>
+                </a:uFill>
+                <a:latin typeface="Times New Roman"/>
+              </a:rPr>
+              <a:t>Mention that reference E describes how to perform the probability maximization efficiently with dynamic programming techniques</a:t>
+            </a:r>
+            <a:endParaRPr/>
+          </a:p>
+          <a:p>
+            <a:r>
+              <a:rPr lang="en-US" sz="3200" spc="-1" strike="noStrike">
+                <a:uFill>
+                  <a:solidFill>
+                    <a:srgbClr val="ffffff"/>
+                  </a:solidFill>
+                </a:uFill>
+                <a:latin typeface="Times New Roman"/>
+              </a:rPr>
+              <a:t>Mention that reference F describes Harris-Laplace interest point detectors”</a:t>
+            </a:r>
+            <a:endParaRPr/>
+          </a:p>
+        </p:txBody>
+      </p:sp>
+      <p:sp>
+        <p:nvSpPr>
+          <p:cNvPr id="89" name="CustomShape 35"/>
+          <p:cNvSpPr/>
+          <p:nvPr/>
+        </p:nvSpPr>
+        <p:spPr>
+          <a:xfrm>
+            <a:off x="16185240" y="20208240"/>
+            <a:ext cx="5120280" cy="933840"/>
+          </a:xfrm>
+          <a:prstGeom prst="rect">
+            <a:avLst/>
+          </a:prstGeom>
+          <a:noFill/>
+          <a:ln>
+            <a:noFill/>
+          </a:ln>
+        </p:spPr>
+        <p:style>
+          <a:lnRef idx="0"/>
+          <a:fillRef idx="0"/>
+          <a:effectRef idx="0"/>
+          <a:fontRef idx="minor"/>
+        </p:style>
+        <p:txBody>
+          <a:bodyPr lIns="90000" rIns="90000" tIns="45000" bIns="45000"/>
+          <a:p>
+            <a:pPr algn="ctr">
+              <a:lnSpc>
+                <a:spcPct val="100000"/>
+              </a:lnSpc>
+            </a:pPr>
+            <a:r>
+              <a:rPr lang="en-US" sz="6000" spc="-1" strike="noStrike">
+                <a:solidFill>
+                  <a:srgbClr val="000000"/>
+                </a:solidFill>
+                <a:uFill>
+                  <a:solidFill>
+                    <a:srgbClr val="ffffff"/>
+                  </a:solidFill>
+                </a:uFill>
+                <a:latin typeface="Times New Roman"/>
+                <a:ea typeface="DejaVu Sans"/>
               </a:rPr>
               <a:t>Future Work</a:t>
             </a:r>
@@ -3140,14 +3795,14 @@
       </p:sp>
       <p:sp>
         <p:nvSpPr>
-          <p:cNvPr id="90" name="TextShape 36"/>
-          <p:cNvSpPr txBox="1"/>
-          <p:nvPr/>
-        </p:nvSpPr>
-        <p:spPr>
-          <a:xfrm>
-            <a:off x="22311360" y="19591200"/>
-            <a:ext cx="7772400" cy="993240"/>
+          <p:cNvPr id="90" name="CustomShape 36"/>
+          <p:cNvSpPr/>
+          <p:nvPr/>
+        </p:nvSpPr>
+        <p:spPr>
+          <a:xfrm>
+            <a:off x="17465400" y="18598320"/>
+            <a:ext cx="7772040" cy="992880"/>
           </a:xfrm>
           <a:prstGeom prst="rect">
             <a:avLst/>
@@ -3157,43 +3812,150 @@
             <a:noFill/>
           </a:ln>
         </p:spPr>
+        <p:style>
+          <a:lnRef idx="0"/>
+          <a:fillRef idx="0"/>
+          <a:effectRef idx="0"/>
+          <a:fontRef idx="minor"/>
+        </p:style>
         <p:txBody>
           <a:bodyPr lIns="90000" rIns="90000" tIns="45000" bIns="45000"/>
           <a:p>
             <a:r>
-              <a:rPr lang="en-US" sz="3200">
+              <a:rPr lang="en-US" sz="3200" spc="-1" strike="noStrike">
+                <a:uFill>
+                  <a:solidFill>
+                    <a:srgbClr val="ffffff"/>
+                  </a:solidFill>
+                </a:uFill>
                 <a:latin typeface="Times New Roman"/>
               </a:rPr>
               <a:t>p(L | a, E) </a:t>
             </a:r>
             <a:r>
-              <a:rPr lang="en-US" sz="3200">
+              <a:rPr lang="en-US" sz="3200" spc="-1" strike="noStrike">
+                <a:uFill>
+                  <a:solidFill>
+                    <a:srgbClr val="ffffff"/>
+                  </a:solidFill>
+                </a:uFill>
                 <a:latin typeface="Times New Roman"/>
                 <a:ea typeface="Times New Roman"/>
               </a:rPr>
-              <a:t>≈ ∏ p(x | x , a) [ β + </a:t>
-            </a:r>
-            <a:r>
-              <a:rPr lang="en-US" sz="3200">
+              <a:t>≈ ∏ p(x | x , a) [ β + ∑  p(x | a, e ) ]</a:t>
+            </a:r>
+            <a:endParaRPr/>
+          </a:p>
+        </p:txBody>
+      </p:sp>
+      <p:sp>
+        <p:nvSpPr>
+          <p:cNvPr id="91" name="CustomShape 37"/>
+          <p:cNvSpPr/>
+          <p:nvPr/>
+        </p:nvSpPr>
+        <p:spPr>
+          <a:xfrm>
+            <a:off x="19862280" y="18866520"/>
+            <a:ext cx="5009400" cy="656640"/>
+          </a:xfrm>
+          <a:prstGeom prst="rect">
+            <a:avLst/>
+          </a:prstGeom>
+          <a:noFill/>
+          <a:ln>
+            <a:noFill/>
+          </a:ln>
+        </p:spPr>
+        <p:style>
+          <a:lnRef idx="0"/>
+          <a:fillRef idx="0"/>
+          <a:effectRef idx="0"/>
+          <a:fontRef idx="minor"/>
+        </p:style>
+        <p:txBody>
+          <a:bodyPr lIns="90000" rIns="90000" tIns="45000" bIns="45000"/>
+          <a:p>
+            <a:r>
+              <a:rPr lang="en-US" sz="2000" spc="-1" strike="noStrike">
+                <a:uFill>
+                  <a:solidFill>
+                    <a:srgbClr val="ffffff"/>
+                  </a:solidFill>
+                </a:uFill>
+                <a:latin typeface="Arial"/>
+              </a:rPr>
+              <a:t>i        i      0                          k        i            k</a:t>
+            </a:r>
+            <a:endParaRPr/>
+          </a:p>
+        </p:txBody>
+      </p:sp>
+      <p:sp>
+        <p:nvSpPr>
+          <p:cNvPr id="92" name="CustomShape 38"/>
+          <p:cNvSpPr/>
+          <p:nvPr/>
+        </p:nvSpPr>
+        <p:spPr>
+          <a:xfrm>
+            <a:off x="17556840" y="19685160"/>
+            <a:ext cx="7772040" cy="992880"/>
+          </a:xfrm>
+          <a:prstGeom prst="rect">
+            <a:avLst/>
+          </a:prstGeom>
+          <a:noFill/>
+          <a:ln>
+            <a:noFill/>
+          </a:ln>
+        </p:spPr>
+        <p:style>
+          <a:lnRef idx="0"/>
+          <a:fillRef idx="0"/>
+          <a:effectRef idx="0"/>
+          <a:fontRef idx="minor"/>
+        </p:style>
+        <p:txBody>
+          <a:bodyPr lIns="90000" rIns="90000" tIns="45000" bIns="45000"/>
+          <a:p>
+            <a:r>
+              <a:rPr lang="en-US" sz="3200" spc="-1" strike="noStrike">
+                <a:uFill>
+                  <a:solidFill>
+                    <a:srgbClr val="ffffff"/>
+                  </a:solidFill>
+                </a:uFill>
+                <a:latin typeface="Times New Roman"/>
+              </a:rPr>
+              <a:t>p(x  | a, e ) =</a:t>
+            </a:r>
+            <a:r>
+              <a:rPr lang="en-US" sz="3200" spc="-1" strike="noStrike">
+                <a:uFill>
+                  <a:solidFill>
+                    <a:srgbClr val="ffffff"/>
+                  </a:solidFill>
+                </a:uFill>
                 <a:latin typeface="Times New Roman"/>
                 <a:ea typeface="Times New Roman"/>
               </a:rPr>
-              <a:t>∑  p(x | a, e ) ]</a:t>
-            </a:r>
-            <a:endParaRPr/>
-          </a:p>
-        </p:txBody>
-      </p:sp>
-      <p:sp>
-        <p:nvSpPr>
-          <p:cNvPr id="91" name="TextShape 37"/>
-          <p:cNvSpPr txBox="1"/>
-          <p:nvPr/>
-        </p:nvSpPr>
-        <p:spPr>
-          <a:xfrm>
-            <a:off x="24708240" y="19859400"/>
-            <a:ext cx="5009760" cy="657000"/>
+              <a:t> ∑  p(x | a, c , e     ) p(c  | e    )</a:t>
+            </a:r>
+            <a:endParaRPr/>
+          </a:p>
+        </p:txBody>
+      </p:sp>
+      <p:sp>
+        <p:nvSpPr>
+          <p:cNvPr id="93" name="CustomShape 39"/>
+          <p:cNvSpPr/>
+          <p:nvPr/>
+        </p:nvSpPr>
+        <p:spPr>
+          <a:xfrm>
+            <a:off x="18124920" y="19958400"/>
+            <a:ext cx="6472440" cy="373320"/>
           </a:xfrm>
           <a:prstGeom prst="rect">
             <a:avLst/>
@@ -3203,29 +3965,40 @@
             <a:noFill/>
           </a:ln>
         </p:spPr>
+        <p:style>
+          <a:lnRef idx="0"/>
+          <a:fillRef idx="0"/>
+          <a:effectRef idx="0"/>
+          <a:fontRef idx="minor"/>
+        </p:style>
         <p:txBody>
           <a:bodyPr lIns="90000" rIns="90000" tIns="45000" bIns="45000"/>
           <a:p>
             <a:r>
-              <a:rPr lang="en-US" sz="2000">
+              <a:rPr lang="en-US" sz="2000" spc="-1" strike="noStrike">
+                <a:uFill>
+                  <a:solidFill>
+                    <a:srgbClr val="ffffff"/>
+                  </a:solidFill>
+                </a:uFill>
                 <a:latin typeface="Arial"/>
               </a:rPr>
-              <a:t>i        i      0                          k        i            k</a:t>
-            </a:r>
-            <a:endParaRPr/>
-          </a:p>
-        </p:txBody>
-      </p:sp>
-      <p:sp>
-        <p:nvSpPr>
-          <p:cNvPr id="92" name="TextShape 38"/>
-          <p:cNvSpPr txBox="1"/>
-          <p:nvPr/>
-        </p:nvSpPr>
-        <p:spPr>
-          <a:xfrm>
-            <a:off x="22402800" y="20678040"/>
-            <a:ext cx="7772400" cy="993240"/>
+              <a:t>i            k                       i            j      k                j       k</a:t>
+            </a:r>
+            <a:endParaRPr/>
+          </a:p>
+        </p:txBody>
+      </p:sp>
+      <p:sp>
+        <p:nvSpPr>
+          <p:cNvPr id="94" name="CustomShape 40"/>
+          <p:cNvSpPr/>
+          <p:nvPr/>
+        </p:nvSpPr>
+        <p:spPr>
+          <a:xfrm>
+            <a:off x="22128840" y="19685160"/>
+            <a:ext cx="2651400" cy="373320"/>
           </a:xfrm>
           <a:prstGeom prst="rect">
             <a:avLst/>
@@ -3235,36 +4008,40 @@
             <a:noFill/>
           </a:ln>
         </p:spPr>
+        <p:style>
+          <a:lnRef idx="0"/>
+          <a:fillRef idx="0"/>
+          <a:effectRef idx="0"/>
+          <a:fontRef idx="minor"/>
+        </p:style>
         <p:txBody>
           <a:bodyPr lIns="90000" rIns="90000" tIns="45000" bIns="45000"/>
           <a:p>
             <a:r>
-              <a:rPr lang="en-US" sz="3200">
-                <a:latin typeface="Times New Roman"/>
-              </a:rPr>
-              <a:t>p(x  | a, e ) =</a:t>
-            </a:r>
-            <a:r>
-              <a:rPr lang="en-US" sz="3200">
-                <a:latin typeface="Times New Roman"/>
-                <a:ea typeface="Times New Roman"/>
-              </a:rPr>
-              <a:t> ∑  p(x | a, c , e     ) p(c  | e    )</a:t>
-            </a:r>
-            <a:endParaRPr/>
-          </a:p>
-        </p:txBody>
-      </p:sp>
-      <p:sp>
-        <p:nvSpPr>
-          <p:cNvPr id="93" name="TextShape 39"/>
-          <p:cNvSpPr txBox="1"/>
-          <p:nvPr/>
-        </p:nvSpPr>
-        <p:spPr>
-          <a:xfrm>
-            <a:off x="22970880" y="20951280"/>
-            <a:ext cx="6472800" cy="373680"/>
+              <a:rPr lang="en-US" sz="2000" spc="-1" strike="noStrike">
+                <a:uFill>
+                  <a:solidFill>
+                    <a:srgbClr val="ffffff"/>
+                  </a:solidFill>
+                </a:uFill>
+                <a:latin typeface="Arial"/>
+              </a:rPr>
+              <a:t>pos                    app</a:t>
+            </a:r>
+            <a:endParaRPr/>
+          </a:p>
+        </p:txBody>
+      </p:sp>
+      <p:sp>
+        <p:nvSpPr>
+          <p:cNvPr id="95" name="CustomShape 41"/>
+          <p:cNvSpPr/>
+          <p:nvPr/>
+        </p:nvSpPr>
+        <p:spPr>
+          <a:xfrm>
+            <a:off x="15563520" y="9627840"/>
+            <a:ext cx="11246760" cy="1895760"/>
           </a:xfrm>
           <a:prstGeom prst="rect">
             <a:avLst/>
@@ -3274,29 +4051,142 @@
             <a:noFill/>
           </a:ln>
         </p:spPr>
+        <p:style>
+          <a:lnRef idx="0"/>
+          <a:fillRef idx="0"/>
+          <a:effectRef idx="0"/>
+          <a:fontRef idx="minor"/>
+        </p:style>
         <p:txBody>
           <a:bodyPr lIns="90000" rIns="90000" tIns="45000" bIns="45000"/>
           <a:p>
             <a:r>
-              <a:rPr lang="en-US" sz="2000">
-                <a:latin typeface="Arial"/>
-              </a:rPr>
-              <a:t>i            k                       i            j      k                j       k</a:t>
-            </a:r>
-            <a:endParaRPr/>
-          </a:p>
-        </p:txBody>
-      </p:sp>
-      <p:sp>
-        <p:nvSpPr>
-          <p:cNvPr id="94" name="TextShape 40"/>
-          <p:cNvSpPr txBox="1"/>
-          <p:nvPr/>
-        </p:nvSpPr>
-        <p:spPr>
-          <a:xfrm>
-            <a:off x="26974800" y="20678040"/>
-            <a:ext cx="2651760" cy="373680"/>
+              <a:rPr lang="en-US" sz="3200" spc="-1" strike="noStrike">
+                <a:uFill>
+                  <a:solidFill>
+                    <a:srgbClr val="ffffff"/>
+                  </a:solidFill>
+                </a:uFill>
+                <a:latin typeface="Times New Roman"/>
+              </a:rPr>
+              <a:t>We were fortunate to have a well-labeled training set (from [A]) giving the L={</a:t>
+            </a:r>
+            <a:r>
+              <a:rPr i="1" lang="en-US" sz="3200" spc="-1" strike="noStrike">
+                <a:uFill>
+                  <a:solidFill>
+                    <a:srgbClr val="ffffff"/>
+                  </a:solidFill>
+                </a:uFill>
+                <a:latin typeface="Times New Roman"/>
+              </a:rPr>
+              <a:t>x</a:t>
+            </a:r>
+            <a:r>
+              <a:rPr i="1" lang="en-US" sz="3200" spc="-1" strike="noStrike" baseline="33000">
+                <a:uFill>
+                  <a:solidFill>
+                    <a:srgbClr val="ffffff"/>
+                  </a:solidFill>
+                </a:uFill>
+                <a:latin typeface="Times New Roman"/>
+              </a:rPr>
+              <a:t>i</a:t>
+            </a:r>
+            <a:r>
+              <a:rPr lang="en-US" sz="3200" spc="-1" strike="noStrike">
+                <a:uFill>
+                  <a:solidFill>
+                    <a:srgbClr val="ffffff"/>
+                  </a:solidFill>
+                </a:uFill>
+                <a:latin typeface="Times New Roman"/>
+              </a:rPr>
+              <a:t>} set for each person in a series of images, where </a:t>
+            </a:r>
+            <a:r>
+              <a:rPr i="1" lang="en-US" sz="3200" spc="-1" strike="noStrike">
+                <a:uFill>
+                  <a:solidFill>
+                    <a:srgbClr val="ffffff"/>
+                  </a:solidFill>
+                </a:uFill>
+                <a:latin typeface="Times New Roman"/>
+              </a:rPr>
+              <a:t>x</a:t>
+            </a:r>
+            <a:r>
+              <a:rPr i="1" lang="en-US" sz="3200" spc="-1" strike="noStrike" baseline="33000">
+                <a:uFill>
+                  <a:solidFill>
+                    <a:srgbClr val="ffffff"/>
+                  </a:solidFill>
+                </a:uFill>
+                <a:latin typeface="Times New Roman"/>
+              </a:rPr>
+              <a:t>i</a:t>
+            </a:r>
+            <a:r>
+              <a:rPr lang="en-US" sz="3200" spc="-1" strike="noStrike">
+                <a:uFill>
+                  <a:solidFill>
+                    <a:srgbClr val="ffffff"/>
+                  </a:solidFill>
+                </a:uFill>
+                <a:latin typeface="Times New Roman"/>
+              </a:rPr>
+              <a:t> is the position of the </a:t>
+            </a:r>
+            <a:r>
+              <a:rPr i="1" lang="en-US" sz="3200" spc="-1" strike="noStrike">
+                <a:uFill>
+                  <a:solidFill>
+                    <a:srgbClr val="ffffff"/>
+                  </a:solidFill>
+                </a:uFill>
+                <a:latin typeface="Times New Roman"/>
+              </a:rPr>
+              <a:t>i</a:t>
+            </a:r>
+            <a:r>
+              <a:rPr lang="en-US" sz="3200" spc="-1" strike="noStrike">
+                <a:uFill>
+                  <a:solidFill>
+                    <a:srgbClr val="ffffff"/>
+                  </a:solidFill>
+                </a:uFill>
+                <a:latin typeface="Times New Roman"/>
+              </a:rPr>
+              <a:t>th part of the person.</a:t>
+            </a:r>
+            <a:endParaRPr/>
+          </a:p>
+          <a:p>
+            <a:r>
+              <a:rPr lang="en-US" sz="3200" spc="-1" strike="noStrike">
+                <a:uFill>
+                  <a:solidFill>
+                    <a:srgbClr val="ffffff"/>
+                  </a:solidFill>
+                </a:uFill>
+                <a:latin typeface="Times New Roman"/>
+              </a:rPr>
+              <a:t>In training, we fit several gaussian distributions:</a:t>
+            </a:r>
+            <a:endParaRPr/>
+          </a:p>
+        </p:txBody>
+      </p:sp>
+      <p:sp>
+        <p:nvSpPr>
+          <p:cNvPr id="96" name="CustomShape 42"/>
+          <p:cNvSpPr/>
+          <p:nvPr/>
+        </p:nvSpPr>
+        <p:spPr>
+          <a:xfrm>
+            <a:off x="15453720" y="16289280"/>
+            <a:ext cx="10881000" cy="992880"/>
           </a:xfrm>
           <a:prstGeom prst="rect">
             <a:avLst/>
@@ -3306,29 +4196,425 @@
             <a:noFill/>
           </a:ln>
         </p:spPr>
+        <p:style>
+          <a:lnRef idx="0"/>
+          <a:fillRef idx="0"/>
+          <a:effectRef idx="0"/>
+          <a:fontRef idx="minor"/>
+        </p:style>
         <p:txBody>
           <a:bodyPr lIns="90000" rIns="90000" tIns="45000" bIns="45000"/>
           <a:p>
             <a:r>
-              <a:rPr lang="en-US" sz="2000">
-                <a:latin typeface="Arial"/>
-              </a:rPr>
-              <a:t>pos                    app</a:t>
-            </a:r>
-            <a:endParaRPr/>
-          </a:p>
-        </p:txBody>
-      </p:sp>
-      <p:sp>
-        <p:nvSpPr>
-          <p:cNvPr id="95" name="TextShape 41"/>
-          <p:cNvSpPr txBox="1"/>
-          <p:nvPr/>
-        </p:nvSpPr>
-        <p:spPr>
-          <a:xfrm>
-            <a:off x="15563520" y="8980560"/>
-            <a:ext cx="11247120" cy="1896120"/>
+              <a:rPr lang="en-US" sz="3200" spc="-1" strike="noStrike">
+                <a:uFill>
+                  <a:solidFill>
+                    <a:srgbClr val="ffffff"/>
+                  </a:solidFill>
+                </a:uFill>
+                <a:latin typeface="Times New Roman"/>
+              </a:rPr>
+              <a:t>We also use clustering on shape contexts, and state that </a:t>
+            </a:r>
+            <a:r>
+              <a:rPr i="1" lang="en-US" sz="3200" spc="-1" strike="noStrike">
+                <a:uFill>
+                  <a:solidFill>
+                    <a:srgbClr val="ffffff"/>
+                  </a:solidFill>
+                </a:uFill>
+                <a:latin typeface="Times New Roman"/>
+              </a:rPr>
+              <a:t>p</a:t>
+            </a:r>
+            <a:r>
+              <a:rPr lang="en-US" sz="3200" spc="-1" strike="noStrike">
+                <a:uFill>
+                  <a:solidFill>
+                    <a:srgbClr val="ffffff"/>
+                  </a:solidFill>
+                </a:uFill>
+                <a:latin typeface="Times New Roman"/>
+              </a:rPr>
+              <a:t>(</a:t>
+            </a:r>
+            <a:r>
+              <a:rPr i="1" lang="en-US" sz="3200" spc="-1" strike="noStrike">
+                <a:uFill>
+                  <a:solidFill>
+                    <a:srgbClr val="ffffff"/>
+                  </a:solidFill>
+                </a:uFill>
+                <a:latin typeface="Times New Roman"/>
+              </a:rPr>
+              <a:t>c</a:t>
+            </a:r>
+            <a:r>
+              <a:rPr i="1" lang="en-US" sz="3200" spc="-1" strike="noStrike" baseline="-33000">
+                <a:uFill>
+                  <a:solidFill>
+                    <a:srgbClr val="ffffff"/>
+                  </a:solidFill>
+                </a:uFill>
+                <a:latin typeface="Times New Roman"/>
+              </a:rPr>
+              <a:t>j</a:t>
+            </a:r>
+            <a:r>
+              <a:rPr lang="en-US" sz="3200" spc="-1" strike="noStrike">
+                <a:uFill>
+                  <a:solidFill>
+                    <a:srgbClr val="ffffff"/>
+                  </a:solidFill>
+                </a:uFill>
+                <a:latin typeface="Times New Roman"/>
+              </a:rPr>
+              <a:t> | </a:t>
+            </a:r>
+            <a:r>
+              <a:rPr i="1" lang="en-US" sz="3200" spc="-1" strike="noStrike">
+                <a:uFill>
+                  <a:solidFill>
+                    <a:srgbClr val="ffffff"/>
+                  </a:solidFill>
+                </a:uFill>
+                <a:latin typeface="Times New Roman"/>
+              </a:rPr>
+              <a:t>e</a:t>
+            </a:r>
+            <a:r>
+              <a:rPr i="1" lang="en-US" sz="3200" spc="-1" strike="noStrike" baseline="33000">
+                <a:uFill>
+                  <a:solidFill>
+                    <a:srgbClr val="ffffff"/>
+                  </a:solidFill>
+                </a:uFill>
+                <a:latin typeface="Times New Roman"/>
+              </a:rPr>
+              <a:t>k</a:t>
+            </a:r>
+            <a:r>
+              <a:rPr i="1" lang="en-US" sz="3200" spc="-1" strike="noStrike" baseline="-33000">
+                <a:uFill>
+                  <a:solidFill>
+                    <a:srgbClr val="ffffff"/>
+                  </a:solidFill>
+                </a:uFill>
+                <a:latin typeface="Times New Roman"/>
+              </a:rPr>
+              <a:t>app</a:t>
+            </a:r>
+            <a:r>
+              <a:rPr lang="en-US" sz="3200" spc="-1" strike="noStrike">
+                <a:uFill>
+                  <a:solidFill>
+                    <a:srgbClr val="ffffff"/>
+                  </a:solidFill>
+                </a:uFill>
+                <a:latin typeface="Times New Roman"/>
+              </a:rPr>
+              <a:t>) is proportional to the L2 norm of (</a:t>
+            </a:r>
+            <a:r>
+              <a:rPr i="1" lang="en-US" sz="3200" spc="-1" strike="noStrike">
+                <a:uFill>
+                  <a:solidFill>
+                    <a:srgbClr val="ffffff"/>
+                  </a:solidFill>
+                </a:uFill>
+                <a:latin typeface="Times New Roman"/>
+              </a:rPr>
+              <a:t>c</a:t>
+            </a:r>
+            <a:r>
+              <a:rPr i="1" lang="en-US" sz="3200" spc="-1" strike="noStrike" baseline="-33000">
+                <a:uFill>
+                  <a:solidFill>
+                    <a:srgbClr val="ffffff"/>
+                  </a:solidFill>
+                </a:uFill>
+                <a:latin typeface="Times New Roman"/>
+              </a:rPr>
+              <a:t>j</a:t>
+            </a:r>
+            <a:r>
+              <a:rPr lang="en-US" sz="3200" spc="-1" strike="noStrike">
+                <a:uFill>
+                  <a:solidFill>
+                    <a:srgbClr val="ffffff"/>
+                  </a:solidFill>
+                </a:uFill>
+                <a:latin typeface="Times New Roman"/>
+              </a:rPr>
+              <a:t> – </a:t>
+            </a:r>
+            <a:r>
+              <a:rPr i="1" lang="en-US" sz="3200" spc="-1" strike="noStrike">
+                <a:uFill>
+                  <a:solidFill>
+                    <a:srgbClr val="ffffff"/>
+                  </a:solidFill>
+                </a:uFill>
+                <a:latin typeface="Times New Roman"/>
+              </a:rPr>
+              <a:t>e</a:t>
+            </a:r>
+            <a:r>
+              <a:rPr i="1" lang="en-US" sz="3200" spc="-1" strike="noStrike" baseline="33000">
+                <a:uFill>
+                  <a:solidFill>
+                    <a:srgbClr val="ffffff"/>
+                  </a:solidFill>
+                </a:uFill>
+                <a:latin typeface="Times New Roman"/>
+              </a:rPr>
+              <a:t>k</a:t>
+            </a:r>
+            <a:r>
+              <a:rPr i="1" lang="en-US" sz="3200" spc="-1" strike="noStrike" baseline="-33000">
+                <a:uFill>
+                  <a:solidFill>
+                    <a:srgbClr val="ffffff"/>
+                  </a:solidFill>
+                </a:uFill>
+                <a:latin typeface="Times New Roman"/>
+              </a:rPr>
+              <a:t>app</a:t>
+            </a:r>
+            <a:r>
+              <a:rPr lang="en-US" sz="3200" spc="-1" strike="noStrike">
+                <a:uFill>
+                  <a:solidFill>
+                    <a:srgbClr val="ffffff"/>
+                  </a:solidFill>
+                </a:uFill>
+                <a:latin typeface="Times New Roman"/>
+              </a:rPr>
+              <a:t>).  This gives us a </a:t>
+            </a:r>
+            <a:r>
+              <a:rPr i="1" lang="en-US" sz="3200" spc="-1" strike="noStrike">
+                <a:uFill>
+                  <a:solidFill>
+                    <a:srgbClr val="ffffff"/>
+                  </a:solidFill>
+                </a:uFill>
+                <a:latin typeface="Times New Roman"/>
+              </a:rPr>
+              <a:t>c</a:t>
+            </a:r>
+            <a:r>
+              <a:rPr i="1" lang="en-US" sz="3200" spc="-1" strike="noStrike" baseline="-33000">
+                <a:uFill>
+                  <a:solidFill>
+                    <a:srgbClr val="ffffff"/>
+                  </a:solidFill>
+                </a:uFill>
+                <a:latin typeface="Times New Roman"/>
+              </a:rPr>
+              <a:t>j</a:t>
+            </a:r>
+            <a:r>
+              <a:rPr lang="en-US" sz="3200" spc="-1" strike="noStrike">
+                <a:uFill>
+                  <a:solidFill>
+                    <a:srgbClr val="ffffff"/>
+                  </a:solidFill>
+                </a:uFill>
+                <a:latin typeface="Times New Roman"/>
+              </a:rPr>
+              <a:t> for each </a:t>
+            </a:r>
+            <a:r>
+              <a:rPr i="1" lang="en-US" sz="3200" spc="-1" strike="noStrike">
+                <a:uFill>
+                  <a:solidFill>
+                    <a:srgbClr val="ffffff"/>
+                  </a:solidFill>
+                </a:uFill>
+                <a:latin typeface="Times New Roman"/>
+              </a:rPr>
+              <a:t>e</a:t>
+            </a:r>
+            <a:r>
+              <a:rPr lang="en-US" sz="3200" spc="-1" strike="noStrike">
+                <a:uFill>
+                  <a:solidFill>
+                    <a:srgbClr val="ffffff"/>
+                  </a:solidFill>
+                </a:uFill>
+                <a:latin typeface="Times New Roman"/>
+              </a:rPr>
+              <a:t>, which lets us fit </a:t>
+            </a:r>
+            <a:r>
+              <a:rPr i="1" lang="en-US" sz="3200" spc="-1" strike="noStrike">
+                <a:uFill>
+                  <a:solidFill>
+                    <a:srgbClr val="ffffff"/>
+                  </a:solidFill>
+                </a:uFill>
+                <a:latin typeface="Times New Roman"/>
+              </a:rPr>
+              <a:t>p</a:t>
+            </a:r>
+            <a:r>
+              <a:rPr lang="en-US" sz="3200" spc="-1" strike="noStrike">
+                <a:uFill>
+                  <a:solidFill>
+                    <a:srgbClr val="ffffff"/>
+                  </a:solidFill>
+                </a:uFill>
+                <a:latin typeface="Times New Roman"/>
+              </a:rPr>
+              <a:t>(</a:t>
+            </a:r>
+            <a:r>
+              <a:rPr i="1" lang="en-US" sz="3200" spc="-1" strike="noStrike">
+                <a:uFill>
+                  <a:solidFill>
+                    <a:srgbClr val="ffffff"/>
+                  </a:solidFill>
+                </a:uFill>
+                <a:latin typeface="Times New Roman"/>
+              </a:rPr>
+              <a:t>x</a:t>
+            </a:r>
+            <a:r>
+              <a:rPr i="1" lang="en-US" sz="3200" spc="-1" strike="noStrike" baseline="33000">
+                <a:uFill>
+                  <a:solidFill>
+                    <a:srgbClr val="ffffff"/>
+                  </a:solidFill>
+                </a:uFill>
+                <a:latin typeface="Times New Roman"/>
+              </a:rPr>
+              <a:t>i</a:t>
+            </a:r>
+            <a:r>
+              <a:rPr lang="en-US" sz="3200" spc="-1" strike="noStrike">
+                <a:uFill>
+                  <a:solidFill>
+                    <a:srgbClr val="ffffff"/>
+                  </a:solidFill>
+                </a:uFill>
+                <a:latin typeface="Times New Roman"/>
+              </a:rPr>
+              <a:t> | </a:t>
+            </a:r>
+            <a:r>
+              <a:rPr i="1" lang="en-US" sz="3200" spc="-1" strike="noStrike">
+                <a:uFill>
+                  <a:solidFill>
+                    <a:srgbClr val="ffffff"/>
+                  </a:solidFill>
+                </a:uFill>
+                <a:latin typeface="Times New Roman"/>
+              </a:rPr>
+              <a:t>a</a:t>
+            </a:r>
+            <a:r>
+              <a:rPr lang="en-US" sz="3200" spc="-1" strike="noStrike">
+                <a:uFill>
+                  <a:solidFill>
+                    <a:srgbClr val="ffffff"/>
+                  </a:solidFill>
+                </a:uFill>
+                <a:latin typeface="Times New Roman"/>
+              </a:rPr>
+              <a:t>, </a:t>
+            </a:r>
+            <a:r>
+              <a:rPr i="1" lang="en-US" sz="3200" spc="-1" strike="noStrike">
+                <a:uFill>
+                  <a:solidFill>
+                    <a:srgbClr val="ffffff"/>
+                  </a:solidFill>
+                </a:uFill>
+                <a:latin typeface="Times New Roman"/>
+              </a:rPr>
+              <a:t>c</a:t>
+            </a:r>
+            <a:r>
+              <a:rPr i="1" lang="en-US" sz="3200" spc="-1" strike="noStrike" baseline="-33000">
+                <a:uFill>
+                  <a:solidFill>
+                    <a:srgbClr val="ffffff"/>
+                  </a:solidFill>
+                </a:uFill>
+                <a:latin typeface="Times New Roman"/>
+              </a:rPr>
+              <a:t>j</a:t>
+            </a:r>
+            <a:r>
+              <a:rPr lang="en-US" sz="3200" spc="-1" strike="noStrike">
+                <a:uFill>
+                  <a:solidFill>
+                    <a:srgbClr val="ffffff"/>
+                  </a:solidFill>
+                </a:uFill>
+                <a:latin typeface="Times New Roman"/>
+              </a:rPr>
+              <a:t>, </a:t>
+            </a:r>
+            <a:r>
+              <a:rPr i="1" lang="en-US" sz="3200" spc="-1" strike="noStrike">
+                <a:uFill>
+                  <a:solidFill>
+                    <a:srgbClr val="ffffff"/>
+                  </a:solidFill>
+                </a:uFill>
+                <a:latin typeface="Times New Roman"/>
+              </a:rPr>
+              <a:t>e</a:t>
+            </a:r>
+            <a:r>
+              <a:rPr i="1" lang="en-US" sz="3200" spc="-1" strike="noStrike" baseline="33000">
+                <a:uFill>
+                  <a:solidFill>
+                    <a:srgbClr val="ffffff"/>
+                  </a:solidFill>
+                </a:uFill>
+                <a:latin typeface="Times New Roman"/>
+              </a:rPr>
+              <a:t>k</a:t>
+            </a:r>
+            <a:r>
+              <a:rPr i="1" lang="en-US" sz="3200" spc="-1" strike="noStrike" baseline="-33000">
+                <a:uFill>
+                  <a:solidFill>
+                    <a:srgbClr val="ffffff"/>
+                  </a:solidFill>
+                </a:uFill>
+                <a:latin typeface="Times New Roman"/>
+              </a:rPr>
+              <a:t>pos</a:t>
+            </a:r>
+            <a:r>
+              <a:rPr lang="en-US" sz="3200" spc="-1" strike="noStrike">
+                <a:uFill>
+                  <a:solidFill>
+                    <a:srgbClr val="ffffff"/>
+                  </a:solidFill>
+                </a:uFill>
+                <a:latin typeface="Times New Roman"/>
+              </a:rPr>
+              <a:t>).  The final likelihood can be computed from:</a:t>
+            </a:r>
+            <a:endParaRPr/>
+          </a:p>
+        </p:txBody>
+      </p:sp>
+      <p:sp>
+        <p:nvSpPr>
+          <p:cNvPr id="97" name="CustomShape 43"/>
+          <p:cNvSpPr/>
+          <p:nvPr/>
+        </p:nvSpPr>
+        <p:spPr>
+          <a:xfrm>
+            <a:off x="19385280" y="4670640"/>
+            <a:ext cx="7425360" cy="541440"/>
           </a:xfrm>
           <a:prstGeom prst="rect">
             <a:avLst/>
@@ -3338,38 +4624,150 @@
             <a:noFill/>
           </a:ln>
         </p:spPr>
+        <p:style>
+          <a:lnRef idx="0"/>
+          <a:fillRef idx="0"/>
+          <a:effectRef idx="0"/>
+          <a:fontRef idx="minor"/>
+        </p:style>
         <p:txBody>
           <a:bodyPr lIns="90000" rIns="90000" tIns="45000" bIns="45000"/>
           <a:p>
             <a:r>
-              <a:rPr lang="en-US" sz="3200">
-                <a:latin typeface="Times New Roman"/>
-              </a:rPr>
-              <a:t>We were fortunate to have a well-labeld training set (from [A]) giving the L={xi} set for each person in a seriese of images, where xi is the position of the ith part of the person.</a:t>
-            </a:r>
-            <a:endParaRPr/>
-          </a:p>
-          <a:p>
-            <a:r>
-              <a:rPr lang="en-US" sz="3200">
-                <a:latin typeface="Times New Roman"/>
-              </a:rPr>
-              <a:t>In training, we fit several gaussian distributions:</a:t>
-            </a:r>
-            <a:endParaRPr/>
-          </a:p>
-        </p:txBody>
-      </p:sp>
-      <p:sp>
-        <p:nvSpPr>
-          <p:cNvPr id="96" name="TextShape 42"/>
-          <p:cNvSpPr txBox="1"/>
-          <p:nvPr/>
-        </p:nvSpPr>
-        <p:spPr>
-          <a:xfrm>
-            <a:off x="15455520" y="11808360"/>
-            <a:ext cx="10881360" cy="993240"/>
+              <a:rPr lang="en-US" sz="3200" spc="-1" strike="noStrike">
+                <a:uFill>
+                  <a:solidFill>
+                    <a:srgbClr val="ffffff"/>
+                  </a:solidFill>
+                </a:uFill>
+                <a:latin typeface="Times New Roman"/>
+              </a:rPr>
+              <a:t>This is a latent variable model where the goal is to infer the position of the limbs given features observed in the image.  The features are </a:t>
+            </a:r>
+            <a:r>
+              <a:rPr i="1" lang="en-US" sz="3200" spc="-1" strike="noStrike">
+                <a:uFill>
+                  <a:solidFill>
+                    <a:srgbClr val="ffffff"/>
+                  </a:solidFill>
+                </a:uFill>
+                <a:latin typeface="Times New Roman"/>
+              </a:rPr>
+              <a:t>e</a:t>
+            </a:r>
+            <a:r>
+              <a:rPr lang="en-US" sz="3200" spc="-1" strike="noStrike">
+                <a:uFill>
+                  <a:solidFill>
+                    <a:srgbClr val="ffffff"/>
+                  </a:solidFill>
+                </a:uFill>
+                <a:latin typeface="Times New Roman"/>
+              </a:rPr>
+              <a:t>, limb positions are </a:t>
+            </a:r>
+            <a:r>
+              <a:rPr i="1" lang="en-US" sz="3200" spc="-1" strike="noStrike">
+                <a:uFill>
+                  <a:solidFill>
+                    <a:srgbClr val="ffffff"/>
+                  </a:solidFill>
+                </a:uFill>
+                <a:latin typeface="Times New Roman"/>
+              </a:rPr>
+              <a:t>x</a:t>
+            </a:r>
+            <a:r>
+              <a:rPr i="1" lang="en-US" sz="3200" spc="-1" strike="noStrike" baseline="33000">
+                <a:uFill>
+                  <a:solidFill>
+                    <a:srgbClr val="ffffff"/>
+                  </a:solidFill>
+                </a:uFill>
+                <a:latin typeface="Times New Roman"/>
+              </a:rPr>
+              <a:t>i</a:t>
+            </a:r>
+            <a:r>
+              <a:rPr lang="en-US" sz="3200" spc="-1" strike="noStrike">
+                <a:uFill>
+                  <a:solidFill>
+                    <a:srgbClr val="ffffff"/>
+                  </a:solidFill>
+                </a:uFill>
+                <a:latin typeface="Times New Roman"/>
+              </a:rPr>
+              <a:t>, the center of mass is </a:t>
+            </a:r>
+            <a:r>
+              <a:rPr i="1" lang="en-US" sz="3200" spc="-1" strike="noStrike">
+                <a:uFill>
+                  <a:solidFill>
+                    <a:srgbClr val="ffffff"/>
+                  </a:solidFill>
+                </a:uFill>
+                <a:latin typeface="Times New Roman"/>
+              </a:rPr>
+              <a:t>x</a:t>
+            </a:r>
+            <a:r>
+              <a:rPr i="1" lang="en-US" sz="3200" spc="-1" strike="noStrike" baseline="33000">
+                <a:uFill>
+                  <a:solidFill>
+                    <a:srgbClr val="ffffff"/>
+                  </a:solidFill>
+                </a:uFill>
+                <a:latin typeface="Times New Roman"/>
+              </a:rPr>
+              <a:t>0</a:t>
+            </a:r>
+            <a:r>
+              <a:rPr lang="en-US" sz="3200" spc="-1" strike="noStrike">
+                <a:uFill>
+                  <a:solidFill>
+                    <a:srgbClr val="ffffff"/>
+                  </a:solidFill>
+                </a:uFill>
+                <a:latin typeface="Times New Roman"/>
+              </a:rPr>
+              <a:t>, and </a:t>
+            </a:r>
+            <a:r>
+              <a:rPr i="1" lang="en-US" sz="3200" spc="-1" strike="noStrike">
+                <a:uFill>
+                  <a:solidFill>
+                    <a:srgbClr val="ffffff"/>
+                  </a:solidFill>
+                </a:uFill>
+                <a:latin typeface="Times New Roman"/>
+              </a:rPr>
+              <a:t>a</a:t>
+            </a:r>
+            <a:r>
+              <a:rPr lang="en-US" sz="3200" spc="-1" strike="noStrike">
+                <a:uFill>
+                  <a:solidFill>
+                    <a:srgbClr val="ffffff"/>
+                  </a:solidFill>
+                </a:uFill>
+                <a:latin typeface="Times New Roman"/>
+              </a:rPr>
+              <a:t> is the phase of the walking cycle.  Given the shape of this model, [B] gives an efficient way to maximize the resulting likelihood function.</a:t>
+            </a:r>
+            <a:endParaRPr/>
+          </a:p>
+        </p:txBody>
+      </p:sp>
+      <p:sp>
+        <p:nvSpPr>
+          <p:cNvPr id="98" name="CustomShape 44"/>
+          <p:cNvSpPr/>
+          <p:nvPr/>
+        </p:nvSpPr>
+        <p:spPr>
+          <a:xfrm>
+            <a:off x="27523440" y="5036400"/>
+            <a:ext cx="4937760" cy="4381920"/>
           </a:xfrm>
           <a:prstGeom prst="rect">
             <a:avLst/>
@@ -3379,78 +4777,80 @@
             <a:noFill/>
           </a:ln>
         </p:spPr>
+        <p:style>
+          <a:lnRef idx="0"/>
+          <a:fillRef idx="0"/>
+          <a:effectRef idx="0"/>
+          <a:fontRef idx="minor"/>
+        </p:style>
         <p:txBody>
           <a:bodyPr lIns="90000" rIns="90000" tIns="45000" bIns="45000"/>
           <a:p>
             <a:r>
-              <a:rPr lang="en-US" sz="3200">
-                <a:latin typeface="Times New Roman"/>
-              </a:rPr>
-              <a:t>We also use clustering on shape contexts, and state that p(cj | ek_app) is proportional to the L2 norm of (cj - ek_app).</a:t>
-            </a:r>
-            <a:endParaRPr/>
-          </a:p>
-        </p:txBody>
-      </p:sp>
-      <p:sp>
-        <p:nvSpPr>
-          <p:cNvPr id="97" name="TextShape 43"/>
-          <p:cNvSpPr txBox="1"/>
-          <p:nvPr/>
-        </p:nvSpPr>
-        <p:spPr>
-          <a:xfrm>
-            <a:off x="19512360" y="5303520"/>
-            <a:ext cx="4170600" cy="541800"/>
-          </a:xfrm>
-          <a:prstGeom prst="rect">
-            <a:avLst/>
-          </a:prstGeom>
-          <a:noFill/>
-          <a:ln>
-            <a:noFill/>
-          </a:ln>
-        </p:spPr>
-        <p:txBody>
-          <a:bodyPr lIns="90000" rIns="90000" tIns="45000" bIns="45000"/>
-          <a:p>
-            <a:r>
-              <a:rPr lang="en-US" sz="3200">
-                <a:latin typeface="Times New Roman"/>
-              </a:rPr>
-              <a:t>EXPLANATION HERE</a:t>
-            </a:r>
-            <a:endParaRPr/>
-          </a:p>
-        </p:txBody>
-      </p:sp>
-      <p:sp>
-        <p:nvSpPr>
-          <p:cNvPr id="98" name="TextShape 44"/>
-          <p:cNvSpPr txBox="1"/>
-          <p:nvPr/>
-        </p:nvSpPr>
-        <p:spPr>
-          <a:xfrm>
-            <a:off x="27797760" y="5394960"/>
-            <a:ext cx="4170600" cy="541800"/>
-          </a:xfrm>
-          <a:prstGeom prst="rect">
-            <a:avLst/>
-          </a:prstGeom>
-          <a:noFill/>
-          <a:ln>
-            <a:noFill/>
-          </a:ln>
-        </p:spPr>
-        <p:txBody>
-          <a:bodyPr lIns="90000" rIns="90000" tIns="45000" bIns="45000"/>
-          <a:p>
-            <a:r>
-              <a:rPr lang="en-US" sz="3200">
-                <a:latin typeface="Times New Roman"/>
-              </a:rPr>
-              <a:t>EXPLANATION HERE</a:t>
+              <a:rPr lang="en-US" sz="3200" spc="-1" strike="noStrike">
+                <a:uFill>
+                  <a:solidFill>
+                    <a:srgbClr val="ffffff"/>
+                  </a:solidFill>
+                </a:uFill>
+                <a:latin typeface="Times New Roman"/>
+              </a:rPr>
+              <a:t>To perform detection within a window, we first find interest points in the window and compute their feature descriptors.  We find the codebook word closest to each feature and maximize </a:t>
+            </a:r>
+            <a:r>
+              <a:rPr i="1" lang="en-US" sz="3200" spc="-1" strike="noStrike">
+                <a:uFill>
+                  <a:solidFill>
+                    <a:srgbClr val="ffffff"/>
+                  </a:solidFill>
+                </a:uFill>
+                <a:latin typeface="Times New Roman"/>
+              </a:rPr>
+              <a:t>p</a:t>
+            </a:r>
+            <a:r>
+              <a:rPr lang="en-US" sz="3200" spc="-1" strike="noStrike">
+                <a:uFill>
+                  <a:solidFill>
+                    <a:srgbClr val="ffffff"/>
+                  </a:solidFill>
+                </a:uFill>
+                <a:latin typeface="Times New Roman"/>
+              </a:rPr>
+              <a:t>(L | </a:t>
+            </a:r>
+            <a:r>
+              <a:rPr i="1" lang="en-US" sz="3200" spc="-1" strike="noStrike">
+                <a:uFill>
+                  <a:solidFill>
+                    <a:srgbClr val="ffffff"/>
+                  </a:solidFill>
+                </a:uFill>
+                <a:latin typeface="Times New Roman"/>
+              </a:rPr>
+              <a:t>a</a:t>
+            </a:r>
+            <a:r>
+              <a:rPr lang="en-US" sz="3200" spc="-1" strike="noStrike">
+                <a:uFill>
+                  <a:solidFill>
+                    <a:srgbClr val="ffffff"/>
+                  </a:solidFill>
+                </a:uFill>
+                <a:latin typeface="Times New Roman"/>
+              </a:rPr>
+              <a:t>, E)</a:t>
+            </a:r>
+            <a:r>
+              <a:rPr lang="en-US" sz="3200" spc="-1" strike="noStrike">
+                <a:uFill>
+                  <a:solidFill>
+                    <a:srgbClr val="ffffff"/>
+                  </a:solidFill>
+                </a:uFill>
+                <a:latin typeface="Times New Roman"/>
+              </a:rPr>
+              <a:t> using the method from [B].</a:t>
             </a:r>
             <a:endParaRPr/>
           </a:p>
@@ -3465,7 +4865,7 @@
         <p:spPr>
           <a:xfrm>
             <a:off x="26810640" y="3566160"/>
-            <a:ext cx="9491040" cy="13533120"/>
+            <a:ext cx="9490680" cy="13532760"/>
           </a:xfrm>
           <a:prstGeom prst="rect">
             <a:avLst/>
@@ -3484,6 +4884,148 @@
           <a:effectRef idx="0"/>
           <a:fontRef idx="minor"/>
         </p:style>
+      </p:sp>
+      <p:sp>
+        <p:nvSpPr>
+          <p:cNvPr id="100" name="CustomShape 46"/>
+          <p:cNvSpPr/>
+          <p:nvPr/>
+        </p:nvSpPr>
+        <p:spPr>
+          <a:xfrm>
+            <a:off x="23500080" y="12252960"/>
+            <a:ext cx="2834640" cy="1895760"/>
+          </a:xfrm>
+          <a:prstGeom prst="rect">
+            <a:avLst/>
+          </a:prstGeom>
+          <a:noFill/>
+          <a:ln>
+            <a:noFill/>
+          </a:ln>
+        </p:spPr>
+        <p:style>
+          <a:lnRef idx="0"/>
+          <a:fillRef idx="0"/>
+          <a:effectRef idx="0"/>
+          <a:fontRef idx="minor"/>
+        </p:style>
+        <p:txBody>
+          <a:bodyPr lIns="90000" rIns="90000" tIns="45000" bIns="45000"/>
+          <a:p>
+            <a:r>
+              <a:rPr i="1" lang="en-US" sz="2600" spc="-1" strike="noStrike">
+                <a:uFill>
+                  <a:solidFill>
+                    <a:srgbClr val="ffffff"/>
+                  </a:solidFill>
+                </a:uFill>
+                <a:latin typeface="Times New Roman"/>
+              </a:rPr>
+              <a:t>p</a:t>
+            </a:r>
+            <a:r>
+              <a:rPr lang="en-US" sz="2600" spc="-1" strike="noStrike">
+                <a:uFill>
+                  <a:solidFill>
+                    <a:srgbClr val="ffffff"/>
+                  </a:solidFill>
+                </a:uFill>
+                <a:latin typeface="Times New Roman"/>
+              </a:rPr>
+              <a:t>(</a:t>
+            </a:r>
+            <a:r>
+              <a:rPr i="1" lang="en-US" sz="2600" spc="-1" strike="noStrike">
+                <a:uFill>
+                  <a:solidFill>
+                    <a:srgbClr val="ffffff"/>
+                  </a:solidFill>
+                </a:uFill>
+                <a:latin typeface="Times New Roman"/>
+              </a:rPr>
+              <a:t>x</a:t>
+            </a:r>
+            <a:r>
+              <a:rPr i="1" lang="en-US" sz="2600" spc="-1" strike="noStrike" baseline="33000">
+                <a:uFill>
+                  <a:solidFill>
+                    <a:srgbClr val="ffffff"/>
+                  </a:solidFill>
+                </a:uFill>
+                <a:latin typeface="Times New Roman"/>
+              </a:rPr>
+              <a:t>i</a:t>
+            </a:r>
+            <a:r>
+              <a:rPr lang="en-US" sz="2600" spc="-1" strike="noStrike">
+                <a:uFill>
+                  <a:solidFill>
+                    <a:srgbClr val="ffffff"/>
+                  </a:solidFill>
+                </a:uFill>
+                <a:latin typeface="Times New Roman"/>
+              </a:rPr>
+              <a:t> | </a:t>
+            </a:r>
+            <a:r>
+              <a:rPr i="1" lang="en-US" sz="2600" spc="-1" strike="noStrike">
+                <a:uFill>
+                  <a:solidFill>
+                    <a:srgbClr val="ffffff"/>
+                  </a:solidFill>
+                </a:uFill>
+                <a:latin typeface="Times New Roman"/>
+              </a:rPr>
+              <a:t>x</a:t>
+            </a:r>
+            <a:r>
+              <a:rPr i="1" lang="en-US" sz="2600" spc="-1" strike="noStrike" baseline="33000">
+                <a:uFill>
+                  <a:solidFill>
+                    <a:srgbClr val="ffffff"/>
+                  </a:solidFill>
+                </a:uFill>
+                <a:latin typeface="Times New Roman"/>
+              </a:rPr>
+              <a:t>0</a:t>
+            </a:r>
+            <a:r>
+              <a:rPr lang="en-US" sz="2600" spc="-1" strike="noStrike">
+                <a:uFill>
+                  <a:solidFill>
+                    <a:srgbClr val="ffffff"/>
+                  </a:solidFill>
+                </a:uFill>
+                <a:latin typeface="Times New Roman"/>
+              </a:rPr>
+              <a:t>, </a:t>
+            </a:r>
+            <a:r>
+              <a:rPr i="1" lang="en-US" sz="2600" spc="-1" strike="noStrike">
+                <a:uFill>
+                  <a:solidFill>
+                    <a:srgbClr val="ffffff"/>
+                  </a:solidFill>
+                </a:uFill>
+                <a:latin typeface="Times New Roman"/>
+              </a:rPr>
+              <a:t>a</a:t>
+            </a:r>
+            <a:r>
+              <a:rPr lang="en-US" sz="2600" spc="-1" strike="noStrike">
+                <a:uFill>
+                  <a:solidFill>
+                    <a:srgbClr val="ffffff"/>
+                  </a:solidFill>
+                </a:uFill>
+                <a:latin typeface="Times New Roman"/>
+              </a:rPr>
+              <a:t>=1, 2, ...)</a:t>
+            </a:r>
+            <a:endParaRPr/>
+          </a:p>
+        </p:txBody>
       </p:sp>
     </p:spTree>
   </p:cSld>
